--- a/test-driven-database-development/test-driven-database-development-dps2021.pptx
+++ b/test-driven-database-development/test-driven-database-development-dps2021.pptx
@@ -5,24 +5,26 @@
     <p:sldMasterId id="2147483648" r:id="rId1"/>
   </p:sldMasterIdLst>
   <p:notesMasterIdLst>
-    <p:notesMasterId r:id="rId14"/>
+    <p:notesMasterId r:id="rId16"/>
   </p:notesMasterIdLst>
   <p:handoutMasterIdLst>
-    <p:handoutMasterId r:id="rId15"/>
+    <p:handoutMasterId r:id="rId17"/>
   </p:handoutMasterIdLst>
   <p:sldIdLst>
     <p:sldId id="256" r:id="rId2"/>
     <p:sldId id="257" r:id="rId3"/>
     <p:sldId id="258" r:id="rId4"/>
-    <p:sldId id="266" r:id="rId5"/>
-    <p:sldId id="259" r:id="rId6"/>
-    <p:sldId id="260" r:id="rId7"/>
-    <p:sldId id="261" r:id="rId8"/>
-    <p:sldId id="262" r:id="rId9"/>
-    <p:sldId id="263" r:id="rId10"/>
-    <p:sldId id="265" r:id="rId11"/>
-    <p:sldId id="433" r:id="rId12"/>
-    <p:sldId id="268" r:id="rId13"/>
+    <p:sldId id="435" r:id="rId5"/>
+    <p:sldId id="266" r:id="rId6"/>
+    <p:sldId id="434" r:id="rId7"/>
+    <p:sldId id="259" r:id="rId8"/>
+    <p:sldId id="260" r:id="rId9"/>
+    <p:sldId id="261" r:id="rId10"/>
+    <p:sldId id="262" r:id="rId11"/>
+    <p:sldId id="263" r:id="rId12"/>
+    <p:sldId id="265" r:id="rId13"/>
+    <p:sldId id="433" r:id="rId14"/>
+    <p:sldId id="268" r:id="rId15"/>
   </p:sldIdLst>
   <p:sldSz cx="12184063" cy="6858000"/>
   <p:notesSz cx="6858000" cy="9144000"/>
@@ -1148,7 +1150,7 @@
           <a:p>
             <a:fld id="{004AA732-83F6-4A36-9A8C-625940E0E719}" type="slidenum">
               <a:rPr lang="en-US" smtClean="0"/>
-              <a:t>11</a:t>
+              <a:t>13</a:t>
             </a:fld>
             <a:endParaRPr lang="en-US"/>
           </a:p>
@@ -4276,7 +4278,7 @@
           <a:p>
             <a:r>
               <a:rPr lang="en-IN" dirty="0"/>
-              <a:t>Session Subtitle 26pt</a:t>
+              <a:t>Don’t mock your most important piece</a:t>
             </a:r>
           </a:p>
         </p:txBody>
@@ -4616,1684 +4618,6 @@
 </file>
 
 <file path=ppt/slides/slide10.xml><?xml version="1.0" encoding="utf-8"?>
-<p:sld xmlns:a="http://schemas.openxmlformats.org/drawingml/2006/main" xmlns:r="http://schemas.openxmlformats.org/officeDocument/2006/relationships" xmlns:p="http://schemas.openxmlformats.org/presentationml/2006/main">
-  <p:cSld>
-    <p:spTree>
-      <p:nvGrpSpPr>
-        <p:cNvPr id="1" name=""/>
-        <p:cNvGrpSpPr/>
-        <p:nvPr/>
-      </p:nvGrpSpPr>
-      <p:grpSpPr>
-        <a:xfrm>
-          <a:off x="0" y="0"/>
-          <a:ext cx="0" cy="0"/>
-          <a:chOff x="0" y="0"/>
-          <a:chExt cx="0" cy="0"/>
-        </a:xfrm>
-      </p:grpSpPr>
-      <p:sp>
-        <p:nvSpPr>
-          <p:cNvPr id="4" name="Title 3"/>
-          <p:cNvSpPr>
-            <a:spLocks noGrp="1"/>
-          </p:cNvSpPr>
-          <p:nvPr>
-            <p:ph type="title"/>
-          </p:nvPr>
-        </p:nvSpPr>
-        <p:spPr>
-          <a:xfrm>
-            <a:off x="3080201" y="1250142"/>
-            <a:ext cx="6853583" cy="1362075"/>
-          </a:xfrm>
-        </p:spPr>
-        <p:txBody>
-          <a:bodyPr/>
-          <a:lstStyle/>
-          <a:p>
-            <a:r>
-              <a:rPr lang="en-US" dirty="0"/>
-              <a:t>Video Title</a:t>
-            </a:r>
-            <a:endParaRPr lang="en-IN" dirty="0"/>
-          </a:p>
-        </p:txBody>
-      </p:sp>
-      <p:sp>
-        <p:nvSpPr>
-          <p:cNvPr id="5" name="Text Placeholder 4"/>
-          <p:cNvSpPr>
-            <a:spLocks noGrp="1"/>
-          </p:cNvSpPr>
-          <p:nvPr>
-            <p:ph type="body" idx="4294967295"/>
-          </p:nvPr>
-        </p:nvSpPr>
-        <p:spPr>
-          <a:xfrm>
-            <a:off x="3080201" y="2750340"/>
-            <a:ext cx="6853583" cy="1500187"/>
-          </a:xfrm>
-        </p:spPr>
-        <p:txBody>
-          <a:bodyPr/>
-          <a:lstStyle/>
-          <a:p>
-            <a:r>
-              <a:rPr lang="en-US" dirty="0"/>
-              <a:t>Add subtitle</a:t>
-            </a:r>
-            <a:endParaRPr lang="en-IN" dirty="0"/>
-          </a:p>
-        </p:txBody>
-      </p:sp>
-    </p:spTree>
-  </p:cSld>
-  <p:clrMapOvr>
-    <a:masterClrMapping/>
-  </p:clrMapOvr>
-</p:sld>
-</file>
-
-<file path=ppt/slides/slide11.xml><?xml version="1.0" encoding="utf-8"?>
-<p:sld xmlns:a="http://schemas.openxmlformats.org/drawingml/2006/main" xmlns:r="http://schemas.openxmlformats.org/officeDocument/2006/relationships" xmlns:p="http://schemas.openxmlformats.org/presentationml/2006/main">
-  <p:cSld>
-    <p:spTree>
-      <p:nvGrpSpPr>
-        <p:cNvPr id="1" name=""/>
-        <p:cNvGrpSpPr/>
-        <p:nvPr/>
-      </p:nvGrpSpPr>
-      <p:grpSpPr>
-        <a:xfrm>
-          <a:off x="0" y="0"/>
-          <a:ext cx="0" cy="0"/>
-          <a:chOff x="0" y="0"/>
-          <a:chExt cx="0" cy="0"/>
-        </a:xfrm>
-      </p:grpSpPr>
-      <p:sp>
-        <p:nvSpPr>
-          <p:cNvPr id="6" name="Content Placeholder 2">
-            <a:extLst>
-              <a:ext uri="{FF2B5EF4-FFF2-40B4-BE49-F238E27FC236}">
-                <a16:creationId xmlns:a16="http://schemas.microsoft.com/office/drawing/2014/main" id="{72A30819-A19D-4A98-A03B-26ED6C25BAAD}"/>
-              </a:ext>
-            </a:extLst>
-          </p:cNvPr>
-          <p:cNvSpPr>
-            <a:spLocks noGrp="1"/>
-          </p:cNvSpPr>
-          <p:nvPr>
-            <p:ph idx="1"/>
-          </p:nvPr>
-        </p:nvSpPr>
-        <p:spPr>
-          <a:xfrm>
-            <a:off x="704391" y="620688"/>
-            <a:ext cx="10775280" cy="5688632"/>
-          </a:xfrm>
-        </p:spPr>
-        <p:txBody>
-          <a:bodyPr>
-            <a:normAutofit/>
-          </a:bodyPr>
-          <a:lstStyle/>
-          <a:p>
-            <a:pPr marL="0" indent="0" algn="ctr">
-              <a:spcBef>
-                <a:spcPts val="999"/>
-              </a:spcBef>
-              <a:buNone/>
-            </a:pPr>
-            <a:r>
-              <a:rPr lang="en-US" sz="2798" b="1" dirty="0">
-                <a:solidFill>
-                  <a:schemeClr val="accent2">
-                    <a:lumMod val="50000"/>
-                  </a:schemeClr>
-                </a:solidFill>
-              </a:rPr>
-              <a:t>Special Thanks To</a:t>
-            </a:r>
-          </a:p>
-          <a:p>
-            <a:pPr marL="0" indent="0" algn="ctr">
-              <a:spcBef>
-                <a:spcPts val="999"/>
-              </a:spcBef>
-              <a:buNone/>
-            </a:pPr>
-            <a:endParaRPr lang="en-US" sz="2798" b="1" dirty="0">
-              <a:solidFill>
-                <a:schemeClr val="accent2">
-                  <a:lumMod val="50000"/>
-                </a:schemeClr>
-              </a:solidFill>
-            </a:endParaRPr>
-          </a:p>
-          <a:p>
-            <a:pPr marL="0" indent="0" algn="ctr">
-              <a:spcBef>
-                <a:spcPts val="999"/>
-              </a:spcBef>
-              <a:buNone/>
-            </a:pPr>
-            <a:endParaRPr lang="en-US" sz="2798" b="1" dirty="0">
-              <a:solidFill>
-                <a:schemeClr val="accent2">
-                  <a:lumMod val="50000"/>
-                </a:schemeClr>
-              </a:solidFill>
-            </a:endParaRPr>
-          </a:p>
-          <a:p>
-            <a:pPr marL="0" indent="0" algn="ctr">
-              <a:spcBef>
-                <a:spcPts val="999"/>
-              </a:spcBef>
-              <a:buNone/>
-            </a:pPr>
-            <a:endParaRPr lang="en-US" sz="2798" b="1" dirty="0">
-              <a:solidFill>
-                <a:schemeClr val="accent2">
-                  <a:lumMod val="50000"/>
-                </a:schemeClr>
-              </a:solidFill>
-            </a:endParaRPr>
-          </a:p>
-          <a:p>
-            <a:pPr marL="0" indent="0" algn="ctr">
-              <a:spcBef>
-                <a:spcPts val="999"/>
-              </a:spcBef>
-              <a:buNone/>
-            </a:pPr>
-            <a:endParaRPr lang="en-US" sz="2798" b="1" dirty="0">
-              <a:solidFill>
-                <a:schemeClr val="accent2">
-                  <a:lumMod val="50000"/>
-                </a:schemeClr>
-              </a:solidFill>
-            </a:endParaRPr>
-          </a:p>
-          <a:p>
-            <a:pPr marL="0" indent="0" algn="ctr">
-              <a:spcBef>
-                <a:spcPts val="999"/>
-              </a:spcBef>
-              <a:buNone/>
-            </a:pPr>
-            <a:endParaRPr lang="en-US" sz="2798" b="1" dirty="0">
-              <a:solidFill>
-                <a:schemeClr val="accent2">
-                  <a:lumMod val="50000"/>
-                </a:schemeClr>
-              </a:solidFill>
-            </a:endParaRPr>
-          </a:p>
-          <a:p>
-            <a:pPr marL="0" indent="0" algn="ctr">
-              <a:spcBef>
-                <a:spcPts val="999"/>
-              </a:spcBef>
-              <a:buNone/>
-            </a:pPr>
-            <a:r>
-              <a:rPr lang="en-US" sz="2798" b="1" dirty="0">
-                <a:solidFill>
-                  <a:schemeClr val="accent2">
-                    <a:lumMod val="50000"/>
-                  </a:schemeClr>
-                </a:solidFill>
-              </a:rPr>
-              <a:t>for supporting</a:t>
-            </a:r>
-          </a:p>
-          <a:p>
-            <a:pPr marL="0" indent="0" algn="ctr">
-              <a:spcBef>
-                <a:spcPts val="999"/>
-              </a:spcBef>
-              <a:buNone/>
-            </a:pPr>
-            <a:r>
-              <a:rPr lang="en-US" sz="2798" b="1" dirty="0">
-                <a:solidFill>
-                  <a:schemeClr val="accent2">
-                    <a:lumMod val="50000"/>
-                  </a:schemeClr>
-                </a:solidFill>
-              </a:rPr>
-              <a:t>DataPlatformGeeks &amp; </a:t>
-            </a:r>
-            <a:r>
-              <a:rPr lang="en-US" sz="2798" b="1" dirty="0" err="1">
-                <a:solidFill>
-                  <a:schemeClr val="accent2">
-                    <a:lumMod val="50000"/>
-                  </a:schemeClr>
-                </a:solidFill>
-              </a:rPr>
-              <a:t>SQLServerGeeks</a:t>
-            </a:r>
-            <a:endParaRPr lang="en-US" sz="2798" b="1" dirty="0">
-              <a:solidFill>
-                <a:schemeClr val="accent2">
-                  <a:lumMod val="50000"/>
-                </a:schemeClr>
-              </a:solidFill>
-            </a:endParaRPr>
-          </a:p>
-          <a:p>
-            <a:pPr marL="0" indent="0" algn="ctr">
-              <a:spcBef>
-                <a:spcPts val="999"/>
-              </a:spcBef>
-              <a:buNone/>
-            </a:pPr>
-            <a:r>
-              <a:rPr lang="en-US" sz="2798" b="1" dirty="0">
-                <a:solidFill>
-                  <a:schemeClr val="accent2">
-                    <a:lumMod val="50000"/>
-                  </a:schemeClr>
-                </a:solidFill>
-              </a:rPr>
-              <a:t>Community Initiatives</a:t>
-            </a:r>
-          </a:p>
-        </p:txBody>
-      </p:sp>
-      <p:pic>
-        <p:nvPicPr>
-          <p:cNvPr id="9" name="Picture 2" descr="https://media.licdn.com/mpr/mpr/AAEAAQAAAAAAAAxqAAAAJDY0NzE1OGYwLWY4YzUtNDk2Yy1iMDA5LTRjYjlkYzczNTNjYQ.png">
-            <a:extLst>
-              <a:ext uri="{FF2B5EF4-FFF2-40B4-BE49-F238E27FC236}">
-                <a16:creationId xmlns:a16="http://schemas.microsoft.com/office/drawing/2014/main" id="{54228D3A-7138-4611-88FA-792FE99C5331}"/>
-              </a:ext>
-            </a:extLst>
-          </p:cNvPr>
-          <p:cNvPicPr>
-            <a:picLocks noChangeAspect="1" noChangeArrowheads="1"/>
-          </p:cNvPicPr>
-          <p:nvPr/>
-        </p:nvPicPr>
-        <p:blipFill rotWithShape="1">
-          <a:blip r:embed="rId3">
-            <a:extLst>
-              <a:ext uri="{28A0092B-C50C-407E-A947-70E740481C1C}">
-                <a14:useLocalDpi xmlns:a14="http://schemas.microsoft.com/office/drawing/2010/main" val="0"/>
-              </a:ext>
-            </a:extLst>
-          </a:blip>
-          <a:srcRect t="26399" r="11587" b="12691"/>
-          <a:stretch/>
-        </p:blipFill>
-        <p:spPr bwMode="auto">
-          <a:xfrm>
-            <a:off x="2126510" y="1556792"/>
-            <a:ext cx="7931043" cy="2016224"/>
-          </a:xfrm>
-          <a:prstGeom prst="rect">
-            <a:avLst/>
-          </a:prstGeom>
-          <a:noFill/>
-          <a:extLst>
-            <a:ext uri="{909E8E84-426E-40DD-AFC4-6F175D3DCCD1}">
-              <a14:hiddenFill xmlns:a14="http://schemas.microsoft.com/office/drawing/2010/main">
-                <a:solidFill>
-                  <a:srgbClr val="FFFFFF"/>
-                </a:solidFill>
-              </a14:hiddenFill>
-            </a:ext>
-          </a:extLst>
-        </p:spPr>
-      </p:pic>
-      <p:pic>
-        <p:nvPicPr>
-          <p:cNvPr id="2" name="Picture 1">
-            <a:extLst>
-              <a:ext uri="{FF2B5EF4-FFF2-40B4-BE49-F238E27FC236}">
-                <a16:creationId xmlns:a16="http://schemas.microsoft.com/office/drawing/2014/main" id="{87A52BF1-ACEC-413D-B996-92C974DBD4AE}"/>
-              </a:ext>
-            </a:extLst>
-          </p:cNvPr>
-          <p:cNvPicPr>
-            <a:picLocks noChangeAspect="1"/>
-          </p:cNvPicPr>
-          <p:nvPr/>
-        </p:nvPicPr>
-        <p:blipFill>
-          <a:blip r:embed="rId4" cstate="print">
-            <a:extLst>
-              <a:ext uri="{28A0092B-C50C-407E-A947-70E740481C1C}">
-                <a14:useLocalDpi xmlns:a14="http://schemas.microsoft.com/office/drawing/2010/main" val="0"/>
-              </a:ext>
-            </a:extLst>
-          </a:blip>
-          <a:stretch>
-            <a:fillRect/>
-          </a:stretch>
-        </p:blipFill>
-        <p:spPr>
-          <a:xfrm>
-            <a:off x="7311890" y="5848643"/>
-            <a:ext cx="2609049" cy="730613"/>
-          </a:xfrm>
-          <a:prstGeom prst="rect">
-            <a:avLst/>
-          </a:prstGeom>
-        </p:spPr>
-      </p:pic>
-      <p:pic>
-        <p:nvPicPr>
-          <p:cNvPr id="3" name="Picture 2">
-            <a:extLst>
-              <a:ext uri="{FF2B5EF4-FFF2-40B4-BE49-F238E27FC236}">
-                <a16:creationId xmlns:a16="http://schemas.microsoft.com/office/drawing/2014/main" id="{F66DA7B6-A04E-47A8-9E3A-AC9E5F792EC5}"/>
-              </a:ext>
-            </a:extLst>
-          </p:cNvPr>
-          <p:cNvPicPr>
-            <a:picLocks noChangeAspect="1"/>
-          </p:cNvPicPr>
-          <p:nvPr/>
-        </p:nvPicPr>
-        <p:blipFill>
-          <a:blip r:embed="rId5" cstate="print">
-            <a:extLst>
-              <a:ext uri="{28A0092B-C50C-407E-A947-70E740481C1C}">
-                <a14:useLocalDpi xmlns:a14="http://schemas.microsoft.com/office/drawing/2010/main" val="0"/>
-              </a:ext>
-            </a:extLst>
-          </a:blip>
-          <a:stretch>
-            <a:fillRect/>
-          </a:stretch>
-        </p:blipFill>
-        <p:spPr>
-          <a:xfrm>
-            <a:off x="5307371" y="5765979"/>
-            <a:ext cx="1569320" cy="942661"/>
-          </a:xfrm>
-          <a:prstGeom prst="rect">
-            <a:avLst/>
-          </a:prstGeom>
-        </p:spPr>
-      </p:pic>
-      <p:pic>
-        <p:nvPicPr>
-          <p:cNvPr id="12" name="Picture 11">
-            <a:extLst>
-              <a:ext uri="{FF2B5EF4-FFF2-40B4-BE49-F238E27FC236}">
-                <a16:creationId xmlns:a16="http://schemas.microsoft.com/office/drawing/2014/main" id="{462BD92A-EC5B-4725-861D-B4F7EB78CBF1}"/>
-              </a:ext>
-            </a:extLst>
-          </p:cNvPr>
-          <p:cNvPicPr>
-            <a:picLocks noChangeAspect="1"/>
-          </p:cNvPicPr>
-          <p:nvPr/>
-        </p:nvPicPr>
-        <p:blipFill>
-          <a:blip r:embed="rId6" cstate="print">
-            <a:extLst>
-              <a:ext uri="{28A0092B-C50C-407E-A947-70E740481C1C}">
-                <a14:useLocalDpi xmlns:a14="http://schemas.microsoft.com/office/drawing/2010/main" val="0"/>
-              </a:ext>
-            </a:extLst>
-          </a:blip>
-          <a:stretch>
-            <a:fillRect/>
-          </a:stretch>
-        </p:blipFill>
-        <p:spPr>
-          <a:xfrm>
-            <a:off x="2455967" y="5895367"/>
-            <a:ext cx="2442197" cy="683889"/>
-          </a:xfrm>
-          <a:prstGeom prst="rect">
-            <a:avLst/>
-          </a:prstGeom>
-        </p:spPr>
-      </p:pic>
-    </p:spTree>
-    <p:extLst>
-      <p:ext uri="{BB962C8B-B14F-4D97-AF65-F5344CB8AC3E}">
-        <p14:creationId xmlns:p14="http://schemas.microsoft.com/office/powerpoint/2010/main" val="2210967218"/>
-      </p:ext>
-    </p:extLst>
-  </p:cSld>
-  <p:clrMapOvr>
-    <a:masterClrMapping/>
-  </p:clrMapOvr>
-</p:sld>
-</file>
-
-<file path=ppt/slides/slide12.xml><?xml version="1.0" encoding="utf-8"?>
-<p:sld xmlns:a="http://schemas.openxmlformats.org/drawingml/2006/main" xmlns:r="http://schemas.openxmlformats.org/officeDocument/2006/relationships" xmlns:p="http://schemas.openxmlformats.org/presentationml/2006/main">
-  <p:cSld>
-    <p:spTree>
-      <p:nvGrpSpPr>
-        <p:cNvPr id="1" name=""/>
-        <p:cNvGrpSpPr/>
-        <p:nvPr/>
-      </p:nvGrpSpPr>
-      <p:grpSpPr>
-        <a:xfrm>
-          <a:off x="0" y="0"/>
-          <a:ext cx="0" cy="0"/>
-          <a:chOff x="0" y="0"/>
-          <a:chExt cx="0" cy="0"/>
-        </a:xfrm>
-      </p:grpSpPr>
-      <p:sp>
-        <p:nvSpPr>
-          <p:cNvPr id="6" name="TextBox 5"/>
-          <p:cNvSpPr txBox="1"/>
-          <p:nvPr/>
-        </p:nvSpPr>
-        <p:spPr>
-          <a:xfrm>
-            <a:off x="0" y="1525560"/>
-            <a:ext cx="12184062" cy="2662717"/>
-          </a:xfrm>
-          <a:prstGeom prst="rect">
-            <a:avLst/>
-          </a:prstGeom>
-          <a:noFill/>
-        </p:spPr>
-        <p:txBody>
-          <a:bodyPr wrap="square" rtlCol="0">
-            <a:spAutoFit/>
-          </a:bodyPr>
-          <a:lstStyle/>
-          <a:p>
-            <a:pPr algn="ctr">
-              <a:lnSpc>
-                <a:spcPts val="2000"/>
-              </a:lnSpc>
-            </a:pPr>
-            <a:br>
-              <a:rPr lang="en-IN" sz="2400" dirty="0">
-                <a:latin typeface="Segoe UI" pitchFamily="34" charset="0"/>
-                <a:ea typeface="Segoe UI" pitchFamily="34" charset="0"/>
-                <a:cs typeface="Segoe UI" pitchFamily="34" charset="0"/>
-              </a:rPr>
-            </a:br>
-            <a:r>
-              <a:rPr lang="en-IN" sz="2800" b="1" dirty="0">
-                <a:latin typeface="Segoe UI" pitchFamily="34" charset="0"/>
-                <a:ea typeface="Segoe UI" pitchFamily="34" charset="0"/>
-                <a:cs typeface="Segoe UI" pitchFamily="34" charset="0"/>
-              </a:rPr>
-              <a:t>Three Ways to Win Prizes</a:t>
-            </a:r>
-            <a:br>
-              <a:rPr lang="en-IN" sz="2400" dirty="0">
-                <a:latin typeface="Segoe UI" pitchFamily="34" charset="0"/>
-                <a:ea typeface="Segoe UI" pitchFamily="34" charset="0"/>
-                <a:cs typeface="Segoe UI" pitchFamily="34" charset="0"/>
-              </a:rPr>
-            </a:br>
-            <a:endParaRPr lang="en-IN" sz="2400" dirty="0">
-              <a:latin typeface="Segoe UI" pitchFamily="34" charset="0"/>
-              <a:ea typeface="Segoe UI" pitchFamily="34" charset="0"/>
-              <a:cs typeface="Segoe UI" pitchFamily="34" charset="0"/>
-            </a:endParaRPr>
-          </a:p>
-          <a:p>
-            <a:pPr algn="ctr">
-              <a:lnSpc>
-                <a:spcPts val="2000"/>
-              </a:lnSpc>
-            </a:pPr>
-            <a:r>
-              <a:rPr lang="en-IN" sz="2400" dirty="0">
-                <a:latin typeface="Segoe UI" pitchFamily="34" charset="0"/>
-                <a:ea typeface="Segoe UI" pitchFamily="34" charset="0"/>
-                <a:cs typeface="Segoe UI" pitchFamily="34" charset="0"/>
-              </a:rPr>
-              <a:t>Post your selfie with hash tag </a:t>
-            </a:r>
-            <a:r>
-              <a:rPr lang="en-IN" sz="2400" b="1" dirty="0">
-                <a:latin typeface="Segoe UI" pitchFamily="34" charset="0"/>
-                <a:ea typeface="Segoe UI" pitchFamily="34" charset="0"/>
-                <a:cs typeface="Segoe UI" pitchFamily="34" charset="0"/>
-              </a:rPr>
-              <a:t>#DPS2021</a:t>
-            </a:r>
-            <a:br>
-              <a:rPr lang="en-IN" sz="2400" b="1" dirty="0">
-                <a:latin typeface="Segoe UI" pitchFamily="34" charset="0"/>
-                <a:ea typeface="Segoe UI" pitchFamily="34" charset="0"/>
-                <a:cs typeface="Segoe UI" pitchFamily="34" charset="0"/>
-              </a:rPr>
-            </a:br>
-            <a:endParaRPr lang="en-IN" sz="2400" b="1" dirty="0">
-              <a:latin typeface="Segoe UI" pitchFamily="34" charset="0"/>
-              <a:ea typeface="Segoe UI" pitchFamily="34" charset="0"/>
-              <a:cs typeface="Segoe UI" pitchFamily="34" charset="0"/>
-            </a:endParaRPr>
-          </a:p>
-          <a:p>
-            <a:pPr algn="ctr">
-              <a:lnSpc>
-                <a:spcPts val="2000"/>
-              </a:lnSpc>
-            </a:pPr>
-            <a:r>
-              <a:rPr lang="en-IN" sz="2400" dirty="0">
-                <a:latin typeface="Segoe UI" pitchFamily="34" charset="0"/>
-                <a:ea typeface="Segoe UI" pitchFamily="34" charset="0"/>
-                <a:cs typeface="Segoe UI" pitchFamily="34" charset="0"/>
-              </a:rPr>
-              <a:t>Give Session &amp; Conference Feedback</a:t>
-            </a:r>
-          </a:p>
-          <a:p>
-            <a:pPr algn="ctr">
-              <a:lnSpc>
-                <a:spcPts val="2000"/>
-              </a:lnSpc>
-            </a:pPr>
-            <a:endParaRPr lang="en-IN" sz="2400" dirty="0">
-              <a:latin typeface="Segoe UI" pitchFamily="34" charset="0"/>
-              <a:ea typeface="Segoe UI" pitchFamily="34" charset="0"/>
-              <a:cs typeface="Segoe UI" pitchFamily="34" charset="0"/>
-            </a:endParaRPr>
-          </a:p>
-          <a:p>
-            <a:pPr algn="ctr">
-              <a:lnSpc>
-                <a:spcPts val="2000"/>
-              </a:lnSpc>
-            </a:pPr>
-            <a:r>
-              <a:rPr lang="en-IN" sz="2400" dirty="0">
-                <a:latin typeface="Segoe UI" pitchFamily="34" charset="0"/>
-                <a:ea typeface="Segoe UI" pitchFamily="34" charset="0"/>
-                <a:cs typeface="Segoe UI" pitchFamily="34" charset="0"/>
-              </a:rPr>
-              <a:t>Visit our Sponsors &amp; Exhibitors</a:t>
-            </a:r>
-          </a:p>
-          <a:p>
-            <a:pPr algn="ctr">
-              <a:lnSpc>
-                <a:spcPts val="2000"/>
-              </a:lnSpc>
-            </a:pPr>
-            <a:endParaRPr lang="en-IN" sz="2400" b="1" dirty="0">
-              <a:latin typeface="Segoe UI" pitchFamily="34" charset="0"/>
-              <a:ea typeface="Segoe UI" pitchFamily="34" charset="0"/>
-              <a:cs typeface="Segoe UI" pitchFamily="34" charset="0"/>
-            </a:endParaRPr>
-          </a:p>
-          <a:p>
-            <a:pPr algn="ctr">
-              <a:lnSpc>
-                <a:spcPts val="2000"/>
-              </a:lnSpc>
-            </a:pPr>
-            <a:endParaRPr lang="en-IN" sz="2400" dirty="0">
-              <a:latin typeface="Segoe UI" pitchFamily="34" charset="0"/>
-              <a:ea typeface="Segoe UI" pitchFamily="34" charset="0"/>
-              <a:cs typeface="Segoe UI" pitchFamily="34" charset="0"/>
-            </a:endParaRPr>
-          </a:p>
-        </p:txBody>
-      </p:sp>
-      <p:sp>
-        <p:nvSpPr>
-          <p:cNvPr id="9" name="TextBox 8"/>
-          <p:cNvSpPr txBox="1"/>
-          <p:nvPr/>
-        </p:nvSpPr>
-        <p:spPr>
-          <a:xfrm>
-            <a:off x="0" y="260648"/>
-            <a:ext cx="12184063" cy="1107996"/>
-          </a:xfrm>
-          <a:prstGeom prst="rect">
-            <a:avLst/>
-          </a:prstGeom>
-          <a:noFill/>
-        </p:spPr>
-        <p:txBody>
-          <a:bodyPr wrap="square" rtlCol="0">
-            <a:spAutoFit/>
-          </a:bodyPr>
-          <a:lstStyle/>
-          <a:p>
-            <a:pPr algn="ctr"/>
-            <a:r>
-              <a:rPr lang="en-IN" sz="6600" b="1" dirty="0">
-                <a:solidFill>
-                  <a:srgbClr val="002060"/>
-                </a:solidFill>
-              </a:rPr>
-              <a:t>Thank You</a:t>
-            </a:r>
-          </a:p>
-        </p:txBody>
-      </p:sp>
-      <p:sp>
-        <p:nvSpPr>
-          <p:cNvPr id="2" name="Rectangle 1"/>
-          <p:cNvSpPr/>
-          <p:nvPr/>
-        </p:nvSpPr>
-        <p:spPr>
-          <a:xfrm>
-            <a:off x="6668096" y="6484723"/>
-            <a:ext cx="4536504" cy="328654"/>
-          </a:xfrm>
-          <a:prstGeom prst="rect">
-            <a:avLst/>
-          </a:prstGeom>
-          <a:solidFill>
-            <a:schemeClr val="bg1"/>
-          </a:solidFill>
-          <a:ln>
-            <a:noFill/>
-          </a:ln>
-        </p:spPr>
-        <p:style>
-          <a:lnRef idx="2">
-            <a:schemeClr val="accent1">
-              <a:shade val="50000"/>
-            </a:schemeClr>
-          </a:lnRef>
-          <a:fillRef idx="1">
-            <a:schemeClr val="accent1"/>
-          </a:fillRef>
-          <a:effectRef idx="0">
-            <a:schemeClr val="accent1"/>
-          </a:effectRef>
-          <a:fontRef idx="minor">
-            <a:schemeClr val="lt1"/>
-          </a:fontRef>
-        </p:style>
-        <p:txBody>
-          <a:bodyPr rtlCol="0" anchor="ctr"/>
-          <a:lstStyle/>
-          <a:p>
-            <a:pPr algn="ctr"/>
-            <a:endParaRPr lang="en-US"/>
-          </a:p>
-        </p:txBody>
-      </p:sp>
-      <p:sp>
-        <p:nvSpPr>
-          <p:cNvPr id="3" name="TextBox 2">
-            <a:extLst>
-              <a:ext uri="{FF2B5EF4-FFF2-40B4-BE49-F238E27FC236}">
-                <a16:creationId xmlns:a16="http://schemas.microsoft.com/office/drawing/2014/main" id="{F165331A-BBE2-4814-9235-5BB724F8B7FE}"/>
-              </a:ext>
-            </a:extLst>
-          </p:cNvPr>
-          <p:cNvSpPr txBox="1"/>
-          <p:nvPr/>
-        </p:nvSpPr>
-        <p:spPr>
-          <a:xfrm>
-            <a:off x="43359" y="4108199"/>
-            <a:ext cx="12140703" cy="354392"/>
-          </a:xfrm>
-          <a:prstGeom prst="rect">
-            <a:avLst/>
-          </a:prstGeom>
-          <a:noFill/>
-        </p:spPr>
-        <p:txBody>
-          <a:bodyPr wrap="square" rtlCol="0">
-            <a:spAutoFit/>
-          </a:bodyPr>
-          <a:lstStyle/>
-          <a:p>
-            <a:pPr algn="ctr">
-              <a:lnSpc>
-                <a:spcPts val="2000"/>
-              </a:lnSpc>
-            </a:pPr>
-            <a:r>
-              <a:rPr lang="en-IN" sz="2400" dirty="0">
-                <a:latin typeface="Segoe UI" pitchFamily="34" charset="0"/>
-                <a:ea typeface="Segoe UI" pitchFamily="34" charset="0"/>
-                <a:cs typeface="Segoe UI" pitchFamily="34" charset="0"/>
-              </a:rPr>
-              <a:t>Follow us on Twitter </a:t>
-            </a:r>
-            <a:r>
-              <a:rPr lang="en-IN" sz="2400" b="1" dirty="0">
-                <a:latin typeface="Segoe UI" pitchFamily="34" charset="0"/>
-                <a:ea typeface="Segoe UI" pitchFamily="34" charset="0"/>
-                <a:cs typeface="Segoe UI" pitchFamily="34" charset="0"/>
-              </a:rPr>
-              <a:t>@TheDataGeeks @DataAISummit</a:t>
-            </a:r>
-          </a:p>
-        </p:txBody>
-      </p:sp>
-      <p:pic>
-        <p:nvPicPr>
-          <p:cNvPr id="4" name="Picture 3">
-            <a:extLst>
-              <a:ext uri="{FF2B5EF4-FFF2-40B4-BE49-F238E27FC236}">
-                <a16:creationId xmlns:a16="http://schemas.microsoft.com/office/drawing/2014/main" id="{69AA2D1C-F564-4977-8256-3C4B2161CB28}"/>
-              </a:ext>
-            </a:extLst>
-          </p:cNvPr>
-          <p:cNvPicPr>
-            <a:picLocks noChangeAspect="1"/>
-          </p:cNvPicPr>
-          <p:nvPr/>
-        </p:nvPicPr>
-        <p:blipFill>
-          <a:blip r:embed="rId2" cstate="print">
-            <a:extLst>
-              <a:ext uri="{28A0092B-C50C-407E-A947-70E740481C1C}">
-                <a14:useLocalDpi xmlns:a14="http://schemas.microsoft.com/office/drawing/2010/main" val="0"/>
-              </a:ext>
-            </a:extLst>
-          </a:blip>
-          <a:srcRect/>
-          <a:stretch/>
-        </p:blipFill>
-        <p:spPr>
-          <a:xfrm>
-            <a:off x="4507855" y="5444534"/>
-            <a:ext cx="3024336" cy="1116003"/>
-          </a:xfrm>
-          <a:prstGeom prst="rect">
-            <a:avLst/>
-          </a:prstGeom>
-        </p:spPr>
-      </p:pic>
-    </p:spTree>
-    <p:extLst>
-      <p:ext uri="{BB962C8B-B14F-4D97-AF65-F5344CB8AC3E}">
-        <p14:creationId xmlns:p14="http://schemas.microsoft.com/office/powerpoint/2010/main" val="3172537621"/>
-      </p:ext>
-    </p:extLst>
-  </p:cSld>
-  <p:clrMapOvr>
-    <a:masterClrMapping/>
-  </p:clrMapOvr>
-</p:sld>
-</file>
-
-<file path=ppt/slides/slide2.xml><?xml version="1.0" encoding="utf-8"?>
-<p:sld xmlns:a="http://schemas.openxmlformats.org/drawingml/2006/main" xmlns:r="http://schemas.openxmlformats.org/officeDocument/2006/relationships" xmlns:p="http://schemas.openxmlformats.org/presentationml/2006/main">
-  <p:cSld>
-    <p:spTree>
-      <p:nvGrpSpPr>
-        <p:cNvPr id="1" name=""/>
-        <p:cNvGrpSpPr/>
-        <p:nvPr/>
-      </p:nvGrpSpPr>
-      <p:grpSpPr>
-        <a:xfrm>
-          <a:off x="0" y="0"/>
-          <a:ext cx="0" cy="0"/>
-          <a:chOff x="0" y="0"/>
-          <a:chExt cx="0" cy="0"/>
-        </a:xfrm>
-      </p:grpSpPr>
-      <p:sp>
-        <p:nvSpPr>
-          <p:cNvPr id="2" name="Title 1"/>
-          <p:cNvSpPr>
-            <a:spLocks noGrp="1"/>
-          </p:cNvSpPr>
-          <p:nvPr>
-            <p:ph type="title"/>
-          </p:nvPr>
-        </p:nvSpPr>
-        <p:spPr/>
-        <p:txBody>
-          <a:bodyPr/>
-          <a:lstStyle/>
-          <a:p>
-            <a:r>
-              <a:rPr lang="en-US" dirty="0"/>
-              <a:t>Session Content</a:t>
-            </a:r>
-            <a:endParaRPr lang="en-IN" dirty="0"/>
-          </a:p>
-        </p:txBody>
-      </p:sp>
-      <p:sp>
-        <p:nvSpPr>
-          <p:cNvPr id="3" name="Content Placeholder 2"/>
-          <p:cNvSpPr>
-            <a:spLocks noGrp="1"/>
-          </p:cNvSpPr>
-          <p:nvPr>
-            <p:ph idx="1"/>
-          </p:nvPr>
-        </p:nvSpPr>
-        <p:spPr/>
-        <p:txBody>
-          <a:bodyPr/>
-          <a:lstStyle/>
-          <a:p>
-            <a:r>
-              <a:rPr lang="en-IN" sz="2400" dirty="0">
-                <a:solidFill>
-                  <a:schemeClr val="accent2"/>
-                </a:solidFill>
-              </a:rPr>
-              <a:t>What is Test Driven Development (TDD)</a:t>
-            </a:r>
-          </a:p>
-          <a:p>
-            <a:r>
-              <a:rPr lang="en-IN" sz="2400" dirty="0">
-                <a:solidFill>
-                  <a:schemeClr val="accent2"/>
-                </a:solidFill>
-              </a:rPr>
-              <a:t>Demo, our first unit test and our first change iteration</a:t>
-            </a:r>
-          </a:p>
-          <a:p>
-            <a:r>
-              <a:rPr lang="en-IN" sz="2400" dirty="0">
-                <a:solidFill>
-                  <a:schemeClr val="accent2"/>
-                </a:solidFill>
-              </a:rPr>
-              <a:t>Why Test Driven Database Development?</a:t>
-            </a:r>
-          </a:p>
-          <a:p>
-            <a:r>
-              <a:rPr lang="en-IN" sz="2400" dirty="0">
-                <a:solidFill>
-                  <a:schemeClr val="accent2"/>
-                </a:solidFill>
-              </a:rPr>
-              <a:t>A few </a:t>
-            </a:r>
-            <a:r>
-              <a:rPr lang="en-IN" sz="2400" dirty="0" err="1">
-                <a:solidFill>
-                  <a:schemeClr val="accent2"/>
-                </a:solidFill>
-              </a:rPr>
-              <a:t>Sql</a:t>
-            </a:r>
-            <a:r>
-              <a:rPr lang="en-IN" sz="2400" dirty="0">
-                <a:solidFill>
-                  <a:schemeClr val="accent2"/>
-                </a:solidFill>
-              </a:rPr>
-              <a:t> Server Unit Testing frameworks</a:t>
-            </a:r>
-          </a:p>
-          <a:p>
-            <a:r>
-              <a:rPr lang="en-IN" sz="2400" dirty="0">
-                <a:solidFill>
-                  <a:schemeClr val="accent2"/>
-                </a:solidFill>
-              </a:rPr>
-              <a:t>Demo, our first </a:t>
-            </a:r>
-            <a:r>
-              <a:rPr lang="en-IN" sz="2400" dirty="0" err="1">
-                <a:solidFill>
-                  <a:schemeClr val="accent2"/>
-                </a:solidFill>
-              </a:rPr>
-              <a:t>Sql</a:t>
-            </a:r>
-            <a:r>
-              <a:rPr lang="en-IN" sz="2400" dirty="0">
-                <a:solidFill>
-                  <a:schemeClr val="accent2"/>
-                </a:solidFill>
-              </a:rPr>
-              <a:t> Server unit test and our first change iteration</a:t>
-            </a:r>
-          </a:p>
-          <a:p>
-            <a:r>
-              <a:rPr lang="en-IN" sz="2400" dirty="0">
-                <a:solidFill>
-                  <a:schemeClr val="accent2"/>
-                </a:solidFill>
-              </a:rPr>
-              <a:t>Continuous Integration and Continuous Deployment (CI/CD)</a:t>
-            </a:r>
-          </a:p>
-        </p:txBody>
-      </p:sp>
-    </p:spTree>
-  </p:cSld>
-  <p:clrMapOvr>
-    <a:masterClrMapping/>
-  </p:clrMapOvr>
-</p:sld>
-</file>
-
-<file path=ppt/slides/slide3.xml><?xml version="1.0" encoding="utf-8"?>
-<p:sld xmlns:a="http://schemas.openxmlformats.org/drawingml/2006/main" xmlns:r="http://schemas.openxmlformats.org/officeDocument/2006/relationships" xmlns:p="http://schemas.openxmlformats.org/presentationml/2006/main">
-  <p:cSld>
-    <p:spTree>
-      <p:nvGrpSpPr>
-        <p:cNvPr id="1" name=""/>
-        <p:cNvGrpSpPr/>
-        <p:nvPr/>
-      </p:nvGrpSpPr>
-      <p:grpSpPr>
-        <a:xfrm>
-          <a:off x="0" y="0"/>
-          <a:ext cx="0" cy="0"/>
-          <a:chOff x="0" y="0"/>
-          <a:chExt cx="0" cy="0"/>
-        </a:xfrm>
-      </p:grpSpPr>
-      <p:sp>
-        <p:nvSpPr>
-          <p:cNvPr id="4" name="Title 3"/>
-          <p:cNvSpPr>
-            <a:spLocks noGrp="1"/>
-          </p:cNvSpPr>
-          <p:nvPr>
-            <p:ph type="title"/>
-          </p:nvPr>
-        </p:nvSpPr>
-        <p:spPr/>
-        <p:txBody>
-          <a:bodyPr/>
-          <a:lstStyle/>
-          <a:p>
-            <a:r>
-              <a:rPr lang="en-US" dirty="0"/>
-              <a:t>What is Test Driven Development?</a:t>
-            </a:r>
-            <a:endParaRPr lang="en-IN" dirty="0"/>
-          </a:p>
-        </p:txBody>
-      </p:sp>
-      <p:sp>
-        <p:nvSpPr>
-          <p:cNvPr id="5" name="Text Placeholder 4"/>
-          <p:cNvSpPr>
-            <a:spLocks noGrp="1"/>
-          </p:cNvSpPr>
-          <p:nvPr>
-            <p:ph type="body" idx="1"/>
-          </p:nvPr>
-        </p:nvSpPr>
-        <p:spPr>
-          <a:xfrm>
-            <a:off x="962457" y="2500307"/>
-            <a:ext cx="10356454" cy="2440861"/>
-          </a:xfrm>
-        </p:spPr>
-        <p:txBody>
-          <a:bodyPr>
-            <a:normAutofit/>
-          </a:bodyPr>
-          <a:lstStyle/>
-          <a:p>
-            <a:pPr marL="457200" indent="-457200">
-              <a:buAutoNum type="arabicParenR"/>
-            </a:pPr>
-            <a:r>
-              <a:rPr lang="en-IN" dirty="0"/>
-              <a:t>Write requirements</a:t>
-            </a:r>
-          </a:p>
-          <a:p>
-            <a:pPr marL="457200" indent="-457200">
-              <a:buAutoNum type="arabicParenR"/>
-            </a:pPr>
-            <a:r>
-              <a:rPr lang="en-IN" dirty="0"/>
-              <a:t>Write tests</a:t>
-            </a:r>
-          </a:p>
-          <a:p>
-            <a:pPr marL="457200" indent="-457200">
-              <a:buAutoNum type="arabicParenR"/>
-            </a:pPr>
-            <a:r>
-              <a:rPr lang="en-IN" dirty="0"/>
-              <a:t>Run tests</a:t>
-            </a:r>
-          </a:p>
-          <a:p>
-            <a:pPr marL="457200" indent="-457200">
-              <a:buAutoNum type="arabicParenR"/>
-            </a:pPr>
-            <a:r>
-              <a:rPr lang="en-IN" dirty="0"/>
-              <a:t>Write code to fix failed tests</a:t>
-            </a:r>
-          </a:p>
-          <a:p>
-            <a:pPr marL="457200" indent="-457200">
-              <a:buAutoNum type="arabicParenR"/>
-            </a:pPr>
-            <a:r>
-              <a:rPr lang="en-IN" dirty="0"/>
-              <a:t>Repeat until tests are “green”</a:t>
-            </a:r>
-          </a:p>
-        </p:txBody>
-      </p:sp>
-    </p:spTree>
-  </p:cSld>
-  <p:clrMapOvr>
-    <a:masterClrMapping/>
-  </p:clrMapOvr>
-  <p:timing>
-    <p:tnLst>
-      <p:par>
-        <p:cTn id="1" dur="indefinite" restart="never" nodeType="tmRoot">
-          <p:childTnLst>
-            <p:seq concurrent="1" nextAc="seek">
-              <p:cTn id="2" dur="indefinite" nodeType="mainSeq">
-                <p:childTnLst>
-                  <p:par>
-                    <p:cTn id="3" fill="hold">
-                      <p:stCondLst>
-                        <p:cond delay="indefinite"/>
-                      </p:stCondLst>
-                      <p:childTnLst>
-                        <p:par>
-                          <p:cTn id="4" fill="hold">
-                            <p:stCondLst>
-                              <p:cond delay="0"/>
-                            </p:stCondLst>
-                            <p:childTnLst>
-                              <p:par>
-                                <p:cTn id="5" presetID="1" presetClass="entr" presetSubtype="0" fill="hold" grpId="0" nodeType="clickEffect">
-                                  <p:stCondLst>
-                                    <p:cond delay="0"/>
-                                  </p:stCondLst>
-                                  <p:childTnLst>
-                                    <p:set>
-                                      <p:cBhvr>
-                                        <p:cTn id="6" dur="1" fill="hold">
-                                          <p:stCondLst>
-                                            <p:cond delay="0"/>
-                                          </p:stCondLst>
-                                        </p:cTn>
-                                        <p:tgtEl>
-                                          <p:spTgt spid="5">
-                                            <p:txEl>
-                                              <p:pRg st="0" end="0"/>
-                                            </p:txEl>
-                                          </p:spTgt>
-                                        </p:tgtEl>
-                                        <p:attrNameLst>
-                                          <p:attrName>style.visibility</p:attrName>
-                                        </p:attrNameLst>
-                                      </p:cBhvr>
-                                      <p:to>
-                                        <p:strVal val="visible"/>
-                                      </p:to>
-                                    </p:set>
-                                  </p:childTnLst>
-                                </p:cTn>
-                              </p:par>
-                            </p:childTnLst>
-                          </p:cTn>
-                        </p:par>
-                      </p:childTnLst>
-                    </p:cTn>
-                  </p:par>
-                  <p:par>
-                    <p:cTn id="7" fill="hold">
-                      <p:stCondLst>
-                        <p:cond delay="indefinite"/>
-                      </p:stCondLst>
-                      <p:childTnLst>
-                        <p:par>
-                          <p:cTn id="8" fill="hold">
-                            <p:stCondLst>
-                              <p:cond delay="0"/>
-                            </p:stCondLst>
-                            <p:childTnLst>
-                              <p:par>
-                                <p:cTn id="9" presetID="1" presetClass="entr" presetSubtype="0" fill="hold" grpId="0" nodeType="clickEffect">
-                                  <p:stCondLst>
-                                    <p:cond delay="0"/>
-                                  </p:stCondLst>
-                                  <p:childTnLst>
-                                    <p:set>
-                                      <p:cBhvr>
-                                        <p:cTn id="10" dur="1" fill="hold">
-                                          <p:stCondLst>
-                                            <p:cond delay="0"/>
-                                          </p:stCondLst>
-                                        </p:cTn>
-                                        <p:tgtEl>
-                                          <p:spTgt spid="5">
-                                            <p:txEl>
-                                              <p:pRg st="1" end="1"/>
-                                            </p:txEl>
-                                          </p:spTgt>
-                                        </p:tgtEl>
-                                        <p:attrNameLst>
-                                          <p:attrName>style.visibility</p:attrName>
-                                        </p:attrNameLst>
-                                      </p:cBhvr>
-                                      <p:to>
-                                        <p:strVal val="visible"/>
-                                      </p:to>
-                                    </p:set>
-                                  </p:childTnLst>
-                                </p:cTn>
-                              </p:par>
-                            </p:childTnLst>
-                          </p:cTn>
-                        </p:par>
-                      </p:childTnLst>
-                    </p:cTn>
-                  </p:par>
-                  <p:par>
-                    <p:cTn id="11" fill="hold">
-                      <p:stCondLst>
-                        <p:cond delay="indefinite"/>
-                      </p:stCondLst>
-                      <p:childTnLst>
-                        <p:par>
-                          <p:cTn id="12" fill="hold">
-                            <p:stCondLst>
-                              <p:cond delay="0"/>
-                            </p:stCondLst>
-                            <p:childTnLst>
-                              <p:par>
-                                <p:cTn id="13" presetID="1" presetClass="entr" presetSubtype="0" fill="hold" grpId="0" nodeType="clickEffect">
-                                  <p:stCondLst>
-                                    <p:cond delay="0"/>
-                                  </p:stCondLst>
-                                  <p:childTnLst>
-                                    <p:set>
-                                      <p:cBhvr>
-                                        <p:cTn id="14" dur="1" fill="hold">
-                                          <p:stCondLst>
-                                            <p:cond delay="0"/>
-                                          </p:stCondLst>
-                                        </p:cTn>
-                                        <p:tgtEl>
-                                          <p:spTgt spid="5">
-                                            <p:txEl>
-                                              <p:pRg st="2" end="2"/>
-                                            </p:txEl>
-                                          </p:spTgt>
-                                        </p:tgtEl>
-                                        <p:attrNameLst>
-                                          <p:attrName>style.visibility</p:attrName>
-                                        </p:attrNameLst>
-                                      </p:cBhvr>
-                                      <p:to>
-                                        <p:strVal val="visible"/>
-                                      </p:to>
-                                    </p:set>
-                                  </p:childTnLst>
-                                </p:cTn>
-                              </p:par>
-                            </p:childTnLst>
-                          </p:cTn>
-                        </p:par>
-                      </p:childTnLst>
-                    </p:cTn>
-                  </p:par>
-                  <p:par>
-                    <p:cTn id="15" fill="hold">
-                      <p:stCondLst>
-                        <p:cond delay="indefinite"/>
-                      </p:stCondLst>
-                      <p:childTnLst>
-                        <p:par>
-                          <p:cTn id="16" fill="hold">
-                            <p:stCondLst>
-                              <p:cond delay="0"/>
-                            </p:stCondLst>
-                            <p:childTnLst>
-                              <p:par>
-                                <p:cTn id="17" presetID="1" presetClass="entr" presetSubtype="0" fill="hold" grpId="0" nodeType="clickEffect">
-                                  <p:stCondLst>
-                                    <p:cond delay="0"/>
-                                  </p:stCondLst>
-                                  <p:childTnLst>
-                                    <p:set>
-                                      <p:cBhvr>
-                                        <p:cTn id="18" dur="1" fill="hold">
-                                          <p:stCondLst>
-                                            <p:cond delay="0"/>
-                                          </p:stCondLst>
-                                        </p:cTn>
-                                        <p:tgtEl>
-                                          <p:spTgt spid="5">
-                                            <p:txEl>
-                                              <p:pRg st="3" end="3"/>
-                                            </p:txEl>
-                                          </p:spTgt>
-                                        </p:tgtEl>
-                                        <p:attrNameLst>
-                                          <p:attrName>style.visibility</p:attrName>
-                                        </p:attrNameLst>
-                                      </p:cBhvr>
-                                      <p:to>
-                                        <p:strVal val="visible"/>
-                                      </p:to>
-                                    </p:set>
-                                  </p:childTnLst>
-                                </p:cTn>
-                              </p:par>
-                            </p:childTnLst>
-                          </p:cTn>
-                        </p:par>
-                      </p:childTnLst>
-                    </p:cTn>
-                  </p:par>
-                  <p:par>
-                    <p:cTn id="19" fill="hold">
-                      <p:stCondLst>
-                        <p:cond delay="indefinite"/>
-                      </p:stCondLst>
-                      <p:childTnLst>
-                        <p:par>
-                          <p:cTn id="20" fill="hold">
-                            <p:stCondLst>
-                              <p:cond delay="0"/>
-                            </p:stCondLst>
-                            <p:childTnLst>
-                              <p:par>
-                                <p:cTn id="21" presetID="1" presetClass="entr" presetSubtype="0" fill="hold" grpId="0" nodeType="clickEffect">
-                                  <p:stCondLst>
-                                    <p:cond delay="0"/>
-                                  </p:stCondLst>
-                                  <p:childTnLst>
-                                    <p:set>
-                                      <p:cBhvr>
-                                        <p:cTn id="22" dur="1" fill="hold">
-                                          <p:stCondLst>
-                                            <p:cond delay="0"/>
-                                          </p:stCondLst>
-                                        </p:cTn>
-                                        <p:tgtEl>
-                                          <p:spTgt spid="5">
-                                            <p:txEl>
-                                              <p:pRg st="4" end="4"/>
-                                            </p:txEl>
-                                          </p:spTgt>
-                                        </p:tgtEl>
-                                        <p:attrNameLst>
-                                          <p:attrName>style.visibility</p:attrName>
-                                        </p:attrNameLst>
-                                      </p:cBhvr>
-                                      <p:to>
-                                        <p:strVal val="visible"/>
-                                      </p:to>
-                                    </p:set>
-                                  </p:childTnLst>
-                                </p:cTn>
-                              </p:par>
-                            </p:childTnLst>
-                          </p:cTn>
-                        </p:par>
-                      </p:childTnLst>
-                    </p:cTn>
-                  </p:par>
-                </p:childTnLst>
-              </p:cTn>
-              <p:prevCondLst>
-                <p:cond evt="onPrev" delay="0">
-                  <p:tgtEl>
-                    <p:sldTgt/>
-                  </p:tgtEl>
-                </p:cond>
-              </p:prevCondLst>
-              <p:nextCondLst>
-                <p:cond evt="onNext" delay="0">
-                  <p:tgtEl>
-                    <p:sldTgt/>
-                  </p:tgtEl>
-                </p:cond>
-              </p:nextCondLst>
-            </p:seq>
-          </p:childTnLst>
-        </p:cTn>
-      </p:par>
-    </p:tnLst>
-    <p:bldLst>
-      <p:bldP spid="5" grpId="0" build="p"/>
-    </p:bldLst>
-  </p:timing>
-</p:sld>
-</file>
-
-<file path=ppt/slides/slide4.xml><?xml version="1.0" encoding="utf-8"?>
-<p:sld xmlns:a="http://schemas.openxmlformats.org/drawingml/2006/main" xmlns:r="http://schemas.openxmlformats.org/officeDocument/2006/relationships" xmlns:p="http://schemas.openxmlformats.org/presentationml/2006/main">
-  <p:cSld>
-    <p:spTree>
-      <p:nvGrpSpPr>
-        <p:cNvPr id="1" name=""/>
-        <p:cNvGrpSpPr/>
-        <p:nvPr/>
-      </p:nvGrpSpPr>
-      <p:grpSpPr>
-        <a:xfrm>
-          <a:off x="0" y="0"/>
-          <a:ext cx="0" cy="0"/>
-          <a:chOff x="0" y="0"/>
-          <a:chExt cx="0" cy="0"/>
-        </a:xfrm>
-      </p:grpSpPr>
-      <p:sp>
-        <p:nvSpPr>
-          <p:cNvPr id="4" name="Title 3"/>
-          <p:cNvSpPr>
-            <a:spLocks noGrp="1"/>
-          </p:cNvSpPr>
-          <p:nvPr>
-            <p:ph type="title"/>
-          </p:nvPr>
-        </p:nvSpPr>
-        <p:spPr>
-          <a:xfrm>
-            <a:off x="3258073" y="1428737"/>
-            <a:ext cx="6853583" cy="1362075"/>
-          </a:xfrm>
-        </p:spPr>
-        <p:txBody>
-          <a:bodyPr/>
-          <a:lstStyle/>
-          <a:p>
-            <a:r>
-              <a:rPr lang="en-US" dirty="0"/>
-              <a:t>Our first unit test and our first change iteration</a:t>
-            </a:r>
-            <a:endParaRPr lang="en-IN" dirty="0"/>
-          </a:p>
-        </p:txBody>
-      </p:sp>
-      <p:sp>
-        <p:nvSpPr>
-          <p:cNvPr id="5" name="Text Placeholder 4"/>
-          <p:cNvSpPr>
-            <a:spLocks noGrp="1"/>
-          </p:cNvSpPr>
-          <p:nvPr>
-            <p:ph type="body" idx="4294967295"/>
-          </p:nvPr>
-        </p:nvSpPr>
-        <p:spPr>
-          <a:xfrm>
-            <a:off x="3258073" y="2928935"/>
-            <a:ext cx="6853583" cy="1500187"/>
-          </a:xfrm>
-        </p:spPr>
-        <p:txBody>
-          <a:bodyPr/>
-          <a:lstStyle/>
-          <a:p>
-            <a:r>
-              <a:rPr lang="en-IN" dirty="0"/>
-              <a:t>Simple software project</a:t>
-            </a:r>
-          </a:p>
-          <a:p>
-            <a:r>
-              <a:rPr lang="en-IN" dirty="0"/>
-              <a:t>First functional requirement: </a:t>
-            </a:r>
-            <a:r>
-              <a:rPr lang="en-IN" dirty="0" err="1"/>
-              <a:t>IsValidDate</a:t>
-            </a:r>
-            <a:r>
-              <a:rPr lang="en-IN" dirty="0"/>
-              <a:t>.</a:t>
-            </a:r>
-          </a:p>
-          <a:p>
-            <a:pPr lvl="1"/>
-            <a:r>
-              <a:rPr lang="en-IN" dirty="0"/>
-              <a:t>Rely on function </a:t>
-            </a:r>
-            <a:r>
-              <a:rPr lang="en-IN" dirty="0" err="1"/>
-              <a:t>IsLeapYear</a:t>
-            </a:r>
-            <a:r>
-              <a:rPr lang="en-IN" dirty="0"/>
-              <a:t> </a:t>
-            </a:r>
-          </a:p>
-        </p:txBody>
-      </p:sp>
-    </p:spTree>
-  </p:cSld>
-  <p:clrMapOvr>
-    <a:masterClrMapping/>
-  </p:clrMapOvr>
-</p:sld>
-</file>
-
-<file path=ppt/slides/slide5.xml><?xml version="1.0" encoding="utf-8"?>
-<p:sld xmlns:a="http://schemas.openxmlformats.org/drawingml/2006/main" xmlns:r="http://schemas.openxmlformats.org/officeDocument/2006/relationships" xmlns:p="http://schemas.openxmlformats.org/presentationml/2006/main">
-  <p:cSld>
-    <p:spTree>
-      <p:nvGrpSpPr>
-        <p:cNvPr id="1" name=""/>
-        <p:cNvGrpSpPr/>
-        <p:nvPr/>
-      </p:nvGrpSpPr>
-      <p:grpSpPr>
-        <a:xfrm>
-          <a:off x="0" y="0"/>
-          <a:ext cx="0" cy="0"/>
-          <a:chOff x="0" y="0"/>
-          <a:chExt cx="0" cy="0"/>
-        </a:xfrm>
-      </p:grpSpPr>
-      <p:sp>
-        <p:nvSpPr>
-          <p:cNvPr id="4" name="Title 3"/>
-          <p:cNvSpPr>
-            <a:spLocks noGrp="1"/>
-          </p:cNvSpPr>
-          <p:nvPr>
-            <p:ph type="title"/>
-          </p:nvPr>
-        </p:nvSpPr>
-        <p:spPr/>
-        <p:txBody>
-          <a:bodyPr/>
-          <a:lstStyle/>
-          <a:p>
-            <a:r>
-              <a:rPr lang="en-US" dirty="0"/>
-              <a:t>Section Divider </a:t>
-            </a:r>
-            <a:endParaRPr lang="en-IN" dirty="0"/>
-          </a:p>
-        </p:txBody>
-      </p:sp>
-      <p:sp>
-        <p:nvSpPr>
-          <p:cNvPr id="5" name="Text Placeholder 4"/>
-          <p:cNvSpPr>
-            <a:spLocks noGrp="1"/>
-          </p:cNvSpPr>
-          <p:nvPr>
-            <p:ph type="body" idx="1"/>
-          </p:nvPr>
-        </p:nvSpPr>
-        <p:spPr/>
-        <p:txBody>
-          <a:bodyPr/>
-          <a:lstStyle/>
-          <a:p>
-            <a:r>
-              <a:rPr lang="en-US" dirty="0"/>
-              <a:t>Type 2 - </a:t>
-            </a:r>
-            <a:endParaRPr lang="en-IN" dirty="0"/>
-          </a:p>
-        </p:txBody>
-      </p:sp>
-    </p:spTree>
-  </p:cSld>
-  <p:clrMapOvr>
-    <a:masterClrMapping/>
-  </p:clrMapOvr>
-</p:sld>
-</file>
-
-<file path=ppt/slides/slide6.xml><?xml version="1.0" encoding="utf-8"?>
-<p:sld xmlns:a="http://schemas.openxmlformats.org/drawingml/2006/main" xmlns:r="http://schemas.openxmlformats.org/officeDocument/2006/relationships" xmlns:p="http://schemas.openxmlformats.org/presentationml/2006/main">
-  <p:cSld>
-    <p:spTree>
-      <p:nvGrpSpPr>
-        <p:cNvPr id="1" name=""/>
-        <p:cNvGrpSpPr/>
-        <p:nvPr/>
-      </p:nvGrpSpPr>
-      <p:grpSpPr>
-        <a:xfrm>
-          <a:off x="0" y="0"/>
-          <a:ext cx="0" cy="0"/>
-          <a:chOff x="0" y="0"/>
-          <a:chExt cx="0" cy="0"/>
-        </a:xfrm>
-      </p:grpSpPr>
-      <p:sp>
-        <p:nvSpPr>
-          <p:cNvPr id="4" name="Title 3"/>
-          <p:cNvSpPr>
-            <a:spLocks noGrp="1"/>
-          </p:cNvSpPr>
-          <p:nvPr>
-            <p:ph type="title"/>
-          </p:nvPr>
-        </p:nvSpPr>
-        <p:spPr/>
-        <p:txBody>
-          <a:bodyPr/>
-          <a:lstStyle/>
-          <a:p>
-            <a:r>
-              <a:rPr lang="en-US" dirty="0"/>
-              <a:t>Chart Type 1</a:t>
-            </a:r>
-            <a:endParaRPr lang="en-IN" dirty="0"/>
-          </a:p>
-        </p:txBody>
-      </p:sp>
-      <p:graphicFrame>
-        <p:nvGraphicFramePr>
-          <p:cNvPr id="7" name="Content Placeholder 6"/>
-          <p:cNvGraphicFramePr>
-            <a:graphicFrameLocks noGrp="1"/>
-          </p:cNvGraphicFramePr>
-          <p:nvPr>
-            <p:ph sz="half" idx="1"/>
-          </p:nvPr>
-        </p:nvGraphicFramePr>
-        <p:xfrm>
-          <a:off x="609203" y="1600201"/>
-          <a:ext cx="11384525" cy="4525963"/>
-        </p:xfrm>
-        <a:graphic>
-          <a:graphicData uri="http://schemas.openxmlformats.org/drawingml/2006/chart">
-            <c:chart xmlns:c="http://schemas.openxmlformats.org/drawingml/2006/chart" xmlns:r="http://schemas.openxmlformats.org/officeDocument/2006/relationships" r:id="rId2"/>
-          </a:graphicData>
-        </a:graphic>
-      </p:graphicFrame>
-    </p:spTree>
-  </p:cSld>
-  <p:clrMapOvr>
-    <a:masterClrMapping/>
-  </p:clrMapOvr>
-</p:sld>
-</file>
-
-<file path=ppt/slides/slide7.xml><?xml version="1.0" encoding="utf-8"?>
-<p:sld xmlns:a="http://schemas.openxmlformats.org/drawingml/2006/main" xmlns:r="http://schemas.openxmlformats.org/officeDocument/2006/relationships" xmlns:p="http://schemas.openxmlformats.org/presentationml/2006/main">
-  <p:cSld>
-    <p:spTree>
-      <p:nvGrpSpPr>
-        <p:cNvPr id="1" name=""/>
-        <p:cNvGrpSpPr/>
-        <p:nvPr/>
-      </p:nvGrpSpPr>
-      <p:grpSpPr>
-        <a:xfrm>
-          <a:off x="0" y="0"/>
-          <a:ext cx="0" cy="0"/>
-          <a:chOff x="0" y="0"/>
-          <a:chExt cx="0" cy="0"/>
-        </a:xfrm>
-      </p:grpSpPr>
-      <p:sp>
-        <p:nvSpPr>
-          <p:cNvPr id="4" name="Title 3"/>
-          <p:cNvSpPr>
-            <a:spLocks noGrp="1"/>
-          </p:cNvSpPr>
-          <p:nvPr>
-            <p:ph type="title"/>
-          </p:nvPr>
-        </p:nvSpPr>
-        <p:spPr/>
-        <p:txBody>
-          <a:bodyPr/>
-          <a:lstStyle/>
-          <a:p>
-            <a:r>
-              <a:rPr lang="en-US" dirty="0"/>
-              <a:t>Chart Type 2</a:t>
-            </a:r>
-            <a:endParaRPr lang="en-IN" dirty="0"/>
-          </a:p>
-        </p:txBody>
-      </p:sp>
-      <p:graphicFrame>
-        <p:nvGraphicFramePr>
-          <p:cNvPr id="6" name="Content Placeholder 5"/>
-          <p:cNvGraphicFramePr>
-            <a:graphicFrameLocks noGrp="1"/>
-          </p:cNvGraphicFramePr>
-          <p:nvPr>
-            <p:ph sz="half" idx="1"/>
-          </p:nvPr>
-        </p:nvGraphicFramePr>
-        <p:xfrm>
-          <a:off x="609203" y="1600201"/>
-          <a:ext cx="11289337" cy="4525963"/>
-        </p:xfrm>
-        <a:graphic>
-          <a:graphicData uri="http://schemas.openxmlformats.org/drawingml/2006/chart">
-            <c:chart xmlns:c="http://schemas.openxmlformats.org/drawingml/2006/chart" xmlns:r="http://schemas.openxmlformats.org/officeDocument/2006/relationships" r:id="rId2"/>
-          </a:graphicData>
-        </a:graphic>
-      </p:graphicFrame>
-    </p:spTree>
-  </p:cSld>
-  <p:clrMapOvr>
-    <a:masterClrMapping/>
-  </p:clrMapOvr>
-</p:sld>
-</file>
-
-<file path=ppt/slides/slide8.xml><?xml version="1.0" encoding="utf-8"?>
 <p:sld xmlns:a="http://schemas.openxmlformats.org/drawingml/2006/main" xmlns:r="http://schemas.openxmlformats.org/officeDocument/2006/relationships" xmlns:p="http://schemas.openxmlformats.org/presentationml/2006/main">
   <p:cSld>
     <p:spTree>
@@ -6662,7 +4986,7 @@
 </p:sld>
 </file>
 
-<file path=ppt/slides/slide9.xml><?xml version="1.0" encoding="utf-8"?>
+<file path=ppt/slides/slide11.xml><?xml version="1.0" encoding="utf-8"?>
 <p:sld xmlns:a="http://schemas.openxmlformats.org/drawingml/2006/main" xmlns:r="http://schemas.openxmlformats.org/officeDocument/2006/relationships" xmlns:p="http://schemas.openxmlformats.org/presentationml/2006/main">
   <p:cSld>
     <p:spTree>
@@ -6758,6 +5082,2128 @@
           </a:p>
         </p:txBody>
       </p:sp>
+    </p:spTree>
+  </p:cSld>
+  <p:clrMapOvr>
+    <a:masterClrMapping/>
+  </p:clrMapOvr>
+</p:sld>
+</file>
+
+<file path=ppt/slides/slide12.xml><?xml version="1.0" encoding="utf-8"?>
+<p:sld xmlns:a="http://schemas.openxmlformats.org/drawingml/2006/main" xmlns:r="http://schemas.openxmlformats.org/officeDocument/2006/relationships" xmlns:p="http://schemas.openxmlformats.org/presentationml/2006/main">
+  <p:cSld>
+    <p:spTree>
+      <p:nvGrpSpPr>
+        <p:cNvPr id="1" name=""/>
+        <p:cNvGrpSpPr/>
+        <p:nvPr/>
+      </p:nvGrpSpPr>
+      <p:grpSpPr>
+        <a:xfrm>
+          <a:off x="0" y="0"/>
+          <a:ext cx="0" cy="0"/>
+          <a:chOff x="0" y="0"/>
+          <a:chExt cx="0" cy="0"/>
+        </a:xfrm>
+      </p:grpSpPr>
+      <p:sp>
+        <p:nvSpPr>
+          <p:cNvPr id="4" name="Title 3"/>
+          <p:cNvSpPr>
+            <a:spLocks noGrp="1"/>
+          </p:cNvSpPr>
+          <p:nvPr>
+            <p:ph type="title"/>
+          </p:nvPr>
+        </p:nvSpPr>
+        <p:spPr>
+          <a:xfrm>
+            <a:off x="3080201" y="1250142"/>
+            <a:ext cx="6853583" cy="1362075"/>
+          </a:xfrm>
+        </p:spPr>
+        <p:txBody>
+          <a:bodyPr/>
+          <a:lstStyle/>
+          <a:p>
+            <a:r>
+              <a:rPr lang="en-US" dirty="0"/>
+              <a:t>Video Title</a:t>
+            </a:r>
+            <a:endParaRPr lang="en-IN" dirty="0"/>
+          </a:p>
+        </p:txBody>
+      </p:sp>
+      <p:sp>
+        <p:nvSpPr>
+          <p:cNvPr id="5" name="Text Placeholder 4"/>
+          <p:cNvSpPr>
+            <a:spLocks noGrp="1"/>
+          </p:cNvSpPr>
+          <p:nvPr>
+            <p:ph type="body" idx="4294967295"/>
+          </p:nvPr>
+        </p:nvSpPr>
+        <p:spPr>
+          <a:xfrm>
+            <a:off x="3080201" y="2750340"/>
+            <a:ext cx="6853583" cy="1500187"/>
+          </a:xfrm>
+        </p:spPr>
+        <p:txBody>
+          <a:bodyPr/>
+          <a:lstStyle/>
+          <a:p>
+            <a:r>
+              <a:rPr lang="en-US" dirty="0"/>
+              <a:t>Add subtitle</a:t>
+            </a:r>
+            <a:endParaRPr lang="en-IN" dirty="0"/>
+          </a:p>
+        </p:txBody>
+      </p:sp>
+    </p:spTree>
+  </p:cSld>
+  <p:clrMapOvr>
+    <a:masterClrMapping/>
+  </p:clrMapOvr>
+</p:sld>
+</file>
+
+<file path=ppt/slides/slide13.xml><?xml version="1.0" encoding="utf-8"?>
+<p:sld xmlns:a="http://schemas.openxmlformats.org/drawingml/2006/main" xmlns:r="http://schemas.openxmlformats.org/officeDocument/2006/relationships" xmlns:p="http://schemas.openxmlformats.org/presentationml/2006/main">
+  <p:cSld>
+    <p:spTree>
+      <p:nvGrpSpPr>
+        <p:cNvPr id="1" name=""/>
+        <p:cNvGrpSpPr/>
+        <p:nvPr/>
+      </p:nvGrpSpPr>
+      <p:grpSpPr>
+        <a:xfrm>
+          <a:off x="0" y="0"/>
+          <a:ext cx="0" cy="0"/>
+          <a:chOff x="0" y="0"/>
+          <a:chExt cx="0" cy="0"/>
+        </a:xfrm>
+      </p:grpSpPr>
+      <p:sp>
+        <p:nvSpPr>
+          <p:cNvPr id="6" name="Content Placeholder 2">
+            <a:extLst>
+              <a:ext uri="{FF2B5EF4-FFF2-40B4-BE49-F238E27FC236}">
+                <a16:creationId xmlns:a16="http://schemas.microsoft.com/office/drawing/2014/main" id="{72A30819-A19D-4A98-A03B-26ED6C25BAAD}"/>
+              </a:ext>
+            </a:extLst>
+          </p:cNvPr>
+          <p:cNvSpPr>
+            <a:spLocks noGrp="1"/>
+          </p:cNvSpPr>
+          <p:nvPr>
+            <p:ph idx="1"/>
+          </p:nvPr>
+        </p:nvSpPr>
+        <p:spPr>
+          <a:xfrm>
+            <a:off x="704391" y="620688"/>
+            <a:ext cx="10775280" cy="5688632"/>
+          </a:xfrm>
+        </p:spPr>
+        <p:txBody>
+          <a:bodyPr>
+            <a:normAutofit/>
+          </a:bodyPr>
+          <a:lstStyle/>
+          <a:p>
+            <a:pPr marL="0" indent="0" algn="ctr">
+              <a:spcBef>
+                <a:spcPts val="999"/>
+              </a:spcBef>
+              <a:buNone/>
+            </a:pPr>
+            <a:r>
+              <a:rPr lang="en-US" sz="2798" b="1" dirty="0">
+                <a:solidFill>
+                  <a:schemeClr val="accent2">
+                    <a:lumMod val="50000"/>
+                  </a:schemeClr>
+                </a:solidFill>
+              </a:rPr>
+              <a:t>Special Thanks To</a:t>
+            </a:r>
+          </a:p>
+          <a:p>
+            <a:pPr marL="0" indent="0" algn="ctr">
+              <a:spcBef>
+                <a:spcPts val="999"/>
+              </a:spcBef>
+              <a:buNone/>
+            </a:pPr>
+            <a:endParaRPr lang="en-US" sz="2798" b="1" dirty="0">
+              <a:solidFill>
+                <a:schemeClr val="accent2">
+                  <a:lumMod val="50000"/>
+                </a:schemeClr>
+              </a:solidFill>
+            </a:endParaRPr>
+          </a:p>
+          <a:p>
+            <a:pPr marL="0" indent="0" algn="ctr">
+              <a:spcBef>
+                <a:spcPts val="999"/>
+              </a:spcBef>
+              <a:buNone/>
+            </a:pPr>
+            <a:endParaRPr lang="en-US" sz="2798" b="1" dirty="0">
+              <a:solidFill>
+                <a:schemeClr val="accent2">
+                  <a:lumMod val="50000"/>
+                </a:schemeClr>
+              </a:solidFill>
+            </a:endParaRPr>
+          </a:p>
+          <a:p>
+            <a:pPr marL="0" indent="0" algn="ctr">
+              <a:spcBef>
+                <a:spcPts val="999"/>
+              </a:spcBef>
+              <a:buNone/>
+            </a:pPr>
+            <a:endParaRPr lang="en-US" sz="2798" b="1" dirty="0">
+              <a:solidFill>
+                <a:schemeClr val="accent2">
+                  <a:lumMod val="50000"/>
+                </a:schemeClr>
+              </a:solidFill>
+            </a:endParaRPr>
+          </a:p>
+          <a:p>
+            <a:pPr marL="0" indent="0" algn="ctr">
+              <a:spcBef>
+                <a:spcPts val="999"/>
+              </a:spcBef>
+              <a:buNone/>
+            </a:pPr>
+            <a:endParaRPr lang="en-US" sz="2798" b="1" dirty="0">
+              <a:solidFill>
+                <a:schemeClr val="accent2">
+                  <a:lumMod val="50000"/>
+                </a:schemeClr>
+              </a:solidFill>
+            </a:endParaRPr>
+          </a:p>
+          <a:p>
+            <a:pPr marL="0" indent="0" algn="ctr">
+              <a:spcBef>
+                <a:spcPts val="999"/>
+              </a:spcBef>
+              <a:buNone/>
+            </a:pPr>
+            <a:endParaRPr lang="en-US" sz="2798" b="1" dirty="0">
+              <a:solidFill>
+                <a:schemeClr val="accent2">
+                  <a:lumMod val="50000"/>
+                </a:schemeClr>
+              </a:solidFill>
+            </a:endParaRPr>
+          </a:p>
+          <a:p>
+            <a:pPr marL="0" indent="0" algn="ctr">
+              <a:spcBef>
+                <a:spcPts val="999"/>
+              </a:spcBef>
+              <a:buNone/>
+            </a:pPr>
+            <a:r>
+              <a:rPr lang="en-US" sz="2798" b="1" dirty="0">
+                <a:solidFill>
+                  <a:schemeClr val="accent2">
+                    <a:lumMod val="50000"/>
+                  </a:schemeClr>
+                </a:solidFill>
+              </a:rPr>
+              <a:t>for supporting</a:t>
+            </a:r>
+          </a:p>
+          <a:p>
+            <a:pPr marL="0" indent="0" algn="ctr">
+              <a:spcBef>
+                <a:spcPts val="999"/>
+              </a:spcBef>
+              <a:buNone/>
+            </a:pPr>
+            <a:r>
+              <a:rPr lang="en-US" sz="2798" b="1" dirty="0">
+                <a:solidFill>
+                  <a:schemeClr val="accent2">
+                    <a:lumMod val="50000"/>
+                  </a:schemeClr>
+                </a:solidFill>
+              </a:rPr>
+              <a:t>DataPlatformGeeks &amp; </a:t>
+            </a:r>
+            <a:r>
+              <a:rPr lang="en-US" sz="2798" b="1" dirty="0" err="1">
+                <a:solidFill>
+                  <a:schemeClr val="accent2">
+                    <a:lumMod val="50000"/>
+                  </a:schemeClr>
+                </a:solidFill>
+              </a:rPr>
+              <a:t>SQLServerGeeks</a:t>
+            </a:r>
+            <a:endParaRPr lang="en-US" sz="2798" b="1" dirty="0">
+              <a:solidFill>
+                <a:schemeClr val="accent2">
+                  <a:lumMod val="50000"/>
+                </a:schemeClr>
+              </a:solidFill>
+            </a:endParaRPr>
+          </a:p>
+          <a:p>
+            <a:pPr marL="0" indent="0" algn="ctr">
+              <a:spcBef>
+                <a:spcPts val="999"/>
+              </a:spcBef>
+              <a:buNone/>
+            </a:pPr>
+            <a:r>
+              <a:rPr lang="en-US" sz="2798" b="1" dirty="0">
+                <a:solidFill>
+                  <a:schemeClr val="accent2">
+                    <a:lumMod val="50000"/>
+                  </a:schemeClr>
+                </a:solidFill>
+              </a:rPr>
+              <a:t>Community Initiatives</a:t>
+            </a:r>
+          </a:p>
+        </p:txBody>
+      </p:sp>
+      <p:pic>
+        <p:nvPicPr>
+          <p:cNvPr id="9" name="Picture 2" descr="https://media.licdn.com/mpr/mpr/AAEAAQAAAAAAAAxqAAAAJDY0NzE1OGYwLWY4YzUtNDk2Yy1iMDA5LTRjYjlkYzczNTNjYQ.png">
+            <a:extLst>
+              <a:ext uri="{FF2B5EF4-FFF2-40B4-BE49-F238E27FC236}">
+                <a16:creationId xmlns:a16="http://schemas.microsoft.com/office/drawing/2014/main" id="{54228D3A-7138-4611-88FA-792FE99C5331}"/>
+              </a:ext>
+            </a:extLst>
+          </p:cNvPr>
+          <p:cNvPicPr>
+            <a:picLocks noChangeAspect="1" noChangeArrowheads="1"/>
+          </p:cNvPicPr>
+          <p:nvPr/>
+        </p:nvPicPr>
+        <p:blipFill rotWithShape="1">
+          <a:blip r:embed="rId3">
+            <a:extLst>
+              <a:ext uri="{28A0092B-C50C-407E-A947-70E740481C1C}">
+                <a14:useLocalDpi xmlns:a14="http://schemas.microsoft.com/office/drawing/2010/main" val="0"/>
+              </a:ext>
+            </a:extLst>
+          </a:blip>
+          <a:srcRect t="26399" r="11587" b="12691"/>
+          <a:stretch/>
+        </p:blipFill>
+        <p:spPr bwMode="auto">
+          <a:xfrm>
+            <a:off x="2126510" y="1556792"/>
+            <a:ext cx="7931043" cy="2016224"/>
+          </a:xfrm>
+          <a:prstGeom prst="rect">
+            <a:avLst/>
+          </a:prstGeom>
+          <a:noFill/>
+          <a:extLst>
+            <a:ext uri="{909E8E84-426E-40DD-AFC4-6F175D3DCCD1}">
+              <a14:hiddenFill xmlns:a14="http://schemas.microsoft.com/office/drawing/2010/main">
+                <a:solidFill>
+                  <a:srgbClr val="FFFFFF"/>
+                </a:solidFill>
+              </a14:hiddenFill>
+            </a:ext>
+          </a:extLst>
+        </p:spPr>
+      </p:pic>
+      <p:pic>
+        <p:nvPicPr>
+          <p:cNvPr id="2" name="Picture 1">
+            <a:extLst>
+              <a:ext uri="{FF2B5EF4-FFF2-40B4-BE49-F238E27FC236}">
+                <a16:creationId xmlns:a16="http://schemas.microsoft.com/office/drawing/2014/main" id="{87A52BF1-ACEC-413D-B996-92C974DBD4AE}"/>
+              </a:ext>
+            </a:extLst>
+          </p:cNvPr>
+          <p:cNvPicPr>
+            <a:picLocks noChangeAspect="1"/>
+          </p:cNvPicPr>
+          <p:nvPr/>
+        </p:nvPicPr>
+        <p:blipFill>
+          <a:blip r:embed="rId4" cstate="print">
+            <a:extLst>
+              <a:ext uri="{28A0092B-C50C-407E-A947-70E740481C1C}">
+                <a14:useLocalDpi xmlns:a14="http://schemas.microsoft.com/office/drawing/2010/main" val="0"/>
+              </a:ext>
+            </a:extLst>
+          </a:blip>
+          <a:stretch>
+            <a:fillRect/>
+          </a:stretch>
+        </p:blipFill>
+        <p:spPr>
+          <a:xfrm>
+            <a:off x="7311890" y="5848643"/>
+            <a:ext cx="2609049" cy="730613"/>
+          </a:xfrm>
+          <a:prstGeom prst="rect">
+            <a:avLst/>
+          </a:prstGeom>
+        </p:spPr>
+      </p:pic>
+      <p:pic>
+        <p:nvPicPr>
+          <p:cNvPr id="3" name="Picture 2">
+            <a:extLst>
+              <a:ext uri="{FF2B5EF4-FFF2-40B4-BE49-F238E27FC236}">
+                <a16:creationId xmlns:a16="http://schemas.microsoft.com/office/drawing/2014/main" id="{F66DA7B6-A04E-47A8-9E3A-AC9E5F792EC5}"/>
+              </a:ext>
+            </a:extLst>
+          </p:cNvPr>
+          <p:cNvPicPr>
+            <a:picLocks noChangeAspect="1"/>
+          </p:cNvPicPr>
+          <p:nvPr/>
+        </p:nvPicPr>
+        <p:blipFill>
+          <a:blip r:embed="rId5" cstate="print">
+            <a:extLst>
+              <a:ext uri="{28A0092B-C50C-407E-A947-70E740481C1C}">
+                <a14:useLocalDpi xmlns:a14="http://schemas.microsoft.com/office/drawing/2010/main" val="0"/>
+              </a:ext>
+            </a:extLst>
+          </a:blip>
+          <a:stretch>
+            <a:fillRect/>
+          </a:stretch>
+        </p:blipFill>
+        <p:spPr>
+          <a:xfrm>
+            <a:off x="5307371" y="5765979"/>
+            <a:ext cx="1569320" cy="942661"/>
+          </a:xfrm>
+          <a:prstGeom prst="rect">
+            <a:avLst/>
+          </a:prstGeom>
+        </p:spPr>
+      </p:pic>
+      <p:pic>
+        <p:nvPicPr>
+          <p:cNvPr id="12" name="Picture 11">
+            <a:extLst>
+              <a:ext uri="{FF2B5EF4-FFF2-40B4-BE49-F238E27FC236}">
+                <a16:creationId xmlns:a16="http://schemas.microsoft.com/office/drawing/2014/main" id="{462BD92A-EC5B-4725-861D-B4F7EB78CBF1}"/>
+              </a:ext>
+            </a:extLst>
+          </p:cNvPr>
+          <p:cNvPicPr>
+            <a:picLocks noChangeAspect="1"/>
+          </p:cNvPicPr>
+          <p:nvPr/>
+        </p:nvPicPr>
+        <p:blipFill>
+          <a:blip r:embed="rId6" cstate="print">
+            <a:extLst>
+              <a:ext uri="{28A0092B-C50C-407E-A947-70E740481C1C}">
+                <a14:useLocalDpi xmlns:a14="http://schemas.microsoft.com/office/drawing/2010/main" val="0"/>
+              </a:ext>
+            </a:extLst>
+          </a:blip>
+          <a:stretch>
+            <a:fillRect/>
+          </a:stretch>
+        </p:blipFill>
+        <p:spPr>
+          <a:xfrm>
+            <a:off x="2455967" y="5895367"/>
+            <a:ext cx="2442197" cy="683889"/>
+          </a:xfrm>
+          <a:prstGeom prst="rect">
+            <a:avLst/>
+          </a:prstGeom>
+        </p:spPr>
+      </p:pic>
+    </p:spTree>
+    <p:extLst>
+      <p:ext uri="{BB962C8B-B14F-4D97-AF65-F5344CB8AC3E}">
+        <p14:creationId xmlns:p14="http://schemas.microsoft.com/office/powerpoint/2010/main" val="2210967218"/>
+      </p:ext>
+    </p:extLst>
+  </p:cSld>
+  <p:clrMapOvr>
+    <a:masterClrMapping/>
+  </p:clrMapOvr>
+</p:sld>
+</file>
+
+<file path=ppt/slides/slide14.xml><?xml version="1.0" encoding="utf-8"?>
+<p:sld xmlns:a="http://schemas.openxmlformats.org/drawingml/2006/main" xmlns:r="http://schemas.openxmlformats.org/officeDocument/2006/relationships" xmlns:p="http://schemas.openxmlformats.org/presentationml/2006/main">
+  <p:cSld>
+    <p:spTree>
+      <p:nvGrpSpPr>
+        <p:cNvPr id="1" name=""/>
+        <p:cNvGrpSpPr/>
+        <p:nvPr/>
+      </p:nvGrpSpPr>
+      <p:grpSpPr>
+        <a:xfrm>
+          <a:off x="0" y="0"/>
+          <a:ext cx="0" cy="0"/>
+          <a:chOff x="0" y="0"/>
+          <a:chExt cx="0" cy="0"/>
+        </a:xfrm>
+      </p:grpSpPr>
+      <p:sp>
+        <p:nvSpPr>
+          <p:cNvPr id="6" name="TextBox 5"/>
+          <p:cNvSpPr txBox="1"/>
+          <p:nvPr/>
+        </p:nvSpPr>
+        <p:spPr>
+          <a:xfrm>
+            <a:off x="0" y="1525560"/>
+            <a:ext cx="12184062" cy="2662717"/>
+          </a:xfrm>
+          <a:prstGeom prst="rect">
+            <a:avLst/>
+          </a:prstGeom>
+          <a:noFill/>
+        </p:spPr>
+        <p:txBody>
+          <a:bodyPr wrap="square" rtlCol="0">
+            <a:spAutoFit/>
+          </a:bodyPr>
+          <a:lstStyle/>
+          <a:p>
+            <a:pPr algn="ctr">
+              <a:lnSpc>
+                <a:spcPts val="2000"/>
+              </a:lnSpc>
+            </a:pPr>
+            <a:br>
+              <a:rPr lang="en-IN" sz="2400" dirty="0">
+                <a:latin typeface="Segoe UI" pitchFamily="34" charset="0"/>
+                <a:ea typeface="Segoe UI" pitchFamily="34" charset="0"/>
+                <a:cs typeface="Segoe UI" pitchFamily="34" charset="0"/>
+              </a:rPr>
+            </a:br>
+            <a:r>
+              <a:rPr lang="en-IN" sz="2800" b="1" dirty="0">
+                <a:latin typeface="Segoe UI" pitchFamily="34" charset="0"/>
+                <a:ea typeface="Segoe UI" pitchFamily="34" charset="0"/>
+                <a:cs typeface="Segoe UI" pitchFamily="34" charset="0"/>
+              </a:rPr>
+              <a:t>Three Ways to Win Prizes</a:t>
+            </a:r>
+            <a:br>
+              <a:rPr lang="en-IN" sz="2400" dirty="0">
+                <a:latin typeface="Segoe UI" pitchFamily="34" charset="0"/>
+                <a:ea typeface="Segoe UI" pitchFamily="34" charset="0"/>
+                <a:cs typeface="Segoe UI" pitchFamily="34" charset="0"/>
+              </a:rPr>
+            </a:br>
+            <a:endParaRPr lang="en-IN" sz="2400" dirty="0">
+              <a:latin typeface="Segoe UI" pitchFamily="34" charset="0"/>
+              <a:ea typeface="Segoe UI" pitchFamily="34" charset="0"/>
+              <a:cs typeface="Segoe UI" pitchFamily="34" charset="0"/>
+            </a:endParaRPr>
+          </a:p>
+          <a:p>
+            <a:pPr algn="ctr">
+              <a:lnSpc>
+                <a:spcPts val="2000"/>
+              </a:lnSpc>
+            </a:pPr>
+            <a:r>
+              <a:rPr lang="en-IN" sz="2400" dirty="0">
+                <a:latin typeface="Segoe UI" pitchFamily="34" charset="0"/>
+                <a:ea typeface="Segoe UI" pitchFamily="34" charset="0"/>
+                <a:cs typeface="Segoe UI" pitchFamily="34" charset="0"/>
+              </a:rPr>
+              <a:t>Post your selfie with hash tag </a:t>
+            </a:r>
+            <a:r>
+              <a:rPr lang="en-IN" sz="2400" b="1" dirty="0">
+                <a:latin typeface="Segoe UI" pitchFamily="34" charset="0"/>
+                <a:ea typeface="Segoe UI" pitchFamily="34" charset="0"/>
+                <a:cs typeface="Segoe UI" pitchFamily="34" charset="0"/>
+              </a:rPr>
+              <a:t>#DPS2021</a:t>
+            </a:r>
+            <a:br>
+              <a:rPr lang="en-IN" sz="2400" b="1" dirty="0">
+                <a:latin typeface="Segoe UI" pitchFamily="34" charset="0"/>
+                <a:ea typeface="Segoe UI" pitchFamily="34" charset="0"/>
+                <a:cs typeface="Segoe UI" pitchFamily="34" charset="0"/>
+              </a:rPr>
+            </a:br>
+            <a:endParaRPr lang="en-IN" sz="2400" b="1" dirty="0">
+              <a:latin typeface="Segoe UI" pitchFamily="34" charset="0"/>
+              <a:ea typeface="Segoe UI" pitchFamily="34" charset="0"/>
+              <a:cs typeface="Segoe UI" pitchFamily="34" charset="0"/>
+            </a:endParaRPr>
+          </a:p>
+          <a:p>
+            <a:pPr algn="ctr">
+              <a:lnSpc>
+                <a:spcPts val="2000"/>
+              </a:lnSpc>
+            </a:pPr>
+            <a:r>
+              <a:rPr lang="en-IN" sz="2400" dirty="0">
+                <a:latin typeface="Segoe UI" pitchFamily="34" charset="0"/>
+                <a:ea typeface="Segoe UI" pitchFamily="34" charset="0"/>
+                <a:cs typeface="Segoe UI" pitchFamily="34" charset="0"/>
+              </a:rPr>
+              <a:t>Give Session &amp; Conference Feedback</a:t>
+            </a:r>
+          </a:p>
+          <a:p>
+            <a:pPr algn="ctr">
+              <a:lnSpc>
+                <a:spcPts val="2000"/>
+              </a:lnSpc>
+            </a:pPr>
+            <a:endParaRPr lang="en-IN" sz="2400" dirty="0">
+              <a:latin typeface="Segoe UI" pitchFamily="34" charset="0"/>
+              <a:ea typeface="Segoe UI" pitchFamily="34" charset="0"/>
+              <a:cs typeface="Segoe UI" pitchFamily="34" charset="0"/>
+            </a:endParaRPr>
+          </a:p>
+          <a:p>
+            <a:pPr algn="ctr">
+              <a:lnSpc>
+                <a:spcPts val="2000"/>
+              </a:lnSpc>
+            </a:pPr>
+            <a:r>
+              <a:rPr lang="en-IN" sz="2400" dirty="0">
+                <a:latin typeface="Segoe UI" pitchFamily="34" charset="0"/>
+                <a:ea typeface="Segoe UI" pitchFamily="34" charset="0"/>
+                <a:cs typeface="Segoe UI" pitchFamily="34" charset="0"/>
+              </a:rPr>
+              <a:t>Visit our Sponsors &amp; Exhibitors</a:t>
+            </a:r>
+          </a:p>
+          <a:p>
+            <a:pPr algn="ctr">
+              <a:lnSpc>
+                <a:spcPts val="2000"/>
+              </a:lnSpc>
+            </a:pPr>
+            <a:endParaRPr lang="en-IN" sz="2400" b="1" dirty="0">
+              <a:latin typeface="Segoe UI" pitchFamily="34" charset="0"/>
+              <a:ea typeface="Segoe UI" pitchFamily="34" charset="0"/>
+              <a:cs typeface="Segoe UI" pitchFamily="34" charset="0"/>
+            </a:endParaRPr>
+          </a:p>
+          <a:p>
+            <a:pPr algn="ctr">
+              <a:lnSpc>
+                <a:spcPts val="2000"/>
+              </a:lnSpc>
+            </a:pPr>
+            <a:endParaRPr lang="en-IN" sz="2400" dirty="0">
+              <a:latin typeface="Segoe UI" pitchFamily="34" charset="0"/>
+              <a:ea typeface="Segoe UI" pitchFamily="34" charset="0"/>
+              <a:cs typeface="Segoe UI" pitchFamily="34" charset="0"/>
+            </a:endParaRPr>
+          </a:p>
+        </p:txBody>
+      </p:sp>
+      <p:sp>
+        <p:nvSpPr>
+          <p:cNvPr id="9" name="TextBox 8"/>
+          <p:cNvSpPr txBox="1"/>
+          <p:nvPr/>
+        </p:nvSpPr>
+        <p:spPr>
+          <a:xfrm>
+            <a:off x="0" y="260648"/>
+            <a:ext cx="12184063" cy="1107996"/>
+          </a:xfrm>
+          <a:prstGeom prst="rect">
+            <a:avLst/>
+          </a:prstGeom>
+          <a:noFill/>
+        </p:spPr>
+        <p:txBody>
+          <a:bodyPr wrap="square" rtlCol="0">
+            <a:spAutoFit/>
+          </a:bodyPr>
+          <a:lstStyle/>
+          <a:p>
+            <a:pPr algn="ctr"/>
+            <a:r>
+              <a:rPr lang="en-IN" sz="6600" b="1" dirty="0">
+                <a:solidFill>
+                  <a:srgbClr val="002060"/>
+                </a:solidFill>
+              </a:rPr>
+              <a:t>Thank You</a:t>
+            </a:r>
+          </a:p>
+        </p:txBody>
+      </p:sp>
+      <p:sp>
+        <p:nvSpPr>
+          <p:cNvPr id="2" name="Rectangle 1"/>
+          <p:cNvSpPr/>
+          <p:nvPr/>
+        </p:nvSpPr>
+        <p:spPr>
+          <a:xfrm>
+            <a:off x="6668096" y="6484723"/>
+            <a:ext cx="4536504" cy="328654"/>
+          </a:xfrm>
+          <a:prstGeom prst="rect">
+            <a:avLst/>
+          </a:prstGeom>
+          <a:solidFill>
+            <a:schemeClr val="bg1"/>
+          </a:solidFill>
+          <a:ln>
+            <a:noFill/>
+          </a:ln>
+        </p:spPr>
+        <p:style>
+          <a:lnRef idx="2">
+            <a:schemeClr val="accent1">
+              <a:shade val="50000"/>
+            </a:schemeClr>
+          </a:lnRef>
+          <a:fillRef idx="1">
+            <a:schemeClr val="accent1"/>
+          </a:fillRef>
+          <a:effectRef idx="0">
+            <a:schemeClr val="accent1"/>
+          </a:effectRef>
+          <a:fontRef idx="minor">
+            <a:schemeClr val="lt1"/>
+          </a:fontRef>
+        </p:style>
+        <p:txBody>
+          <a:bodyPr rtlCol="0" anchor="ctr"/>
+          <a:lstStyle/>
+          <a:p>
+            <a:pPr algn="ctr"/>
+            <a:endParaRPr lang="en-US"/>
+          </a:p>
+        </p:txBody>
+      </p:sp>
+      <p:sp>
+        <p:nvSpPr>
+          <p:cNvPr id="3" name="TextBox 2">
+            <a:extLst>
+              <a:ext uri="{FF2B5EF4-FFF2-40B4-BE49-F238E27FC236}">
+                <a16:creationId xmlns:a16="http://schemas.microsoft.com/office/drawing/2014/main" id="{F165331A-BBE2-4814-9235-5BB724F8B7FE}"/>
+              </a:ext>
+            </a:extLst>
+          </p:cNvPr>
+          <p:cNvSpPr txBox="1"/>
+          <p:nvPr/>
+        </p:nvSpPr>
+        <p:spPr>
+          <a:xfrm>
+            <a:off x="43359" y="4108199"/>
+            <a:ext cx="12140703" cy="354392"/>
+          </a:xfrm>
+          <a:prstGeom prst="rect">
+            <a:avLst/>
+          </a:prstGeom>
+          <a:noFill/>
+        </p:spPr>
+        <p:txBody>
+          <a:bodyPr wrap="square" rtlCol="0">
+            <a:spAutoFit/>
+          </a:bodyPr>
+          <a:lstStyle/>
+          <a:p>
+            <a:pPr algn="ctr">
+              <a:lnSpc>
+                <a:spcPts val="2000"/>
+              </a:lnSpc>
+            </a:pPr>
+            <a:r>
+              <a:rPr lang="en-IN" sz="2400" dirty="0">
+                <a:latin typeface="Segoe UI" pitchFamily="34" charset="0"/>
+                <a:ea typeface="Segoe UI" pitchFamily="34" charset="0"/>
+                <a:cs typeface="Segoe UI" pitchFamily="34" charset="0"/>
+              </a:rPr>
+              <a:t>Follow us on Twitter </a:t>
+            </a:r>
+            <a:r>
+              <a:rPr lang="en-IN" sz="2400" b="1" dirty="0">
+                <a:latin typeface="Segoe UI" pitchFamily="34" charset="0"/>
+                <a:ea typeface="Segoe UI" pitchFamily="34" charset="0"/>
+                <a:cs typeface="Segoe UI" pitchFamily="34" charset="0"/>
+              </a:rPr>
+              <a:t>@TheDataGeeks @DataAISummit</a:t>
+            </a:r>
+          </a:p>
+        </p:txBody>
+      </p:sp>
+      <p:pic>
+        <p:nvPicPr>
+          <p:cNvPr id="4" name="Picture 3">
+            <a:extLst>
+              <a:ext uri="{FF2B5EF4-FFF2-40B4-BE49-F238E27FC236}">
+                <a16:creationId xmlns:a16="http://schemas.microsoft.com/office/drawing/2014/main" id="{69AA2D1C-F564-4977-8256-3C4B2161CB28}"/>
+              </a:ext>
+            </a:extLst>
+          </p:cNvPr>
+          <p:cNvPicPr>
+            <a:picLocks noChangeAspect="1"/>
+          </p:cNvPicPr>
+          <p:nvPr/>
+        </p:nvPicPr>
+        <p:blipFill>
+          <a:blip r:embed="rId2" cstate="print">
+            <a:extLst>
+              <a:ext uri="{28A0092B-C50C-407E-A947-70E740481C1C}">
+                <a14:useLocalDpi xmlns:a14="http://schemas.microsoft.com/office/drawing/2010/main" val="0"/>
+              </a:ext>
+            </a:extLst>
+          </a:blip>
+          <a:srcRect/>
+          <a:stretch/>
+        </p:blipFill>
+        <p:spPr>
+          <a:xfrm>
+            <a:off x="4507855" y="5444534"/>
+            <a:ext cx="3024336" cy="1116003"/>
+          </a:xfrm>
+          <a:prstGeom prst="rect">
+            <a:avLst/>
+          </a:prstGeom>
+        </p:spPr>
+      </p:pic>
+    </p:spTree>
+    <p:extLst>
+      <p:ext uri="{BB962C8B-B14F-4D97-AF65-F5344CB8AC3E}">
+        <p14:creationId xmlns:p14="http://schemas.microsoft.com/office/powerpoint/2010/main" val="3172537621"/>
+      </p:ext>
+    </p:extLst>
+  </p:cSld>
+  <p:clrMapOvr>
+    <a:masterClrMapping/>
+  </p:clrMapOvr>
+</p:sld>
+</file>
+
+<file path=ppt/slides/slide2.xml><?xml version="1.0" encoding="utf-8"?>
+<p:sld xmlns:a="http://schemas.openxmlformats.org/drawingml/2006/main" xmlns:r="http://schemas.openxmlformats.org/officeDocument/2006/relationships" xmlns:p="http://schemas.openxmlformats.org/presentationml/2006/main">
+  <p:cSld>
+    <p:spTree>
+      <p:nvGrpSpPr>
+        <p:cNvPr id="1" name=""/>
+        <p:cNvGrpSpPr/>
+        <p:nvPr/>
+      </p:nvGrpSpPr>
+      <p:grpSpPr>
+        <a:xfrm>
+          <a:off x="0" y="0"/>
+          <a:ext cx="0" cy="0"/>
+          <a:chOff x="0" y="0"/>
+          <a:chExt cx="0" cy="0"/>
+        </a:xfrm>
+      </p:grpSpPr>
+      <p:sp>
+        <p:nvSpPr>
+          <p:cNvPr id="2" name="Title 1"/>
+          <p:cNvSpPr>
+            <a:spLocks noGrp="1"/>
+          </p:cNvSpPr>
+          <p:nvPr>
+            <p:ph type="title"/>
+          </p:nvPr>
+        </p:nvSpPr>
+        <p:spPr/>
+        <p:txBody>
+          <a:bodyPr/>
+          <a:lstStyle/>
+          <a:p>
+            <a:r>
+              <a:rPr lang="en-US" dirty="0"/>
+              <a:t>Session Content</a:t>
+            </a:r>
+            <a:endParaRPr lang="en-IN" dirty="0"/>
+          </a:p>
+        </p:txBody>
+      </p:sp>
+      <p:sp>
+        <p:nvSpPr>
+          <p:cNvPr id="3" name="Content Placeholder 2"/>
+          <p:cNvSpPr>
+            <a:spLocks noGrp="1"/>
+          </p:cNvSpPr>
+          <p:nvPr>
+            <p:ph idx="1"/>
+          </p:nvPr>
+        </p:nvSpPr>
+        <p:spPr/>
+        <p:txBody>
+          <a:bodyPr/>
+          <a:lstStyle/>
+          <a:p>
+            <a:r>
+              <a:rPr lang="en-IN" sz="2400" dirty="0">
+                <a:solidFill>
+                  <a:schemeClr val="accent2"/>
+                </a:solidFill>
+              </a:rPr>
+              <a:t>What is Test Driven Development (TDD)</a:t>
+            </a:r>
+          </a:p>
+          <a:p>
+            <a:r>
+              <a:rPr lang="en-IN" sz="2400" dirty="0">
+                <a:solidFill>
+                  <a:schemeClr val="accent2"/>
+                </a:solidFill>
+              </a:rPr>
+              <a:t>Demo, our first unit test and our first change iteration</a:t>
+            </a:r>
+          </a:p>
+          <a:p>
+            <a:r>
+              <a:rPr lang="en-IN" sz="2400" dirty="0">
+                <a:solidFill>
+                  <a:schemeClr val="accent2"/>
+                </a:solidFill>
+              </a:rPr>
+              <a:t>Why Test Driven Database Development?</a:t>
+            </a:r>
+          </a:p>
+          <a:p>
+            <a:r>
+              <a:rPr lang="en-IN" sz="2400" dirty="0">
+                <a:solidFill>
+                  <a:schemeClr val="accent2"/>
+                </a:solidFill>
+              </a:rPr>
+              <a:t>A few </a:t>
+            </a:r>
+            <a:r>
+              <a:rPr lang="en-IN" sz="2400" dirty="0" err="1">
+                <a:solidFill>
+                  <a:schemeClr val="accent2"/>
+                </a:solidFill>
+              </a:rPr>
+              <a:t>Sql</a:t>
+            </a:r>
+            <a:r>
+              <a:rPr lang="en-IN" sz="2400" dirty="0">
+                <a:solidFill>
+                  <a:schemeClr val="accent2"/>
+                </a:solidFill>
+              </a:rPr>
+              <a:t> Server Unit Testing frameworks</a:t>
+            </a:r>
+          </a:p>
+          <a:p>
+            <a:r>
+              <a:rPr lang="en-IN" sz="2400" dirty="0">
+                <a:solidFill>
+                  <a:schemeClr val="accent2"/>
+                </a:solidFill>
+              </a:rPr>
+              <a:t>Demo, our first </a:t>
+            </a:r>
+            <a:r>
+              <a:rPr lang="en-IN" sz="2400" dirty="0" err="1">
+                <a:solidFill>
+                  <a:schemeClr val="accent2"/>
+                </a:solidFill>
+              </a:rPr>
+              <a:t>Sql</a:t>
+            </a:r>
+            <a:r>
+              <a:rPr lang="en-IN" sz="2400" dirty="0">
+                <a:solidFill>
+                  <a:schemeClr val="accent2"/>
+                </a:solidFill>
+              </a:rPr>
+              <a:t> Server unit test and our first change iteration</a:t>
+            </a:r>
+          </a:p>
+          <a:p>
+            <a:r>
+              <a:rPr lang="en-IN" sz="2400" dirty="0">
+                <a:solidFill>
+                  <a:schemeClr val="accent2"/>
+                </a:solidFill>
+              </a:rPr>
+              <a:t>Continuous Integration and Continuous Deployment (CI/CD)</a:t>
+            </a:r>
+          </a:p>
+        </p:txBody>
+      </p:sp>
+    </p:spTree>
+  </p:cSld>
+  <p:clrMapOvr>
+    <a:masterClrMapping/>
+  </p:clrMapOvr>
+</p:sld>
+</file>
+
+<file path=ppt/slides/slide3.xml><?xml version="1.0" encoding="utf-8"?>
+<p:sld xmlns:a="http://schemas.openxmlformats.org/drawingml/2006/main" xmlns:r="http://schemas.openxmlformats.org/officeDocument/2006/relationships" xmlns:p="http://schemas.openxmlformats.org/presentationml/2006/main">
+  <p:cSld>
+    <p:spTree>
+      <p:nvGrpSpPr>
+        <p:cNvPr id="1" name=""/>
+        <p:cNvGrpSpPr/>
+        <p:nvPr/>
+      </p:nvGrpSpPr>
+      <p:grpSpPr>
+        <a:xfrm>
+          <a:off x="0" y="0"/>
+          <a:ext cx="0" cy="0"/>
+          <a:chOff x="0" y="0"/>
+          <a:chExt cx="0" cy="0"/>
+        </a:xfrm>
+      </p:grpSpPr>
+      <p:sp>
+        <p:nvSpPr>
+          <p:cNvPr id="4" name="Title 3"/>
+          <p:cNvSpPr>
+            <a:spLocks noGrp="1"/>
+          </p:cNvSpPr>
+          <p:nvPr>
+            <p:ph type="title"/>
+          </p:nvPr>
+        </p:nvSpPr>
+        <p:spPr/>
+        <p:txBody>
+          <a:bodyPr/>
+          <a:lstStyle/>
+          <a:p>
+            <a:r>
+              <a:rPr lang="en-US" dirty="0"/>
+              <a:t>What is Test Driven Development?</a:t>
+            </a:r>
+            <a:endParaRPr lang="en-IN" dirty="0"/>
+          </a:p>
+        </p:txBody>
+      </p:sp>
+      <p:sp>
+        <p:nvSpPr>
+          <p:cNvPr id="5" name="Text Placeholder 4"/>
+          <p:cNvSpPr>
+            <a:spLocks noGrp="1"/>
+          </p:cNvSpPr>
+          <p:nvPr>
+            <p:ph type="body" idx="1"/>
+          </p:nvPr>
+        </p:nvSpPr>
+        <p:spPr>
+          <a:xfrm>
+            <a:off x="962457" y="2500307"/>
+            <a:ext cx="10356454" cy="2440861"/>
+          </a:xfrm>
+        </p:spPr>
+        <p:txBody>
+          <a:bodyPr>
+            <a:normAutofit/>
+          </a:bodyPr>
+          <a:lstStyle/>
+          <a:p>
+            <a:pPr marL="457200" indent="-457200">
+              <a:buAutoNum type="arabicParenR"/>
+            </a:pPr>
+            <a:r>
+              <a:rPr lang="en-IN" dirty="0"/>
+              <a:t>Write requirements</a:t>
+            </a:r>
+          </a:p>
+          <a:p>
+            <a:pPr marL="457200" indent="-457200">
+              <a:buAutoNum type="arabicParenR"/>
+            </a:pPr>
+            <a:r>
+              <a:rPr lang="en-IN" dirty="0"/>
+              <a:t>Write tests</a:t>
+            </a:r>
+          </a:p>
+          <a:p>
+            <a:pPr marL="457200" indent="-457200">
+              <a:buAutoNum type="arabicParenR"/>
+            </a:pPr>
+            <a:r>
+              <a:rPr lang="en-IN" dirty="0"/>
+              <a:t>Run tests</a:t>
+            </a:r>
+          </a:p>
+          <a:p>
+            <a:pPr marL="457200" indent="-457200">
+              <a:buAutoNum type="arabicParenR"/>
+            </a:pPr>
+            <a:r>
+              <a:rPr lang="en-IN" dirty="0"/>
+              <a:t>Write code to fix failed tests</a:t>
+            </a:r>
+          </a:p>
+          <a:p>
+            <a:pPr marL="457200" indent="-457200">
+              <a:buAutoNum type="arabicParenR"/>
+            </a:pPr>
+            <a:r>
+              <a:rPr lang="en-IN" dirty="0"/>
+              <a:t>Repeat until tests are “green”</a:t>
+            </a:r>
+          </a:p>
+        </p:txBody>
+      </p:sp>
+    </p:spTree>
+  </p:cSld>
+  <p:clrMapOvr>
+    <a:masterClrMapping/>
+  </p:clrMapOvr>
+  <p:timing>
+    <p:tnLst>
+      <p:par>
+        <p:cTn id="1" dur="indefinite" restart="never" nodeType="tmRoot">
+          <p:childTnLst>
+            <p:seq concurrent="1" nextAc="seek">
+              <p:cTn id="2" dur="indefinite" nodeType="mainSeq">
+                <p:childTnLst>
+                  <p:par>
+                    <p:cTn id="3" fill="hold">
+                      <p:stCondLst>
+                        <p:cond delay="indefinite"/>
+                      </p:stCondLst>
+                      <p:childTnLst>
+                        <p:par>
+                          <p:cTn id="4" fill="hold">
+                            <p:stCondLst>
+                              <p:cond delay="0"/>
+                            </p:stCondLst>
+                            <p:childTnLst>
+                              <p:par>
+                                <p:cTn id="5" presetID="1" presetClass="entr" presetSubtype="0" fill="hold" grpId="0" nodeType="clickEffect">
+                                  <p:stCondLst>
+                                    <p:cond delay="0"/>
+                                  </p:stCondLst>
+                                  <p:childTnLst>
+                                    <p:set>
+                                      <p:cBhvr>
+                                        <p:cTn id="6" dur="1" fill="hold">
+                                          <p:stCondLst>
+                                            <p:cond delay="0"/>
+                                          </p:stCondLst>
+                                        </p:cTn>
+                                        <p:tgtEl>
+                                          <p:spTgt spid="5">
+                                            <p:txEl>
+                                              <p:pRg st="0" end="0"/>
+                                            </p:txEl>
+                                          </p:spTgt>
+                                        </p:tgtEl>
+                                        <p:attrNameLst>
+                                          <p:attrName>style.visibility</p:attrName>
+                                        </p:attrNameLst>
+                                      </p:cBhvr>
+                                      <p:to>
+                                        <p:strVal val="visible"/>
+                                      </p:to>
+                                    </p:set>
+                                  </p:childTnLst>
+                                </p:cTn>
+                              </p:par>
+                            </p:childTnLst>
+                          </p:cTn>
+                        </p:par>
+                      </p:childTnLst>
+                    </p:cTn>
+                  </p:par>
+                  <p:par>
+                    <p:cTn id="7" fill="hold">
+                      <p:stCondLst>
+                        <p:cond delay="indefinite"/>
+                      </p:stCondLst>
+                      <p:childTnLst>
+                        <p:par>
+                          <p:cTn id="8" fill="hold">
+                            <p:stCondLst>
+                              <p:cond delay="0"/>
+                            </p:stCondLst>
+                            <p:childTnLst>
+                              <p:par>
+                                <p:cTn id="9" presetID="1" presetClass="entr" presetSubtype="0" fill="hold" grpId="0" nodeType="clickEffect">
+                                  <p:stCondLst>
+                                    <p:cond delay="0"/>
+                                  </p:stCondLst>
+                                  <p:childTnLst>
+                                    <p:set>
+                                      <p:cBhvr>
+                                        <p:cTn id="10" dur="1" fill="hold">
+                                          <p:stCondLst>
+                                            <p:cond delay="0"/>
+                                          </p:stCondLst>
+                                        </p:cTn>
+                                        <p:tgtEl>
+                                          <p:spTgt spid="5">
+                                            <p:txEl>
+                                              <p:pRg st="1" end="1"/>
+                                            </p:txEl>
+                                          </p:spTgt>
+                                        </p:tgtEl>
+                                        <p:attrNameLst>
+                                          <p:attrName>style.visibility</p:attrName>
+                                        </p:attrNameLst>
+                                      </p:cBhvr>
+                                      <p:to>
+                                        <p:strVal val="visible"/>
+                                      </p:to>
+                                    </p:set>
+                                  </p:childTnLst>
+                                </p:cTn>
+                              </p:par>
+                            </p:childTnLst>
+                          </p:cTn>
+                        </p:par>
+                      </p:childTnLst>
+                    </p:cTn>
+                  </p:par>
+                  <p:par>
+                    <p:cTn id="11" fill="hold">
+                      <p:stCondLst>
+                        <p:cond delay="indefinite"/>
+                      </p:stCondLst>
+                      <p:childTnLst>
+                        <p:par>
+                          <p:cTn id="12" fill="hold">
+                            <p:stCondLst>
+                              <p:cond delay="0"/>
+                            </p:stCondLst>
+                            <p:childTnLst>
+                              <p:par>
+                                <p:cTn id="13" presetID="1" presetClass="entr" presetSubtype="0" fill="hold" grpId="0" nodeType="clickEffect">
+                                  <p:stCondLst>
+                                    <p:cond delay="0"/>
+                                  </p:stCondLst>
+                                  <p:childTnLst>
+                                    <p:set>
+                                      <p:cBhvr>
+                                        <p:cTn id="14" dur="1" fill="hold">
+                                          <p:stCondLst>
+                                            <p:cond delay="0"/>
+                                          </p:stCondLst>
+                                        </p:cTn>
+                                        <p:tgtEl>
+                                          <p:spTgt spid="5">
+                                            <p:txEl>
+                                              <p:pRg st="2" end="2"/>
+                                            </p:txEl>
+                                          </p:spTgt>
+                                        </p:tgtEl>
+                                        <p:attrNameLst>
+                                          <p:attrName>style.visibility</p:attrName>
+                                        </p:attrNameLst>
+                                      </p:cBhvr>
+                                      <p:to>
+                                        <p:strVal val="visible"/>
+                                      </p:to>
+                                    </p:set>
+                                  </p:childTnLst>
+                                </p:cTn>
+                              </p:par>
+                            </p:childTnLst>
+                          </p:cTn>
+                        </p:par>
+                      </p:childTnLst>
+                    </p:cTn>
+                  </p:par>
+                  <p:par>
+                    <p:cTn id="15" fill="hold">
+                      <p:stCondLst>
+                        <p:cond delay="indefinite"/>
+                      </p:stCondLst>
+                      <p:childTnLst>
+                        <p:par>
+                          <p:cTn id="16" fill="hold">
+                            <p:stCondLst>
+                              <p:cond delay="0"/>
+                            </p:stCondLst>
+                            <p:childTnLst>
+                              <p:par>
+                                <p:cTn id="17" presetID="1" presetClass="entr" presetSubtype="0" fill="hold" grpId="0" nodeType="clickEffect">
+                                  <p:stCondLst>
+                                    <p:cond delay="0"/>
+                                  </p:stCondLst>
+                                  <p:childTnLst>
+                                    <p:set>
+                                      <p:cBhvr>
+                                        <p:cTn id="18" dur="1" fill="hold">
+                                          <p:stCondLst>
+                                            <p:cond delay="0"/>
+                                          </p:stCondLst>
+                                        </p:cTn>
+                                        <p:tgtEl>
+                                          <p:spTgt spid="5">
+                                            <p:txEl>
+                                              <p:pRg st="3" end="3"/>
+                                            </p:txEl>
+                                          </p:spTgt>
+                                        </p:tgtEl>
+                                        <p:attrNameLst>
+                                          <p:attrName>style.visibility</p:attrName>
+                                        </p:attrNameLst>
+                                      </p:cBhvr>
+                                      <p:to>
+                                        <p:strVal val="visible"/>
+                                      </p:to>
+                                    </p:set>
+                                  </p:childTnLst>
+                                </p:cTn>
+                              </p:par>
+                            </p:childTnLst>
+                          </p:cTn>
+                        </p:par>
+                      </p:childTnLst>
+                    </p:cTn>
+                  </p:par>
+                  <p:par>
+                    <p:cTn id="19" fill="hold">
+                      <p:stCondLst>
+                        <p:cond delay="indefinite"/>
+                      </p:stCondLst>
+                      <p:childTnLst>
+                        <p:par>
+                          <p:cTn id="20" fill="hold">
+                            <p:stCondLst>
+                              <p:cond delay="0"/>
+                            </p:stCondLst>
+                            <p:childTnLst>
+                              <p:par>
+                                <p:cTn id="21" presetID="1" presetClass="entr" presetSubtype="0" fill="hold" grpId="0" nodeType="clickEffect">
+                                  <p:stCondLst>
+                                    <p:cond delay="0"/>
+                                  </p:stCondLst>
+                                  <p:childTnLst>
+                                    <p:set>
+                                      <p:cBhvr>
+                                        <p:cTn id="22" dur="1" fill="hold">
+                                          <p:stCondLst>
+                                            <p:cond delay="0"/>
+                                          </p:stCondLst>
+                                        </p:cTn>
+                                        <p:tgtEl>
+                                          <p:spTgt spid="5">
+                                            <p:txEl>
+                                              <p:pRg st="4" end="4"/>
+                                            </p:txEl>
+                                          </p:spTgt>
+                                        </p:tgtEl>
+                                        <p:attrNameLst>
+                                          <p:attrName>style.visibility</p:attrName>
+                                        </p:attrNameLst>
+                                      </p:cBhvr>
+                                      <p:to>
+                                        <p:strVal val="visible"/>
+                                      </p:to>
+                                    </p:set>
+                                  </p:childTnLst>
+                                </p:cTn>
+                              </p:par>
+                            </p:childTnLst>
+                          </p:cTn>
+                        </p:par>
+                      </p:childTnLst>
+                    </p:cTn>
+                  </p:par>
+                </p:childTnLst>
+              </p:cTn>
+              <p:prevCondLst>
+                <p:cond evt="onPrev" delay="0">
+                  <p:tgtEl>
+                    <p:sldTgt/>
+                  </p:tgtEl>
+                </p:cond>
+              </p:prevCondLst>
+              <p:nextCondLst>
+                <p:cond evt="onNext" delay="0">
+                  <p:tgtEl>
+                    <p:sldTgt/>
+                  </p:tgtEl>
+                </p:cond>
+              </p:nextCondLst>
+            </p:seq>
+          </p:childTnLst>
+        </p:cTn>
+      </p:par>
+    </p:tnLst>
+    <p:bldLst>
+      <p:bldP spid="5" grpId="0" build="p"/>
+    </p:bldLst>
+  </p:timing>
+</p:sld>
+</file>
+
+<file path=ppt/slides/slide4.xml><?xml version="1.0" encoding="utf-8"?>
+<p:sld xmlns:a="http://schemas.openxmlformats.org/drawingml/2006/main" xmlns:r="http://schemas.openxmlformats.org/officeDocument/2006/relationships" xmlns:p="http://schemas.openxmlformats.org/presentationml/2006/main">
+  <p:cSld>
+    <p:spTree>
+      <p:nvGrpSpPr>
+        <p:cNvPr id="1" name=""/>
+        <p:cNvGrpSpPr/>
+        <p:nvPr/>
+      </p:nvGrpSpPr>
+      <p:grpSpPr>
+        <a:xfrm>
+          <a:off x="0" y="0"/>
+          <a:ext cx="0" cy="0"/>
+          <a:chOff x="0" y="0"/>
+          <a:chExt cx="0" cy="0"/>
+        </a:xfrm>
+      </p:grpSpPr>
+      <p:sp>
+        <p:nvSpPr>
+          <p:cNvPr id="4" name="Rubrik 3">
+            <a:extLst>
+              <a:ext uri="{FF2B5EF4-FFF2-40B4-BE49-F238E27FC236}">
+                <a16:creationId xmlns:a16="http://schemas.microsoft.com/office/drawing/2014/main" id="{0C8E849B-C4A3-4372-ACF6-D601326BD3B5}"/>
+              </a:ext>
+            </a:extLst>
+          </p:cNvPr>
+          <p:cNvSpPr>
+            <a:spLocks noGrp="1"/>
+          </p:cNvSpPr>
+          <p:nvPr>
+            <p:ph type="title"/>
+          </p:nvPr>
+        </p:nvSpPr>
+        <p:spPr/>
+        <p:txBody>
+          <a:bodyPr/>
+          <a:lstStyle/>
+          <a:p>
+            <a:r>
+              <a:rPr lang="sv-SE" dirty="0"/>
+              <a:t>What to test with TDD?</a:t>
+            </a:r>
+          </a:p>
+        </p:txBody>
+      </p:sp>
+      <p:sp>
+        <p:nvSpPr>
+          <p:cNvPr id="5" name="Platshållare för innehåll 4">
+            <a:extLst>
+              <a:ext uri="{FF2B5EF4-FFF2-40B4-BE49-F238E27FC236}">
+                <a16:creationId xmlns:a16="http://schemas.microsoft.com/office/drawing/2014/main" id="{4B39FBCF-8F8C-4B69-A14B-3766FC0F1676}"/>
+              </a:ext>
+            </a:extLst>
+          </p:cNvPr>
+          <p:cNvSpPr>
+            <a:spLocks noGrp="1"/>
+          </p:cNvSpPr>
+          <p:nvPr>
+            <p:ph idx="1"/>
+          </p:nvPr>
+        </p:nvSpPr>
+        <p:spPr/>
+        <p:txBody>
+          <a:bodyPr/>
+          <a:lstStyle/>
+          <a:p>
+            <a:r>
+              <a:rPr lang="sv-SE" dirty="0"/>
+              <a:t>A </a:t>
+            </a:r>
+            <a:r>
+              <a:rPr lang="sv-SE" dirty="0" err="1"/>
+              <a:t>single</a:t>
+            </a:r>
+            <a:r>
+              <a:rPr lang="sv-SE" dirty="0"/>
+              <a:t> </a:t>
+            </a:r>
+            <a:r>
+              <a:rPr lang="sv-SE" dirty="0" err="1"/>
+              <a:t>unit</a:t>
+            </a:r>
+            <a:r>
+              <a:rPr lang="sv-SE" dirty="0"/>
+              <a:t> </a:t>
+            </a:r>
+            <a:r>
+              <a:rPr lang="sv-SE" dirty="0" err="1"/>
+              <a:t>of</a:t>
+            </a:r>
+            <a:r>
+              <a:rPr lang="sv-SE" dirty="0"/>
+              <a:t> </a:t>
+            </a:r>
+            <a:r>
+              <a:rPr lang="sv-SE" dirty="0" err="1"/>
+              <a:t>work</a:t>
+            </a:r>
+            <a:r>
+              <a:rPr lang="sv-SE" dirty="0"/>
+              <a:t>.</a:t>
+            </a:r>
+          </a:p>
+          <a:p>
+            <a:pPr lvl="1"/>
+            <a:r>
+              <a:rPr lang="sv-SE" dirty="0"/>
+              <a:t>A </a:t>
+            </a:r>
+            <a:r>
+              <a:rPr lang="sv-SE" dirty="0" err="1"/>
+              <a:t>function</a:t>
+            </a:r>
+            <a:endParaRPr lang="sv-SE" dirty="0"/>
+          </a:p>
+          <a:p>
+            <a:r>
+              <a:rPr lang="sv-SE" dirty="0" err="1"/>
+              <a:t>Create</a:t>
+            </a:r>
+            <a:r>
+              <a:rPr lang="sv-SE" dirty="0"/>
+              <a:t> </a:t>
+            </a:r>
+            <a:r>
+              <a:rPr lang="sv-SE" dirty="0" err="1"/>
+              <a:t>mocks</a:t>
+            </a:r>
+            <a:r>
+              <a:rPr lang="sv-SE" dirty="0"/>
+              <a:t> for </a:t>
+            </a:r>
+            <a:r>
+              <a:rPr lang="sv-SE" dirty="0" err="1"/>
+              <a:t>every</a:t>
+            </a:r>
+            <a:r>
+              <a:rPr lang="sv-SE" dirty="0"/>
+              <a:t> </a:t>
+            </a:r>
+            <a:r>
+              <a:rPr lang="sv-SE" dirty="0" err="1"/>
+              <a:t>dependency</a:t>
+            </a:r>
+            <a:endParaRPr lang="sv-SE" dirty="0"/>
+          </a:p>
+        </p:txBody>
+      </p:sp>
+    </p:spTree>
+    <p:extLst>
+      <p:ext uri="{BB962C8B-B14F-4D97-AF65-F5344CB8AC3E}">
+        <p14:creationId xmlns:p14="http://schemas.microsoft.com/office/powerpoint/2010/main" val="270129872"/>
+      </p:ext>
+    </p:extLst>
+  </p:cSld>
+  <p:clrMapOvr>
+    <a:masterClrMapping/>
+  </p:clrMapOvr>
+</p:sld>
+</file>
+
+<file path=ppt/slides/slide5.xml><?xml version="1.0" encoding="utf-8"?>
+<p:sld xmlns:a="http://schemas.openxmlformats.org/drawingml/2006/main" xmlns:r="http://schemas.openxmlformats.org/officeDocument/2006/relationships" xmlns:p="http://schemas.openxmlformats.org/presentationml/2006/main">
+  <p:cSld>
+    <p:spTree>
+      <p:nvGrpSpPr>
+        <p:cNvPr id="1" name=""/>
+        <p:cNvGrpSpPr/>
+        <p:nvPr/>
+      </p:nvGrpSpPr>
+      <p:grpSpPr>
+        <a:xfrm>
+          <a:off x="0" y="0"/>
+          <a:ext cx="0" cy="0"/>
+          <a:chOff x="0" y="0"/>
+          <a:chExt cx="0" cy="0"/>
+        </a:xfrm>
+      </p:grpSpPr>
+      <p:sp>
+        <p:nvSpPr>
+          <p:cNvPr id="4" name="Title 3"/>
+          <p:cNvSpPr>
+            <a:spLocks noGrp="1"/>
+          </p:cNvSpPr>
+          <p:nvPr>
+            <p:ph type="title"/>
+          </p:nvPr>
+        </p:nvSpPr>
+        <p:spPr>
+          <a:xfrm>
+            <a:off x="3258073" y="1428737"/>
+            <a:ext cx="6853583" cy="1362075"/>
+          </a:xfrm>
+        </p:spPr>
+        <p:txBody>
+          <a:bodyPr/>
+          <a:lstStyle/>
+          <a:p>
+            <a:r>
+              <a:rPr lang="en-US" dirty="0"/>
+              <a:t>Our first unit test and our first change iteration</a:t>
+            </a:r>
+            <a:endParaRPr lang="en-IN" dirty="0"/>
+          </a:p>
+        </p:txBody>
+      </p:sp>
+      <p:sp>
+        <p:nvSpPr>
+          <p:cNvPr id="5" name="Text Placeholder 4"/>
+          <p:cNvSpPr>
+            <a:spLocks noGrp="1"/>
+          </p:cNvSpPr>
+          <p:nvPr>
+            <p:ph type="body" idx="4294967295"/>
+          </p:nvPr>
+        </p:nvSpPr>
+        <p:spPr>
+          <a:xfrm>
+            <a:off x="3258073" y="2928935"/>
+            <a:ext cx="6853583" cy="1500187"/>
+          </a:xfrm>
+        </p:spPr>
+        <p:txBody>
+          <a:bodyPr/>
+          <a:lstStyle/>
+          <a:p>
+            <a:r>
+              <a:rPr lang="en-IN" dirty="0"/>
+              <a:t>Simple software project</a:t>
+            </a:r>
+          </a:p>
+          <a:p>
+            <a:r>
+              <a:rPr lang="en-IN" dirty="0"/>
+              <a:t>First functional requirement: </a:t>
+            </a:r>
+            <a:r>
+              <a:rPr lang="en-IN" dirty="0" err="1"/>
+              <a:t>IsValidDate</a:t>
+            </a:r>
+            <a:r>
+              <a:rPr lang="en-IN" dirty="0"/>
+              <a:t>.</a:t>
+            </a:r>
+          </a:p>
+          <a:p>
+            <a:pPr lvl="1"/>
+            <a:r>
+              <a:rPr lang="en-IN" dirty="0"/>
+              <a:t>Rely on function </a:t>
+            </a:r>
+            <a:r>
+              <a:rPr lang="en-IN" dirty="0" err="1"/>
+              <a:t>IsLeapYear</a:t>
+            </a:r>
+            <a:r>
+              <a:rPr lang="en-IN" dirty="0"/>
+              <a:t> </a:t>
+            </a:r>
+          </a:p>
+        </p:txBody>
+      </p:sp>
+    </p:spTree>
+  </p:cSld>
+  <p:clrMapOvr>
+    <a:masterClrMapping/>
+  </p:clrMapOvr>
+</p:sld>
+</file>
+
+<file path=ppt/slides/slide6.xml><?xml version="1.0" encoding="utf-8"?>
+<p:sld xmlns:a="http://schemas.openxmlformats.org/drawingml/2006/main" xmlns:r="http://schemas.openxmlformats.org/officeDocument/2006/relationships" xmlns:p="http://schemas.openxmlformats.org/presentationml/2006/main">
+  <p:cSld>
+    <p:spTree>
+      <p:nvGrpSpPr>
+        <p:cNvPr id="1" name=""/>
+        <p:cNvGrpSpPr/>
+        <p:nvPr/>
+      </p:nvGrpSpPr>
+      <p:grpSpPr>
+        <a:xfrm>
+          <a:off x="0" y="0"/>
+          <a:ext cx="0" cy="0"/>
+          <a:chOff x="0" y="0"/>
+          <a:chExt cx="0" cy="0"/>
+        </a:xfrm>
+      </p:grpSpPr>
+      <p:sp>
+        <p:nvSpPr>
+          <p:cNvPr id="4" name="Rubrik 3">
+            <a:extLst>
+              <a:ext uri="{FF2B5EF4-FFF2-40B4-BE49-F238E27FC236}">
+                <a16:creationId xmlns:a16="http://schemas.microsoft.com/office/drawing/2014/main" id="{9388F50B-A733-482A-B025-726B564ECE86}"/>
+              </a:ext>
+            </a:extLst>
+          </p:cNvPr>
+          <p:cNvSpPr>
+            <a:spLocks noGrp="1"/>
+          </p:cNvSpPr>
+          <p:nvPr>
+            <p:ph type="title"/>
+          </p:nvPr>
+        </p:nvSpPr>
+        <p:spPr/>
+        <p:txBody>
+          <a:bodyPr/>
+          <a:lstStyle/>
+          <a:p>
+            <a:r>
+              <a:rPr lang="sv-SE" dirty="0"/>
+              <a:t>About Magnus</a:t>
+            </a:r>
+          </a:p>
+        </p:txBody>
+      </p:sp>
+      <p:sp>
+        <p:nvSpPr>
+          <p:cNvPr id="5" name="Platshållare för innehåll 4">
+            <a:extLst>
+              <a:ext uri="{FF2B5EF4-FFF2-40B4-BE49-F238E27FC236}">
+                <a16:creationId xmlns:a16="http://schemas.microsoft.com/office/drawing/2014/main" id="{C65A1136-D38D-4CE1-B256-7E6F97ADC8FA}"/>
+              </a:ext>
+            </a:extLst>
+          </p:cNvPr>
+          <p:cNvSpPr>
+            <a:spLocks noGrp="1"/>
+          </p:cNvSpPr>
+          <p:nvPr>
+            <p:ph idx="1"/>
+          </p:nvPr>
+        </p:nvSpPr>
+        <p:spPr/>
+        <p:txBody>
+          <a:bodyPr/>
+          <a:lstStyle/>
+          <a:p>
+            <a:r>
+              <a:rPr lang="sv-SE" dirty="0"/>
+              <a:t>How and why I started </a:t>
+            </a:r>
+            <a:r>
+              <a:rPr lang="sv-SE" dirty="0" err="1"/>
+              <a:t>coding</a:t>
+            </a:r>
+            <a:endParaRPr lang="sv-SE" dirty="0"/>
+          </a:p>
+          <a:p>
+            <a:r>
+              <a:rPr lang="sv-SE" dirty="0"/>
+              <a:t>What I do now</a:t>
+            </a:r>
+          </a:p>
+          <a:p>
+            <a:r>
+              <a:rPr lang="sv-SE" dirty="0"/>
+              <a:t>Some abbreviations</a:t>
+            </a:r>
+          </a:p>
+        </p:txBody>
+      </p:sp>
+    </p:spTree>
+    <p:extLst>
+      <p:ext uri="{BB962C8B-B14F-4D97-AF65-F5344CB8AC3E}">
+        <p14:creationId xmlns:p14="http://schemas.microsoft.com/office/powerpoint/2010/main" val="1278892364"/>
+      </p:ext>
+    </p:extLst>
+  </p:cSld>
+  <p:clrMapOvr>
+    <a:masterClrMapping/>
+  </p:clrMapOvr>
+  <p:timing>
+    <p:tnLst>
+      <p:par>
+        <p:cTn id="1" dur="indefinite" restart="never" nodeType="tmRoot">
+          <p:childTnLst>
+            <p:seq concurrent="1" nextAc="seek">
+              <p:cTn id="2" dur="indefinite" nodeType="mainSeq">
+                <p:childTnLst>
+                  <p:par>
+                    <p:cTn id="3" fill="hold">
+                      <p:stCondLst>
+                        <p:cond delay="indefinite"/>
+                      </p:stCondLst>
+                      <p:childTnLst>
+                        <p:par>
+                          <p:cTn id="4" fill="hold">
+                            <p:stCondLst>
+                              <p:cond delay="0"/>
+                            </p:stCondLst>
+                            <p:childTnLst>
+                              <p:par>
+                                <p:cTn id="5" presetID="1" presetClass="entr" presetSubtype="0" fill="hold" grpId="0" nodeType="clickEffect">
+                                  <p:stCondLst>
+                                    <p:cond delay="0"/>
+                                  </p:stCondLst>
+                                  <p:childTnLst>
+                                    <p:set>
+                                      <p:cBhvr>
+                                        <p:cTn id="6" dur="1" fill="hold">
+                                          <p:stCondLst>
+                                            <p:cond delay="0"/>
+                                          </p:stCondLst>
+                                        </p:cTn>
+                                        <p:tgtEl>
+                                          <p:spTgt spid="5">
+                                            <p:txEl>
+                                              <p:pRg st="0" end="0"/>
+                                            </p:txEl>
+                                          </p:spTgt>
+                                        </p:tgtEl>
+                                        <p:attrNameLst>
+                                          <p:attrName>style.visibility</p:attrName>
+                                        </p:attrNameLst>
+                                      </p:cBhvr>
+                                      <p:to>
+                                        <p:strVal val="visible"/>
+                                      </p:to>
+                                    </p:set>
+                                  </p:childTnLst>
+                                </p:cTn>
+                              </p:par>
+                            </p:childTnLst>
+                          </p:cTn>
+                        </p:par>
+                      </p:childTnLst>
+                    </p:cTn>
+                  </p:par>
+                  <p:par>
+                    <p:cTn id="7" fill="hold">
+                      <p:stCondLst>
+                        <p:cond delay="indefinite"/>
+                      </p:stCondLst>
+                      <p:childTnLst>
+                        <p:par>
+                          <p:cTn id="8" fill="hold">
+                            <p:stCondLst>
+                              <p:cond delay="0"/>
+                            </p:stCondLst>
+                            <p:childTnLst>
+                              <p:par>
+                                <p:cTn id="9" presetID="1" presetClass="entr" presetSubtype="0" fill="hold" grpId="0" nodeType="clickEffect">
+                                  <p:stCondLst>
+                                    <p:cond delay="0"/>
+                                  </p:stCondLst>
+                                  <p:childTnLst>
+                                    <p:set>
+                                      <p:cBhvr>
+                                        <p:cTn id="10" dur="1" fill="hold">
+                                          <p:stCondLst>
+                                            <p:cond delay="0"/>
+                                          </p:stCondLst>
+                                        </p:cTn>
+                                        <p:tgtEl>
+                                          <p:spTgt spid="5">
+                                            <p:txEl>
+                                              <p:pRg st="1" end="1"/>
+                                            </p:txEl>
+                                          </p:spTgt>
+                                        </p:tgtEl>
+                                        <p:attrNameLst>
+                                          <p:attrName>style.visibility</p:attrName>
+                                        </p:attrNameLst>
+                                      </p:cBhvr>
+                                      <p:to>
+                                        <p:strVal val="visible"/>
+                                      </p:to>
+                                    </p:set>
+                                  </p:childTnLst>
+                                </p:cTn>
+                              </p:par>
+                            </p:childTnLst>
+                          </p:cTn>
+                        </p:par>
+                      </p:childTnLst>
+                    </p:cTn>
+                  </p:par>
+                  <p:par>
+                    <p:cTn id="11" fill="hold">
+                      <p:stCondLst>
+                        <p:cond delay="indefinite"/>
+                      </p:stCondLst>
+                      <p:childTnLst>
+                        <p:par>
+                          <p:cTn id="12" fill="hold">
+                            <p:stCondLst>
+                              <p:cond delay="0"/>
+                            </p:stCondLst>
+                            <p:childTnLst>
+                              <p:par>
+                                <p:cTn id="13" presetID="1" presetClass="entr" presetSubtype="0" fill="hold" grpId="0" nodeType="clickEffect">
+                                  <p:stCondLst>
+                                    <p:cond delay="0"/>
+                                  </p:stCondLst>
+                                  <p:childTnLst>
+                                    <p:set>
+                                      <p:cBhvr>
+                                        <p:cTn id="14" dur="1" fill="hold">
+                                          <p:stCondLst>
+                                            <p:cond delay="0"/>
+                                          </p:stCondLst>
+                                        </p:cTn>
+                                        <p:tgtEl>
+                                          <p:spTgt spid="5">
+                                            <p:txEl>
+                                              <p:pRg st="2" end="2"/>
+                                            </p:txEl>
+                                          </p:spTgt>
+                                        </p:tgtEl>
+                                        <p:attrNameLst>
+                                          <p:attrName>style.visibility</p:attrName>
+                                        </p:attrNameLst>
+                                      </p:cBhvr>
+                                      <p:to>
+                                        <p:strVal val="visible"/>
+                                      </p:to>
+                                    </p:set>
+                                  </p:childTnLst>
+                                </p:cTn>
+                              </p:par>
+                            </p:childTnLst>
+                          </p:cTn>
+                        </p:par>
+                      </p:childTnLst>
+                    </p:cTn>
+                  </p:par>
+                </p:childTnLst>
+              </p:cTn>
+              <p:prevCondLst>
+                <p:cond evt="onPrev" delay="0">
+                  <p:tgtEl>
+                    <p:sldTgt/>
+                  </p:tgtEl>
+                </p:cond>
+              </p:prevCondLst>
+              <p:nextCondLst>
+                <p:cond evt="onNext" delay="0">
+                  <p:tgtEl>
+                    <p:sldTgt/>
+                  </p:tgtEl>
+                </p:cond>
+              </p:nextCondLst>
+            </p:seq>
+          </p:childTnLst>
+        </p:cTn>
+      </p:par>
+    </p:tnLst>
+    <p:bldLst>
+      <p:bldP spid="5" grpId="0" build="p"/>
+    </p:bldLst>
+  </p:timing>
+</p:sld>
+</file>
+
+<file path=ppt/slides/slide7.xml><?xml version="1.0" encoding="utf-8"?>
+<p:sld xmlns:a="http://schemas.openxmlformats.org/drawingml/2006/main" xmlns:r="http://schemas.openxmlformats.org/officeDocument/2006/relationships" xmlns:p="http://schemas.openxmlformats.org/presentationml/2006/main">
+  <p:cSld>
+    <p:spTree>
+      <p:nvGrpSpPr>
+        <p:cNvPr id="1" name=""/>
+        <p:cNvGrpSpPr/>
+        <p:nvPr/>
+      </p:nvGrpSpPr>
+      <p:grpSpPr>
+        <a:xfrm>
+          <a:off x="0" y="0"/>
+          <a:ext cx="0" cy="0"/>
+          <a:chOff x="0" y="0"/>
+          <a:chExt cx="0" cy="0"/>
+        </a:xfrm>
+      </p:grpSpPr>
+      <p:sp>
+        <p:nvSpPr>
+          <p:cNvPr id="4" name="Title 3"/>
+          <p:cNvSpPr>
+            <a:spLocks noGrp="1"/>
+          </p:cNvSpPr>
+          <p:nvPr>
+            <p:ph type="title"/>
+          </p:nvPr>
+        </p:nvSpPr>
+        <p:spPr/>
+        <p:txBody>
+          <a:bodyPr/>
+          <a:lstStyle/>
+          <a:p>
+            <a:r>
+              <a:rPr lang="en-US" dirty="0"/>
+              <a:t>Section Divider </a:t>
+            </a:r>
+            <a:endParaRPr lang="en-IN" dirty="0"/>
+          </a:p>
+        </p:txBody>
+      </p:sp>
+      <p:sp>
+        <p:nvSpPr>
+          <p:cNvPr id="5" name="Text Placeholder 4"/>
+          <p:cNvSpPr>
+            <a:spLocks noGrp="1"/>
+          </p:cNvSpPr>
+          <p:nvPr>
+            <p:ph type="body" idx="1"/>
+          </p:nvPr>
+        </p:nvSpPr>
+        <p:spPr/>
+        <p:txBody>
+          <a:bodyPr/>
+          <a:lstStyle/>
+          <a:p>
+            <a:r>
+              <a:rPr lang="en-US" dirty="0"/>
+              <a:t>Type 2 - </a:t>
+            </a:r>
+            <a:endParaRPr lang="en-IN" dirty="0"/>
+          </a:p>
+        </p:txBody>
+      </p:sp>
+    </p:spTree>
+  </p:cSld>
+  <p:clrMapOvr>
+    <a:masterClrMapping/>
+  </p:clrMapOvr>
+</p:sld>
+</file>
+
+<file path=ppt/slides/slide8.xml><?xml version="1.0" encoding="utf-8"?>
+<p:sld xmlns:a="http://schemas.openxmlformats.org/drawingml/2006/main" xmlns:r="http://schemas.openxmlformats.org/officeDocument/2006/relationships" xmlns:p="http://schemas.openxmlformats.org/presentationml/2006/main">
+  <p:cSld>
+    <p:spTree>
+      <p:nvGrpSpPr>
+        <p:cNvPr id="1" name=""/>
+        <p:cNvGrpSpPr/>
+        <p:nvPr/>
+      </p:nvGrpSpPr>
+      <p:grpSpPr>
+        <a:xfrm>
+          <a:off x="0" y="0"/>
+          <a:ext cx="0" cy="0"/>
+          <a:chOff x="0" y="0"/>
+          <a:chExt cx="0" cy="0"/>
+        </a:xfrm>
+      </p:grpSpPr>
+      <p:sp>
+        <p:nvSpPr>
+          <p:cNvPr id="4" name="Title 3"/>
+          <p:cNvSpPr>
+            <a:spLocks noGrp="1"/>
+          </p:cNvSpPr>
+          <p:nvPr>
+            <p:ph type="title"/>
+          </p:nvPr>
+        </p:nvSpPr>
+        <p:spPr/>
+        <p:txBody>
+          <a:bodyPr/>
+          <a:lstStyle/>
+          <a:p>
+            <a:r>
+              <a:rPr lang="en-US" dirty="0"/>
+              <a:t>Chart Type 1</a:t>
+            </a:r>
+            <a:endParaRPr lang="en-IN" dirty="0"/>
+          </a:p>
+        </p:txBody>
+      </p:sp>
+      <p:graphicFrame>
+        <p:nvGraphicFramePr>
+          <p:cNvPr id="7" name="Content Placeholder 6"/>
+          <p:cNvGraphicFramePr>
+            <a:graphicFrameLocks noGrp="1"/>
+          </p:cNvGraphicFramePr>
+          <p:nvPr>
+            <p:ph sz="half" idx="1"/>
+          </p:nvPr>
+        </p:nvGraphicFramePr>
+        <p:xfrm>
+          <a:off x="609203" y="1600201"/>
+          <a:ext cx="11384525" cy="4525963"/>
+        </p:xfrm>
+        <a:graphic>
+          <a:graphicData uri="http://schemas.openxmlformats.org/drawingml/2006/chart">
+            <c:chart xmlns:c="http://schemas.openxmlformats.org/drawingml/2006/chart" xmlns:r="http://schemas.openxmlformats.org/officeDocument/2006/relationships" r:id="rId2"/>
+          </a:graphicData>
+        </a:graphic>
+      </p:graphicFrame>
+    </p:spTree>
+  </p:cSld>
+  <p:clrMapOvr>
+    <a:masterClrMapping/>
+  </p:clrMapOvr>
+</p:sld>
+</file>
+
+<file path=ppt/slides/slide9.xml><?xml version="1.0" encoding="utf-8"?>
+<p:sld xmlns:a="http://schemas.openxmlformats.org/drawingml/2006/main" xmlns:r="http://schemas.openxmlformats.org/officeDocument/2006/relationships" xmlns:p="http://schemas.openxmlformats.org/presentationml/2006/main">
+  <p:cSld>
+    <p:spTree>
+      <p:nvGrpSpPr>
+        <p:cNvPr id="1" name=""/>
+        <p:cNvGrpSpPr/>
+        <p:nvPr/>
+      </p:nvGrpSpPr>
+      <p:grpSpPr>
+        <a:xfrm>
+          <a:off x="0" y="0"/>
+          <a:ext cx="0" cy="0"/>
+          <a:chOff x="0" y="0"/>
+          <a:chExt cx="0" cy="0"/>
+        </a:xfrm>
+      </p:grpSpPr>
+      <p:sp>
+        <p:nvSpPr>
+          <p:cNvPr id="4" name="Title 3"/>
+          <p:cNvSpPr>
+            <a:spLocks noGrp="1"/>
+          </p:cNvSpPr>
+          <p:nvPr>
+            <p:ph type="title"/>
+          </p:nvPr>
+        </p:nvSpPr>
+        <p:spPr/>
+        <p:txBody>
+          <a:bodyPr/>
+          <a:lstStyle/>
+          <a:p>
+            <a:r>
+              <a:rPr lang="en-US" dirty="0"/>
+              <a:t>Chart Type 2</a:t>
+            </a:r>
+            <a:endParaRPr lang="en-IN" dirty="0"/>
+          </a:p>
+        </p:txBody>
+      </p:sp>
+      <p:graphicFrame>
+        <p:nvGraphicFramePr>
+          <p:cNvPr id="6" name="Content Placeholder 5"/>
+          <p:cNvGraphicFramePr>
+            <a:graphicFrameLocks noGrp="1"/>
+          </p:cNvGraphicFramePr>
+          <p:nvPr>
+            <p:ph sz="half" idx="1"/>
+          </p:nvPr>
+        </p:nvGraphicFramePr>
+        <p:xfrm>
+          <a:off x="609203" y="1600201"/>
+          <a:ext cx="11289337" cy="4525963"/>
+        </p:xfrm>
+        <a:graphic>
+          <a:graphicData uri="http://schemas.openxmlformats.org/drawingml/2006/chart">
+            <c:chart xmlns:c="http://schemas.openxmlformats.org/drawingml/2006/chart" xmlns:r="http://schemas.openxmlformats.org/officeDocument/2006/relationships" r:id="rId2"/>
+          </a:graphicData>
+        </a:graphic>
+      </p:graphicFrame>
     </p:spTree>
   </p:cSld>
   <p:clrMapOvr>

--- a/test-driven-database-development/test-driven-database-development-dps2021.pptx
+++ b/test-driven-database-development/test-driven-database-development-dps2021.pptx
@@ -5,10 +5,10 @@
     <p:sldMasterId id="2147483648" r:id="rId1"/>
   </p:sldMasterIdLst>
   <p:notesMasterIdLst>
-    <p:notesMasterId r:id="rId16"/>
+    <p:notesMasterId r:id="rId18"/>
   </p:notesMasterIdLst>
   <p:handoutMasterIdLst>
-    <p:handoutMasterId r:id="rId17"/>
+    <p:handoutMasterId r:id="rId19"/>
   </p:handoutMasterIdLst>
   <p:sldIdLst>
     <p:sldId id="256" r:id="rId2"/>
@@ -18,13 +18,15 @@
     <p:sldId id="266" r:id="rId6"/>
     <p:sldId id="434" r:id="rId7"/>
     <p:sldId id="259" r:id="rId8"/>
-    <p:sldId id="260" r:id="rId9"/>
-    <p:sldId id="261" r:id="rId10"/>
-    <p:sldId id="262" r:id="rId11"/>
-    <p:sldId id="263" r:id="rId12"/>
-    <p:sldId id="265" r:id="rId13"/>
-    <p:sldId id="433" r:id="rId14"/>
-    <p:sldId id="268" r:id="rId15"/>
+    <p:sldId id="436" r:id="rId9"/>
+    <p:sldId id="437" r:id="rId10"/>
+    <p:sldId id="438" r:id="rId11"/>
+    <p:sldId id="439" r:id="rId12"/>
+    <p:sldId id="440" r:id="rId13"/>
+    <p:sldId id="441" r:id="rId14"/>
+    <p:sldId id="442" r:id="rId15"/>
+    <p:sldId id="433" r:id="rId16"/>
+    <p:sldId id="268" r:id="rId17"/>
   </p:sldIdLst>
   <p:sldSz cx="12184063" cy="6858000"/>
   <p:notesSz cx="6858000" cy="9144000"/>
@@ -145,432 +147,6 @@
 </p:presentation>
 </file>
 
-<file path=ppt/charts/chart1.xml><?xml version="1.0" encoding="utf-8"?>
-<c:chartSpace xmlns:c="http://schemas.openxmlformats.org/drawingml/2006/chart" xmlns:a="http://schemas.openxmlformats.org/drawingml/2006/main" xmlns:r="http://schemas.openxmlformats.org/officeDocument/2006/relationships" xmlns:c16r2="http://schemas.microsoft.com/office/drawing/2015/06/chart">
-  <c:date1904 val="0"/>
-  <c:lang val="sv-SE"/>
-  <c:roundedCorners val="0"/>
-  <mc:AlternateContent xmlns:mc="http://schemas.openxmlformats.org/markup-compatibility/2006">
-    <mc:Choice xmlns:c14="http://schemas.microsoft.com/office/drawing/2007/8/2/chart" Requires="c14">
-      <c14:style val="102"/>
-    </mc:Choice>
-    <mc:Fallback>
-      <c:style val="2"/>
-    </mc:Fallback>
-  </mc:AlternateContent>
-  <c:chart>
-    <c:autoTitleDeleted val="0"/>
-    <c:plotArea>
-      <c:layout/>
-      <c:barChart>
-        <c:barDir val="col"/>
-        <c:grouping val="clustered"/>
-        <c:varyColors val="0"/>
-        <c:ser>
-          <c:idx val="0"/>
-          <c:order val="0"/>
-          <c:tx>
-            <c:strRef>
-              <c:f>Sheet1!$B$1</c:f>
-              <c:strCache>
-                <c:ptCount val="1"/>
-                <c:pt idx="0">
-                  <c:v>Series 1</c:v>
-                </c:pt>
-              </c:strCache>
-            </c:strRef>
-          </c:tx>
-          <c:invertIfNegative val="0"/>
-          <c:cat>
-            <c:strRef>
-              <c:f>Sheet1!$A$2:$A$5</c:f>
-              <c:strCache>
-                <c:ptCount val="4"/>
-                <c:pt idx="0">
-                  <c:v>Category 1</c:v>
-                </c:pt>
-                <c:pt idx="1">
-                  <c:v>Category 2</c:v>
-                </c:pt>
-                <c:pt idx="2">
-                  <c:v>Category 3</c:v>
-                </c:pt>
-                <c:pt idx="3">
-                  <c:v>Category 4</c:v>
-                </c:pt>
-              </c:strCache>
-            </c:strRef>
-          </c:cat>
-          <c:val>
-            <c:numRef>
-              <c:f>Sheet1!$B$2:$B$5</c:f>
-              <c:numCache>
-                <c:formatCode>General</c:formatCode>
-                <c:ptCount val="4"/>
-                <c:pt idx="0">
-                  <c:v>4.3</c:v>
-                </c:pt>
-                <c:pt idx="1">
-                  <c:v>2.5</c:v>
-                </c:pt>
-                <c:pt idx="2">
-                  <c:v>3.5</c:v>
-                </c:pt>
-                <c:pt idx="3">
-                  <c:v>4.5</c:v>
-                </c:pt>
-              </c:numCache>
-            </c:numRef>
-          </c:val>
-          <c:extLst>
-            <c:ext xmlns:c16="http://schemas.microsoft.com/office/drawing/2014/chart" uri="{C3380CC4-5D6E-409C-BE32-E72D297353CC}">
-              <c16:uniqueId val="{00000000-9F33-41A0-AFDE-CBD6D612A156}"/>
-            </c:ext>
-          </c:extLst>
-        </c:ser>
-        <c:ser>
-          <c:idx val="1"/>
-          <c:order val="1"/>
-          <c:tx>
-            <c:strRef>
-              <c:f>Sheet1!$C$1</c:f>
-              <c:strCache>
-                <c:ptCount val="1"/>
-                <c:pt idx="0">
-                  <c:v>Series 2</c:v>
-                </c:pt>
-              </c:strCache>
-            </c:strRef>
-          </c:tx>
-          <c:invertIfNegative val="0"/>
-          <c:cat>
-            <c:strRef>
-              <c:f>Sheet1!$A$2:$A$5</c:f>
-              <c:strCache>
-                <c:ptCount val="4"/>
-                <c:pt idx="0">
-                  <c:v>Category 1</c:v>
-                </c:pt>
-                <c:pt idx="1">
-                  <c:v>Category 2</c:v>
-                </c:pt>
-                <c:pt idx="2">
-                  <c:v>Category 3</c:v>
-                </c:pt>
-                <c:pt idx="3">
-                  <c:v>Category 4</c:v>
-                </c:pt>
-              </c:strCache>
-            </c:strRef>
-          </c:cat>
-          <c:val>
-            <c:numRef>
-              <c:f>Sheet1!$C$2:$C$5</c:f>
-              <c:numCache>
-                <c:formatCode>General</c:formatCode>
-                <c:ptCount val="4"/>
-                <c:pt idx="0">
-                  <c:v>2.4</c:v>
-                </c:pt>
-                <c:pt idx="1">
-                  <c:v>4.4000000000000004</c:v>
-                </c:pt>
-                <c:pt idx="2">
-                  <c:v>1.8</c:v>
-                </c:pt>
-                <c:pt idx="3">
-                  <c:v>2.8</c:v>
-                </c:pt>
-              </c:numCache>
-            </c:numRef>
-          </c:val>
-          <c:extLst>
-            <c:ext xmlns:c16="http://schemas.microsoft.com/office/drawing/2014/chart" uri="{C3380CC4-5D6E-409C-BE32-E72D297353CC}">
-              <c16:uniqueId val="{00000001-9F33-41A0-AFDE-CBD6D612A156}"/>
-            </c:ext>
-          </c:extLst>
-        </c:ser>
-        <c:ser>
-          <c:idx val="2"/>
-          <c:order val="2"/>
-          <c:tx>
-            <c:strRef>
-              <c:f>Sheet1!$D$1</c:f>
-              <c:strCache>
-                <c:ptCount val="1"/>
-                <c:pt idx="0">
-                  <c:v>Series 3</c:v>
-                </c:pt>
-              </c:strCache>
-            </c:strRef>
-          </c:tx>
-          <c:invertIfNegative val="0"/>
-          <c:cat>
-            <c:strRef>
-              <c:f>Sheet1!$A$2:$A$5</c:f>
-              <c:strCache>
-                <c:ptCount val="4"/>
-                <c:pt idx="0">
-                  <c:v>Category 1</c:v>
-                </c:pt>
-                <c:pt idx="1">
-                  <c:v>Category 2</c:v>
-                </c:pt>
-                <c:pt idx="2">
-                  <c:v>Category 3</c:v>
-                </c:pt>
-                <c:pt idx="3">
-                  <c:v>Category 4</c:v>
-                </c:pt>
-              </c:strCache>
-            </c:strRef>
-          </c:cat>
-          <c:val>
-            <c:numRef>
-              <c:f>Sheet1!$D$2:$D$5</c:f>
-              <c:numCache>
-                <c:formatCode>General</c:formatCode>
-                <c:ptCount val="4"/>
-                <c:pt idx="0">
-                  <c:v>2</c:v>
-                </c:pt>
-                <c:pt idx="1">
-                  <c:v>2</c:v>
-                </c:pt>
-                <c:pt idx="2">
-                  <c:v>3</c:v>
-                </c:pt>
-                <c:pt idx="3">
-                  <c:v>5</c:v>
-                </c:pt>
-              </c:numCache>
-            </c:numRef>
-          </c:val>
-          <c:extLst>
-            <c:ext xmlns:c16="http://schemas.microsoft.com/office/drawing/2014/chart" uri="{C3380CC4-5D6E-409C-BE32-E72D297353CC}">
-              <c16:uniqueId val="{00000002-9F33-41A0-AFDE-CBD6D612A156}"/>
-            </c:ext>
-          </c:extLst>
-        </c:ser>
-        <c:dLbls>
-          <c:showLegendKey val="0"/>
-          <c:showVal val="0"/>
-          <c:showCatName val="0"/>
-          <c:showSerName val="0"/>
-          <c:showPercent val="0"/>
-          <c:showBubbleSize val="0"/>
-        </c:dLbls>
-        <c:gapWidth val="150"/>
-        <c:axId val="1608786416"/>
-        <c:axId val="1608799472"/>
-      </c:barChart>
-      <c:catAx>
-        <c:axId val="1608786416"/>
-        <c:scaling>
-          <c:orientation val="minMax"/>
-        </c:scaling>
-        <c:delete val="0"/>
-        <c:axPos val="b"/>
-        <c:numFmt formatCode="General" sourceLinked="0"/>
-        <c:majorTickMark val="out"/>
-        <c:minorTickMark val="none"/>
-        <c:tickLblPos val="nextTo"/>
-        <c:crossAx val="1608799472"/>
-        <c:crosses val="autoZero"/>
-        <c:auto val="1"/>
-        <c:lblAlgn val="ctr"/>
-        <c:lblOffset val="100"/>
-        <c:noMultiLvlLbl val="0"/>
-      </c:catAx>
-      <c:valAx>
-        <c:axId val="1608799472"/>
-        <c:scaling>
-          <c:orientation val="minMax"/>
-        </c:scaling>
-        <c:delete val="0"/>
-        <c:axPos val="l"/>
-        <c:majorGridlines/>
-        <c:numFmt formatCode="General" sourceLinked="1"/>
-        <c:majorTickMark val="out"/>
-        <c:minorTickMark val="none"/>
-        <c:tickLblPos val="nextTo"/>
-        <c:crossAx val="1608786416"/>
-        <c:crosses val="autoZero"/>
-        <c:crossBetween val="between"/>
-      </c:valAx>
-    </c:plotArea>
-    <c:legend>
-      <c:legendPos val="r"/>
-      <c:overlay val="0"/>
-    </c:legend>
-    <c:plotVisOnly val="1"/>
-    <c:dispBlanksAs val="gap"/>
-    <c:showDLblsOverMax val="0"/>
-  </c:chart>
-  <c:txPr>
-    <a:bodyPr/>
-    <a:lstStyle/>
-    <a:p>
-      <a:pPr>
-        <a:defRPr sz="1800"/>
-      </a:pPr>
-      <a:endParaRPr lang="sv-SE"/>
-    </a:p>
-  </c:txPr>
-  <c:externalData r:id="rId1">
-    <c:autoUpdate val="0"/>
-  </c:externalData>
-</c:chartSpace>
-</file>
-
-<file path=ppt/charts/chart2.xml><?xml version="1.0" encoding="utf-8"?>
-<c:chartSpace xmlns:c="http://schemas.openxmlformats.org/drawingml/2006/chart" xmlns:a="http://schemas.openxmlformats.org/drawingml/2006/main" xmlns:r="http://schemas.openxmlformats.org/officeDocument/2006/relationships" xmlns:c16r2="http://schemas.microsoft.com/office/drawing/2015/06/chart">
-  <c:date1904 val="0"/>
-  <c:lang val="sv-SE"/>
-  <c:roundedCorners val="0"/>
-  <mc:AlternateContent xmlns:mc="http://schemas.openxmlformats.org/markup-compatibility/2006">
-    <mc:Choice xmlns:c14="http://schemas.microsoft.com/office/drawing/2007/8/2/chart" Requires="c14">
-      <c14:style val="102"/>
-    </mc:Choice>
-    <mc:Fallback>
-      <c:style val="2"/>
-    </mc:Fallback>
-  </mc:AlternateContent>
-  <c:chart>
-    <c:title>
-      <c:layout>
-        <c:manualLayout>
-          <c:xMode val="edge"/>
-          <c:yMode val="edge"/>
-          <c:x val="0.46876902474565418"/>
-          <c:y val="0.40406870316880683"/>
-        </c:manualLayout>
-      </c:layout>
-      <c:overlay val="0"/>
-    </c:title>
-    <c:autoTitleDeleted val="0"/>
-    <c:plotArea>
-      <c:layout>
-        <c:manualLayout>
-          <c:layoutTarget val="inner"/>
-          <c:xMode val="edge"/>
-          <c:yMode val="edge"/>
-          <c:x val="0.2756744807151783"/>
-          <c:y val="4.3114802308370608E-2"/>
-          <c:w val="0.44820524429691361"/>
-          <c:h val="0.83903182593406089"/>
-        </c:manualLayout>
-      </c:layout>
-      <c:doughnutChart>
-        <c:varyColors val="1"/>
-        <c:ser>
-          <c:idx val="0"/>
-          <c:order val="0"/>
-          <c:tx>
-            <c:strRef>
-              <c:f>Sheet1!$B$1</c:f>
-              <c:strCache>
-                <c:ptCount val="1"/>
-                <c:pt idx="0">
-                  <c:v>Sales</c:v>
-                </c:pt>
-              </c:strCache>
-            </c:strRef>
-          </c:tx>
-          <c:cat>
-            <c:strRef>
-              <c:f>Sheet1!$A$2:$A$5</c:f>
-              <c:strCache>
-                <c:ptCount val="4"/>
-                <c:pt idx="0">
-                  <c:v>1st Qtr</c:v>
-                </c:pt>
-                <c:pt idx="1">
-                  <c:v>2nd Qtr</c:v>
-                </c:pt>
-                <c:pt idx="2">
-                  <c:v>3rd Qtr</c:v>
-                </c:pt>
-                <c:pt idx="3">
-                  <c:v>4th Qtr</c:v>
-                </c:pt>
-              </c:strCache>
-            </c:strRef>
-          </c:cat>
-          <c:val>
-            <c:numRef>
-              <c:f>Sheet1!$B$2:$B$5</c:f>
-              <c:numCache>
-                <c:formatCode>General</c:formatCode>
-                <c:ptCount val="4"/>
-                <c:pt idx="0">
-                  <c:v>8.2000000000000011</c:v>
-                </c:pt>
-                <c:pt idx="1">
-                  <c:v>3.2</c:v>
-                </c:pt>
-                <c:pt idx="2">
-                  <c:v>1.4</c:v>
-                </c:pt>
-                <c:pt idx="3">
-                  <c:v>1.2</c:v>
-                </c:pt>
-              </c:numCache>
-            </c:numRef>
-          </c:val>
-          <c:extLst>
-            <c:ext xmlns:c16="http://schemas.microsoft.com/office/drawing/2014/chart" uri="{C3380CC4-5D6E-409C-BE32-E72D297353CC}">
-              <c16:uniqueId val="{00000000-0C8A-495D-AD56-D734CE318541}"/>
-            </c:ext>
-          </c:extLst>
-        </c:ser>
-        <c:dLbls>
-          <c:showLegendKey val="0"/>
-          <c:showVal val="0"/>
-          <c:showCatName val="0"/>
-          <c:showSerName val="0"/>
-          <c:showPercent val="0"/>
-          <c:showBubbleSize val="0"/>
-          <c:showLeaderLines val="1"/>
-        </c:dLbls>
-        <c:firstSliceAng val="0"/>
-        <c:holeSize val="50"/>
-      </c:doughnutChart>
-    </c:plotArea>
-    <c:legend>
-      <c:legendPos val="r"/>
-      <c:layout>
-        <c:manualLayout>
-          <c:xMode val="edge"/>
-          <c:yMode val="edge"/>
-          <c:x val="0.83977171839587861"/>
-          <c:y val="0.32650885568441518"/>
-          <c:w val="0.12336096541783682"/>
-          <c:h val="0.31152795548704265"/>
-        </c:manualLayout>
-      </c:layout>
-      <c:overlay val="0"/>
-    </c:legend>
-    <c:plotVisOnly val="1"/>
-    <c:dispBlanksAs val="gap"/>
-    <c:showDLblsOverMax val="0"/>
-  </c:chart>
-  <c:txPr>
-    <a:bodyPr/>
-    <a:lstStyle/>
-    <a:p>
-      <a:pPr>
-        <a:defRPr sz="1800"/>
-      </a:pPr>
-      <a:endParaRPr lang="sv-SE"/>
-    </a:p>
-  </c:txPr>
-  <c:externalData r:id="rId1">
-    <c:autoUpdate val="0"/>
-  </c:externalData>
-</c:chartSpace>
-</file>
-
 <file path=ppt/handoutMasters/handoutMaster1.xml><?xml version="1.0" encoding="utf-8"?>
 <p:handoutMaster xmlns:a="http://schemas.openxmlformats.org/drawingml/2006/main" xmlns:r="http://schemas.openxmlformats.org/officeDocument/2006/relationships" xmlns:p="http://schemas.openxmlformats.org/presentationml/2006/main">
   <p:cSld>
@@ -653,7 +229,7 @@
           <a:p>
             <a:fld id="{0435FDB1-901F-41B4-931C-72A821AA9823}" type="datetimeFigureOut">
               <a:rPr lang="en-US" smtClean="0"/>
-              <a:t>8/29/2021</a:t>
+              <a:t>8/30/2021</a:t>
             </a:fld>
             <a:endParaRPr lang="en-US" dirty="0"/>
           </a:p>
@@ -818,7 +394,7 @@
           <a:p>
             <a:fld id="{69A383FE-65DE-43A9-9A81-115515F5471C}" type="datetimeFigureOut">
               <a:rPr lang="en-US" smtClean="0"/>
-              <a:t>8/29/2021</a:t>
+              <a:t>8/30/2021</a:t>
             </a:fld>
             <a:endParaRPr lang="en-US"/>
           </a:p>
@@ -1150,7 +726,7 @@
           <a:p>
             <a:fld id="{004AA732-83F6-4A36-9A8C-625940E0E719}" type="slidenum">
               <a:rPr lang="en-US" smtClean="0"/>
-              <a:t>13</a:t>
+              <a:t>15</a:t>
             </a:fld>
             <a:endParaRPr lang="en-US"/>
           </a:p>
@@ -4636,7 +4212,13 @@
       </p:grpSpPr>
       <p:sp>
         <p:nvSpPr>
-          <p:cNvPr id="4" name="Title 3"/>
+          <p:cNvPr id="2" name="Rubrik 1">
+            <a:extLst>
+              <a:ext uri="{FF2B5EF4-FFF2-40B4-BE49-F238E27FC236}">
+                <a16:creationId xmlns:a16="http://schemas.microsoft.com/office/drawing/2014/main" id="{B75D4E40-8383-4A30-A70C-BA272835A122}"/>
+              </a:ext>
+            </a:extLst>
+          </p:cNvPr>
           <p:cNvSpPr>
             <a:spLocks noGrp="1"/>
           </p:cNvSpPr>
@@ -4650,398 +4232,46 @@
           <a:lstStyle/>
           <a:p>
             <a:r>
-              <a:rPr lang="en-US" dirty="0"/>
-              <a:t>Table</a:t>
-            </a:r>
-            <a:endParaRPr lang="en-IN" dirty="0"/>
+              <a:rPr lang="sv-SE" dirty="0" err="1"/>
+              <a:t>Frameworks</a:t>
+            </a:r>
+            <a:r>
+              <a:rPr lang="sv-SE" dirty="0"/>
+              <a:t> for </a:t>
+            </a:r>
+            <a:r>
+              <a:rPr lang="sv-SE" dirty="0" err="1"/>
+              <a:t>Database</a:t>
+            </a:r>
+            <a:r>
+              <a:rPr lang="sv-SE" dirty="0"/>
+              <a:t> </a:t>
+            </a:r>
+            <a:r>
+              <a:rPr lang="sv-SE" dirty="0" err="1"/>
+              <a:t>Unit</a:t>
+            </a:r>
+            <a:r>
+              <a:rPr lang="sv-SE" dirty="0"/>
+              <a:t> Tests</a:t>
+            </a:r>
           </a:p>
         </p:txBody>
       </p:sp>
-      <p:graphicFrame>
-        <p:nvGraphicFramePr>
-          <p:cNvPr id="9" name="Content Placeholder 8"/>
-          <p:cNvGraphicFramePr>
-            <a:graphicFrameLocks noGrp="1"/>
-          </p:cNvGraphicFramePr>
-          <p:nvPr>
-            <p:ph sz="half" idx="1"/>
-          </p:nvPr>
-        </p:nvGraphicFramePr>
-        <p:xfrm>
-          <a:off x="609203" y="1600201"/>
-          <a:ext cx="10813398" cy="1685925"/>
-        </p:xfrm>
-        <a:graphic>
-          <a:graphicData uri="http://schemas.openxmlformats.org/drawingml/2006/table">
-            <a:tbl>
-              <a:tblPr firstRow="1" bandRow="1">
-                <a:tableStyleId>{5C22544A-7EE6-4342-B048-85BDC9FD1C3A}</a:tableStyleId>
-              </a:tblPr>
-              <a:tblGrid>
-                <a:gridCol w="1802233">
-                  <a:extLst>
-                    <a:ext uri="{9D8B030D-6E8A-4147-A177-3AD203B41FA5}">
-                      <a16:colId xmlns:a16="http://schemas.microsoft.com/office/drawing/2014/main" val="20000"/>
-                    </a:ext>
-                  </a:extLst>
-                </a:gridCol>
-                <a:gridCol w="1802233">
-                  <a:extLst>
-                    <a:ext uri="{9D8B030D-6E8A-4147-A177-3AD203B41FA5}">
-                      <a16:colId xmlns:a16="http://schemas.microsoft.com/office/drawing/2014/main" val="20001"/>
-                    </a:ext>
-                  </a:extLst>
-                </a:gridCol>
-                <a:gridCol w="1802233">
-                  <a:extLst>
-                    <a:ext uri="{9D8B030D-6E8A-4147-A177-3AD203B41FA5}">
-                      <a16:colId xmlns:a16="http://schemas.microsoft.com/office/drawing/2014/main" val="20002"/>
-                    </a:ext>
-                  </a:extLst>
-                </a:gridCol>
-                <a:gridCol w="1802233">
-                  <a:extLst>
-                    <a:ext uri="{9D8B030D-6E8A-4147-A177-3AD203B41FA5}">
-                      <a16:colId xmlns:a16="http://schemas.microsoft.com/office/drawing/2014/main" val="20003"/>
-                    </a:ext>
-                  </a:extLst>
-                </a:gridCol>
-                <a:gridCol w="1802233">
-                  <a:extLst>
-                    <a:ext uri="{9D8B030D-6E8A-4147-A177-3AD203B41FA5}">
-                      <a16:colId xmlns:a16="http://schemas.microsoft.com/office/drawing/2014/main" val="20004"/>
-                    </a:ext>
-                  </a:extLst>
-                </a:gridCol>
-                <a:gridCol w="1802233">
-                  <a:extLst>
-                    <a:ext uri="{9D8B030D-6E8A-4147-A177-3AD203B41FA5}">
-                      <a16:colId xmlns:a16="http://schemas.microsoft.com/office/drawing/2014/main" val="20005"/>
-                    </a:ext>
-                  </a:extLst>
-                </a:gridCol>
-              </a:tblGrid>
-              <a:tr h="561975">
-                <a:tc>
-                  <a:txBody>
-                    <a:bodyPr/>
-                    <a:lstStyle/>
-                    <a:p>
-                      <a:pPr algn="ctr"/>
-                      <a:r>
-                        <a:rPr lang="en-US" dirty="0"/>
-                        <a:t>Heading</a:t>
-                      </a:r>
-                      <a:r>
-                        <a:rPr lang="en-US" baseline="0" dirty="0"/>
-                        <a:t> 1</a:t>
-                      </a:r>
-                      <a:endParaRPr lang="en-IN" dirty="0"/>
-                    </a:p>
-                  </a:txBody>
-                  <a:tcPr marL="121841" marR="121841" anchor="ctr"/>
-                </a:tc>
-                <a:tc>
-                  <a:txBody>
-                    <a:bodyPr/>
-                    <a:lstStyle/>
-                    <a:p>
-                      <a:pPr algn="ctr"/>
-                      <a:r>
-                        <a:rPr lang="en-US" dirty="0"/>
-                        <a:t>Heading 2</a:t>
-                      </a:r>
-                      <a:endParaRPr lang="en-IN" dirty="0"/>
-                    </a:p>
-                  </a:txBody>
-                  <a:tcPr marL="121841" marR="121841" anchor="ctr">
-                    <a:solidFill>
-                      <a:schemeClr val="accent1">
-                        <a:lumMod val="75000"/>
-                      </a:schemeClr>
-                    </a:solidFill>
-                  </a:tcPr>
-                </a:tc>
-                <a:tc>
-                  <a:txBody>
-                    <a:bodyPr/>
-                    <a:lstStyle/>
-                    <a:p>
-                      <a:pPr algn="ctr"/>
-                      <a:r>
-                        <a:rPr lang="en-US" dirty="0"/>
-                        <a:t>Heading 3</a:t>
-                      </a:r>
-                      <a:endParaRPr lang="en-IN" dirty="0"/>
-                    </a:p>
-                  </a:txBody>
-                  <a:tcPr marL="121841" marR="121841" anchor="ctr"/>
-                </a:tc>
-                <a:tc>
-                  <a:txBody>
-                    <a:bodyPr/>
-                    <a:lstStyle/>
-                    <a:p>
-                      <a:pPr algn="ctr"/>
-                      <a:r>
-                        <a:rPr lang="en-US" dirty="0"/>
-                        <a:t>Heading 4</a:t>
-                      </a:r>
-                      <a:endParaRPr lang="en-IN" dirty="0"/>
-                    </a:p>
-                  </a:txBody>
-                  <a:tcPr marL="121841" marR="121841" anchor="ctr">
-                    <a:solidFill>
-                      <a:schemeClr val="accent1">
-                        <a:lumMod val="75000"/>
-                      </a:schemeClr>
-                    </a:solidFill>
-                  </a:tcPr>
-                </a:tc>
-                <a:tc>
-                  <a:txBody>
-                    <a:bodyPr/>
-                    <a:lstStyle/>
-                    <a:p>
-                      <a:pPr algn="ctr"/>
-                      <a:r>
-                        <a:rPr lang="en-US" dirty="0"/>
-                        <a:t>Heading 5</a:t>
-                      </a:r>
-                      <a:endParaRPr lang="en-IN" dirty="0"/>
-                    </a:p>
-                  </a:txBody>
-                  <a:tcPr marL="121841" marR="121841" anchor="ctr"/>
-                </a:tc>
-                <a:tc>
-                  <a:txBody>
-                    <a:bodyPr/>
-                    <a:lstStyle/>
-                    <a:p>
-                      <a:pPr algn="ctr"/>
-                      <a:r>
-                        <a:rPr lang="en-US" dirty="0"/>
-                        <a:t>Heading 6</a:t>
-                      </a:r>
-                      <a:endParaRPr lang="en-IN" dirty="0"/>
-                    </a:p>
-                  </a:txBody>
-                  <a:tcPr marL="121841" marR="121841" anchor="ctr">
-                    <a:solidFill>
-                      <a:schemeClr val="accent1">
-                        <a:lumMod val="75000"/>
-                      </a:schemeClr>
-                    </a:solidFill>
-                  </a:tcPr>
-                </a:tc>
-                <a:extLst>
-                  <a:ext uri="{0D108BD9-81ED-4DB2-BD59-A6C34878D82A}">
-                    <a16:rowId xmlns:a16="http://schemas.microsoft.com/office/drawing/2014/main" val="10000"/>
-                  </a:ext>
-                </a:extLst>
-              </a:tr>
-              <a:tr h="561975">
-                <a:tc>
-                  <a:txBody>
-                    <a:bodyPr/>
-                    <a:lstStyle/>
-                    <a:p>
-                      <a:endParaRPr lang="en-IN" dirty="0"/>
-                    </a:p>
-                  </a:txBody>
-                  <a:tcPr marL="121841" marR="121841"/>
-                </a:tc>
-                <a:tc>
-                  <a:txBody>
-                    <a:bodyPr/>
-                    <a:lstStyle/>
-                    <a:p>
-                      <a:endParaRPr lang="en-IN" dirty="0"/>
-                    </a:p>
-                  </a:txBody>
-                  <a:tcPr marL="121841" marR="121841"/>
-                </a:tc>
-                <a:tc>
-                  <a:txBody>
-                    <a:bodyPr/>
-                    <a:lstStyle/>
-                    <a:p>
-                      <a:endParaRPr lang="en-IN" dirty="0"/>
-                    </a:p>
-                  </a:txBody>
-                  <a:tcPr marL="121841" marR="121841"/>
-                </a:tc>
-                <a:tc>
-                  <a:txBody>
-                    <a:bodyPr/>
-                    <a:lstStyle/>
-                    <a:p>
-                      <a:endParaRPr lang="en-IN" dirty="0"/>
-                    </a:p>
-                  </a:txBody>
-                  <a:tcPr marL="121841" marR="121841"/>
-                </a:tc>
-                <a:tc>
-                  <a:txBody>
-                    <a:bodyPr/>
-                    <a:lstStyle/>
-                    <a:p>
-                      <a:endParaRPr lang="en-IN" dirty="0"/>
-                    </a:p>
-                  </a:txBody>
-                  <a:tcPr marL="121841" marR="121841"/>
-                </a:tc>
-                <a:tc>
-                  <a:txBody>
-                    <a:bodyPr/>
-                    <a:lstStyle/>
-                    <a:p>
-                      <a:endParaRPr lang="en-IN" dirty="0"/>
-                    </a:p>
-                  </a:txBody>
-                  <a:tcPr marL="121841" marR="121841"/>
-                </a:tc>
-                <a:extLst>
-                  <a:ext uri="{0D108BD9-81ED-4DB2-BD59-A6C34878D82A}">
-                    <a16:rowId xmlns:a16="http://schemas.microsoft.com/office/drawing/2014/main" val="10001"/>
-                  </a:ext>
-                </a:extLst>
-              </a:tr>
-              <a:tr h="561975">
-                <a:tc>
-                  <a:txBody>
-                    <a:bodyPr/>
-                    <a:lstStyle/>
-                    <a:p>
-                      <a:endParaRPr lang="en-IN" dirty="0"/>
-                    </a:p>
-                  </a:txBody>
-                  <a:tcPr marL="121841" marR="121841"/>
-                </a:tc>
-                <a:tc>
-                  <a:txBody>
-                    <a:bodyPr/>
-                    <a:lstStyle/>
-                    <a:p>
-                      <a:endParaRPr lang="en-IN" dirty="0"/>
-                    </a:p>
-                  </a:txBody>
-                  <a:tcPr marL="121841" marR="121841"/>
-                </a:tc>
-                <a:tc>
-                  <a:txBody>
-                    <a:bodyPr/>
-                    <a:lstStyle/>
-                    <a:p>
-                      <a:endParaRPr lang="en-IN" dirty="0"/>
-                    </a:p>
-                  </a:txBody>
-                  <a:tcPr marL="121841" marR="121841"/>
-                </a:tc>
-                <a:tc>
-                  <a:txBody>
-                    <a:bodyPr/>
-                    <a:lstStyle/>
-                    <a:p>
-                      <a:endParaRPr lang="en-IN" dirty="0"/>
-                    </a:p>
-                  </a:txBody>
-                  <a:tcPr marL="121841" marR="121841"/>
-                </a:tc>
-                <a:tc>
-                  <a:txBody>
-                    <a:bodyPr/>
-                    <a:lstStyle/>
-                    <a:p>
-                      <a:endParaRPr lang="en-IN" dirty="0"/>
-                    </a:p>
-                  </a:txBody>
-                  <a:tcPr marL="121841" marR="121841"/>
-                </a:tc>
-                <a:tc>
-                  <a:txBody>
-                    <a:bodyPr/>
-                    <a:lstStyle/>
-                    <a:p>
-                      <a:endParaRPr lang="en-IN" dirty="0"/>
-                    </a:p>
-                  </a:txBody>
-                  <a:tcPr marL="121841" marR="121841"/>
-                </a:tc>
-                <a:extLst>
-                  <a:ext uri="{0D108BD9-81ED-4DB2-BD59-A6C34878D82A}">
-                    <a16:rowId xmlns:a16="http://schemas.microsoft.com/office/drawing/2014/main" val="10002"/>
-                  </a:ext>
-                </a:extLst>
-              </a:tr>
-            </a:tbl>
-          </a:graphicData>
-        </a:graphic>
-      </p:graphicFrame>
-    </p:spTree>
-  </p:cSld>
-  <p:clrMapOvr>
-    <a:masterClrMapping/>
-  </p:clrMapOvr>
-</p:sld>
-</file>
-
-<file path=ppt/slides/slide11.xml><?xml version="1.0" encoding="utf-8"?>
-<p:sld xmlns:a="http://schemas.openxmlformats.org/drawingml/2006/main" xmlns:r="http://schemas.openxmlformats.org/officeDocument/2006/relationships" xmlns:p="http://schemas.openxmlformats.org/presentationml/2006/main">
-  <p:cSld>
-    <p:spTree>
-      <p:nvGrpSpPr>
-        <p:cNvPr id="1" name=""/>
-        <p:cNvGrpSpPr/>
-        <p:nvPr/>
-      </p:nvGrpSpPr>
-      <p:grpSpPr>
-        <a:xfrm>
-          <a:off x="0" y="0"/>
-          <a:ext cx="0" cy="0"/>
-          <a:chOff x="0" y="0"/>
-          <a:chExt cx="0" cy="0"/>
-        </a:xfrm>
-      </p:grpSpPr>
       <p:sp>
         <p:nvSpPr>
-          <p:cNvPr id="5" name="Title 4"/>
+          <p:cNvPr id="3" name="Platshållare för innehåll 2">
+            <a:extLst>
+              <a:ext uri="{FF2B5EF4-FFF2-40B4-BE49-F238E27FC236}">
+                <a16:creationId xmlns:a16="http://schemas.microsoft.com/office/drawing/2014/main" id="{00FD4CC1-10C0-4297-BAEA-E2454E954457}"/>
+              </a:ext>
+            </a:extLst>
+          </p:cNvPr>
           <p:cNvSpPr>
             <a:spLocks noGrp="1"/>
           </p:cNvSpPr>
           <p:nvPr>
-            <p:ph type="title"/>
-          </p:nvPr>
-        </p:nvSpPr>
-        <p:spPr/>
-        <p:txBody>
-          <a:bodyPr>
-            <a:normAutofit fontScale="90000"/>
-          </a:bodyPr>
-          <a:lstStyle/>
-          <a:p>
-            <a:r>
-              <a:rPr lang="en-IN" dirty="0"/>
-              <a:t>Slide for Showing Developer’s </a:t>
-            </a:r>
-            <a:br>
-              <a:rPr lang="en-IN" dirty="0"/>
-            </a:br>
-            <a:r>
-              <a:rPr lang="en-IN" dirty="0"/>
-              <a:t>Software Code</a:t>
-            </a:r>
-          </a:p>
-        </p:txBody>
-      </p:sp>
-      <p:sp>
-        <p:nvSpPr>
-          <p:cNvPr id="6" name="Content Placeholder 5"/>
-          <p:cNvSpPr>
-            <a:spLocks noGrp="1"/>
-          </p:cNvSpPr>
-          <p:nvPr>
-            <p:ph sz="half" idx="1"/>
+            <p:ph idx="1"/>
           </p:nvPr>
         </p:nvSpPr>
         <p:spPr/>
@@ -5050,47 +4280,342 @@
           <a:lstStyle/>
           <a:p>
             <a:r>
-              <a:rPr lang="en-IN" b="1" dirty="0"/>
-              <a:t>Use this layout to show software code</a:t>
-            </a:r>
-          </a:p>
-          <a:p>
-            <a:r>
-              <a:rPr lang="en-IN" sz="2200" dirty="0"/>
-              <a:t>The font is Consolas, a </a:t>
-            </a:r>
-            <a:r>
-              <a:rPr lang="en-IN" sz="2200" dirty="0" err="1"/>
-              <a:t>monospace</a:t>
-            </a:r>
-            <a:r>
-              <a:rPr lang="en-IN" sz="2200" dirty="0"/>
-              <a:t> font</a:t>
-            </a:r>
-          </a:p>
-          <a:p>
-            <a:r>
-              <a:rPr lang="en-IN" sz="2200" dirty="0"/>
-              <a:t>The slide doesn’t use bullets but levels can be indented using the “Increase List Level” icon on the Home menu</a:t>
-            </a:r>
-          </a:p>
-          <a:p>
-            <a:endParaRPr lang="en-IN" dirty="0"/>
-          </a:p>
-          <a:p>
-            <a:endParaRPr lang="en-IN" dirty="0"/>
+              <a:rPr lang="sv-SE" dirty="0" err="1"/>
+              <a:t>tSQLt</a:t>
+            </a:r>
+            <a:endParaRPr lang="sv-SE" dirty="0"/>
+          </a:p>
+          <a:p>
+            <a:pPr lvl="1"/>
+            <a:r>
+              <a:rPr lang="sv-SE" dirty="0"/>
+              <a:t>Tests </a:t>
+            </a:r>
+            <a:r>
+              <a:rPr lang="sv-SE" dirty="0" err="1"/>
+              <a:t>are</a:t>
+            </a:r>
+            <a:r>
+              <a:rPr lang="sv-SE" dirty="0"/>
+              <a:t> inside the </a:t>
+            </a:r>
+            <a:r>
+              <a:rPr lang="sv-SE" dirty="0" err="1"/>
+              <a:t>database</a:t>
+            </a:r>
+            <a:endParaRPr lang="sv-SE" dirty="0"/>
+          </a:p>
+          <a:p>
+            <a:pPr lvl="1"/>
+            <a:r>
+              <a:rPr lang="sv-SE" dirty="0"/>
+              <a:t>Supports </a:t>
+            </a:r>
+            <a:r>
+              <a:rPr lang="sv-SE" dirty="0" err="1"/>
+              <a:t>mocks</a:t>
+            </a:r>
+            <a:r>
+              <a:rPr lang="sv-SE" dirty="0"/>
+              <a:t> </a:t>
+            </a:r>
+            <a:r>
+              <a:rPr lang="sv-SE" dirty="0" err="1"/>
+              <a:t>with</a:t>
+            </a:r>
+            <a:r>
+              <a:rPr lang="sv-SE" dirty="0"/>
+              <a:t> </a:t>
+            </a:r>
+            <a:r>
+              <a:rPr lang="sv-SE" dirty="0" err="1"/>
+              <a:t>eg</a:t>
+            </a:r>
+            <a:r>
+              <a:rPr lang="sv-SE" dirty="0"/>
+              <a:t> </a:t>
+            </a:r>
+            <a:r>
+              <a:rPr lang="sv-SE" dirty="0" err="1"/>
+              <a:t>FakeTable</a:t>
+            </a:r>
+            <a:endParaRPr lang="sv-SE" dirty="0"/>
+          </a:p>
+          <a:p>
+            <a:pPr lvl="1"/>
+            <a:endParaRPr lang="sv-SE" dirty="0"/>
+          </a:p>
+          <a:p>
+            <a:r>
+              <a:rPr lang="sv-SE" dirty="0"/>
+              <a:t>SSDT and Visual Studio test </a:t>
+            </a:r>
+            <a:r>
+              <a:rPr lang="sv-SE" dirty="0" err="1"/>
+              <a:t>projects</a:t>
+            </a:r>
+            <a:endParaRPr lang="sv-SE" dirty="0"/>
+          </a:p>
+          <a:p>
+            <a:pPr lvl="1"/>
+            <a:r>
+              <a:rPr lang="sv-SE" dirty="0"/>
+              <a:t>Tests </a:t>
+            </a:r>
+            <a:r>
+              <a:rPr lang="sv-SE" dirty="0" err="1"/>
+              <a:t>are</a:t>
+            </a:r>
+            <a:r>
+              <a:rPr lang="sv-SE" dirty="0"/>
+              <a:t> in Visual Studio </a:t>
+            </a:r>
+            <a:r>
+              <a:rPr lang="sv-SE" dirty="0" err="1"/>
+              <a:t>project</a:t>
+            </a:r>
+            <a:endParaRPr lang="sv-SE" dirty="0"/>
           </a:p>
         </p:txBody>
       </p:sp>
     </p:spTree>
+    <p:extLst>
+      <p:ext uri="{BB962C8B-B14F-4D97-AF65-F5344CB8AC3E}">
+        <p14:creationId xmlns:p14="http://schemas.microsoft.com/office/powerpoint/2010/main" val="3012759262"/>
+      </p:ext>
+    </p:extLst>
   </p:cSld>
   <p:clrMapOvr>
     <a:masterClrMapping/>
   </p:clrMapOvr>
+  <p:timing>
+    <p:tnLst>
+      <p:par>
+        <p:cTn id="1" dur="indefinite" restart="never" nodeType="tmRoot">
+          <p:childTnLst>
+            <p:seq concurrent="1" nextAc="seek">
+              <p:cTn id="2" dur="indefinite" nodeType="mainSeq">
+                <p:childTnLst>
+                  <p:par>
+                    <p:cTn id="3" fill="hold">
+                      <p:stCondLst>
+                        <p:cond delay="indefinite"/>
+                      </p:stCondLst>
+                      <p:childTnLst>
+                        <p:par>
+                          <p:cTn id="4" fill="hold">
+                            <p:stCondLst>
+                              <p:cond delay="0"/>
+                            </p:stCondLst>
+                            <p:childTnLst>
+                              <p:par>
+                                <p:cTn id="5" presetID="1" presetClass="entr" presetSubtype="0" fill="hold" grpId="0" nodeType="clickEffect">
+                                  <p:stCondLst>
+                                    <p:cond delay="0"/>
+                                  </p:stCondLst>
+                                  <p:childTnLst>
+                                    <p:set>
+                                      <p:cBhvr>
+                                        <p:cTn id="6" dur="1" fill="hold">
+                                          <p:stCondLst>
+                                            <p:cond delay="0"/>
+                                          </p:stCondLst>
+                                        </p:cTn>
+                                        <p:tgtEl>
+                                          <p:spTgt spid="3">
+                                            <p:txEl>
+                                              <p:pRg st="0" end="0"/>
+                                            </p:txEl>
+                                          </p:spTgt>
+                                        </p:tgtEl>
+                                        <p:attrNameLst>
+                                          <p:attrName>style.visibility</p:attrName>
+                                        </p:attrNameLst>
+                                      </p:cBhvr>
+                                      <p:to>
+                                        <p:strVal val="visible"/>
+                                      </p:to>
+                                    </p:set>
+                                  </p:childTnLst>
+                                </p:cTn>
+                              </p:par>
+                              <p:par>
+                                <p:cTn id="7" presetID="1" presetClass="entr" presetSubtype="0" fill="hold" grpId="0" nodeType="withEffect">
+                                  <p:stCondLst>
+                                    <p:cond delay="0"/>
+                                  </p:stCondLst>
+                                  <p:childTnLst>
+                                    <p:set>
+                                      <p:cBhvr>
+                                        <p:cTn id="8" dur="1" fill="hold">
+                                          <p:stCondLst>
+                                            <p:cond delay="0"/>
+                                          </p:stCondLst>
+                                        </p:cTn>
+                                        <p:tgtEl>
+                                          <p:spTgt spid="3">
+                                            <p:txEl>
+                                              <p:pRg st="1" end="1"/>
+                                            </p:txEl>
+                                          </p:spTgt>
+                                        </p:tgtEl>
+                                        <p:attrNameLst>
+                                          <p:attrName>style.visibility</p:attrName>
+                                        </p:attrNameLst>
+                                      </p:cBhvr>
+                                      <p:to>
+                                        <p:strVal val="visible"/>
+                                      </p:to>
+                                    </p:set>
+                                  </p:childTnLst>
+                                </p:cTn>
+                              </p:par>
+                              <p:par>
+                                <p:cTn id="9" presetID="1" presetClass="entr" presetSubtype="0" fill="hold" grpId="0" nodeType="withEffect">
+                                  <p:stCondLst>
+                                    <p:cond delay="0"/>
+                                  </p:stCondLst>
+                                  <p:childTnLst>
+                                    <p:set>
+                                      <p:cBhvr>
+                                        <p:cTn id="10" dur="1" fill="hold">
+                                          <p:stCondLst>
+                                            <p:cond delay="0"/>
+                                          </p:stCondLst>
+                                        </p:cTn>
+                                        <p:tgtEl>
+                                          <p:spTgt spid="3">
+                                            <p:txEl>
+                                              <p:pRg st="2" end="2"/>
+                                            </p:txEl>
+                                          </p:spTgt>
+                                        </p:tgtEl>
+                                        <p:attrNameLst>
+                                          <p:attrName>style.visibility</p:attrName>
+                                        </p:attrNameLst>
+                                      </p:cBhvr>
+                                      <p:to>
+                                        <p:strVal val="visible"/>
+                                      </p:to>
+                                    </p:set>
+                                  </p:childTnLst>
+                                </p:cTn>
+                              </p:par>
+                            </p:childTnLst>
+                          </p:cTn>
+                        </p:par>
+                      </p:childTnLst>
+                    </p:cTn>
+                  </p:par>
+                  <p:par>
+                    <p:cTn id="11" fill="hold">
+                      <p:stCondLst>
+                        <p:cond delay="indefinite"/>
+                      </p:stCondLst>
+                      <p:childTnLst>
+                        <p:par>
+                          <p:cTn id="12" fill="hold">
+                            <p:stCondLst>
+                              <p:cond delay="0"/>
+                            </p:stCondLst>
+                            <p:childTnLst>
+                              <p:par>
+                                <p:cTn id="13" presetID="1" presetClass="entr" presetSubtype="0" fill="hold" grpId="0" nodeType="clickEffect">
+                                  <p:stCondLst>
+                                    <p:cond delay="0"/>
+                                  </p:stCondLst>
+                                  <p:childTnLst>
+                                    <p:set>
+                                      <p:cBhvr>
+                                        <p:cTn id="14" dur="1" fill="hold">
+                                          <p:stCondLst>
+                                            <p:cond delay="0"/>
+                                          </p:stCondLst>
+                                        </p:cTn>
+                                        <p:tgtEl>
+                                          <p:spTgt spid="3">
+                                            <p:txEl>
+                                              <p:pRg st="4" end="4"/>
+                                            </p:txEl>
+                                          </p:spTgt>
+                                        </p:tgtEl>
+                                        <p:attrNameLst>
+                                          <p:attrName>style.visibility</p:attrName>
+                                        </p:attrNameLst>
+                                      </p:cBhvr>
+                                      <p:to>
+                                        <p:strVal val="visible"/>
+                                      </p:to>
+                                    </p:set>
+                                  </p:childTnLst>
+                                </p:cTn>
+                              </p:par>
+                              <p:par>
+                                <p:cTn id="15" presetID="1" presetClass="entr" presetSubtype="0" fill="hold" grpId="0" nodeType="withEffect">
+                                  <p:stCondLst>
+                                    <p:cond delay="0"/>
+                                  </p:stCondLst>
+                                  <p:childTnLst>
+                                    <p:set>
+                                      <p:cBhvr>
+                                        <p:cTn id="16" dur="1" fill="hold">
+                                          <p:stCondLst>
+                                            <p:cond delay="0"/>
+                                          </p:stCondLst>
+                                        </p:cTn>
+                                        <p:tgtEl>
+                                          <p:spTgt spid="3">
+                                            <p:txEl>
+                                              <p:pRg st="5" end="5"/>
+                                            </p:txEl>
+                                          </p:spTgt>
+                                        </p:tgtEl>
+                                        <p:attrNameLst>
+                                          <p:attrName>style.visibility</p:attrName>
+                                        </p:attrNameLst>
+                                      </p:cBhvr>
+                                      <p:to>
+                                        <p:strVal val="visible"/>
+                                      </p:to>
+                                    </p:set>
+                                  </p:childTnLst>
+                                </p:cTn>
+                              </p:par>
+                            </p:childTnLst>
+                          </p:cTn>
+                        </p:par>
+                      </p:childTnLst>
+                    </p:cTn>
+                  </p:par>
+                </p:childTnLst>
+              </p:cTn>
+              <p:prevCondLst>
+                <p:cond evt="onPrev" delay="0">
+                  <p:tgtEl>
+                    <p:sldTgt/>
+                  </p:tgtEl>
+                </p:cond>
+              </p:prevCondLst>
+              <p:nextCondLst>
+                <p:cond evt="onNext" delay="0">
+                  <p:tgtEl>
+                    <p:sldTgt/>
+                  </p:tgtEl>
+                </p:cond>
+              </p:nextCondLst>
+            </p:seq>
+          </p:childTnLst>
+        </p:cTn>
+      </p:par>
+    </p:tnLst>
+    <p:bldLst>
+      <p:bldP spid="3" grpId="0" build="p"/>
+    </p:bldLst>
+  </p:timing>
 </p:sld>
 </file>
 
-<file path=ppt/slides/slide12.xml><?xml version="1.0" encoding="utf-8"?>
+<file path=ppt/slides/slide11.xml><?xml version="1.0" encoding="utf-8"?>
 <p:sld xmlns:a="http://schemas.openxmlformats.org/drawingml/2006/main" xmlns:r="http://schemas.openxmlformats.org/officeDocument/2006/relationships" xmlns:p="http://schemas.openxmlformats.org/presentationml/2006/main">
   <p:cSld>
     <p:spTree>
@@ -5119,7 +4644,7 @@
         </p:nvSpPr>
         <p:spPr>
           <a:xfrm>
-            <a:off x="3080201" y="1250142"/>
+            <a:off x="3258073" y="1428737"/>
             <a:ext cx="6853583" cy="1362075"/>
           </a:xfrm>
         </p:spPr>
@@ -5128,8 +4653,8 @@
           <a:lstStyle/>
           <a:p>
             <a:r>
-              <a:rPr lang="en-US" dirty="0"/>
-              <a:t>Video Title</a:t>
+              <a:rPr lang="en-US" dirty="0" err="1"/>
+              <a:t>tSQLt</a:t>
             </a:r>
             <a:endParaRPr lang="en-IN" dirty="0"/>
           </a:p>
@@ -5147,7 +4672,7 @@
         </p:nvSpPr>
         <p:spPr>
           <a:xfrm>
-            <a:off x="3080201" y="2750340"/>
+            <a:off x="3258073" y="2928935"/>
             <a:ext cx="6853583" cy="1500187"/>
           </a:xfrm>
         </p:spPr>
@@ -5155,15 +4680,200 @@
           <a:bodyPr/>
           <a:lstStyle/>
           <a:p>
-            <a:r>
-              <a:rPr lang="en-US" dirty="0"/>
-              <a:t>Add subtitle</a:t>
+            <a:pPr>
+              <a:buFontTx/>
+              <a:buChar char="-"/>
+            </a:pPr>
+            <a:r>
+              <a:rPr lang="en-IN" dirty="0"/>
+              <a:t>What it is</a:t>
+            </a:r>
+          </a:p>
+          <a:p>
+            <a:pPr>
+              <a:buFontTx/>
+              <a:buChar char="-"/>
+            </a:pPr>
+            <a:r>
+              <a:rPr lang="en-IN" dirty="0"/>
+              <a:t>Create your first </a:t>
+            </a:r>
+            <a:r>
+              <a:rPr lang="en-IN" dirty="0" err="1"/>
+              <a:t>tSQLt</a:t>
+            </a:r>
+            <a:r>
+              <a:rPr lang="en-IN" dirty="0"/>
+              <a:t> test</a:t>
+            </a:r>
+          </a:p>
+          <a:p>
+            <a:pPr>
+              <a:buFontTx/>
+              <a:buChar char="-"/>
+            </a:pPr>
+            <a:r>
+              <a:rPr lang="en-IN" dirty="0"/>
+              <a:t>Mock data with </a:t>
+            </a:r>
+            <a:r>
+              <a:rPr lang="en-IN"/>
+              <a:t>FakeTable</a:t>
             </a:r>
             <a:endParaRPr lang="en-IN" dirty="0"/>
           </a:p>
         </p:txBody>
       </p:sp>
     </p:spTree>
+    <p:extLst>
+      <p:ext uri="{BB962C8B-B14F-4D97-AF65-F5344CB8AC3E}">
+        <p14:creationId xmlns:p14="http://schemas.microsoft.com/office/powerpoint/2010/main" val="3560620291"/>
+      </p:ext>
+    </p:extLst>
+  </p:cSld>
+  <p:clrMapOvr>
+    <a:masterClrMapping/>
+  </p:clrMapOvr>
+</p:sld>
+</file>
+
+<file path=ppt/slides/slide12.xml><?xml version="1.0" encoding="utf-8"?>
+<p:sld xmlns:a="http://schemas.openxmlformats.org/drawingml/2006/main" xmlns:r="http://schemas.openxmlformats.org/officeDocument/2006/relationships" xmlns:p="http://schemas.openxmlformats.org/presentationml/2006/main">
+  <p:cSld>
+    <p:spTree>
+      <p:nvGrpSpPr>
+        <p:cNvPr id="1" name=""/>
+        <p:cNvGrpSpPr/>
+        <p:nvPr/>
+      </p:nvGrpSpPr>
+      <p:grpSpPr>
+        <a:xfrm>
+          <a:off x="0" y="0"/>
+          <a:ext cx="0" cy="0"/>
+          <a:chOff x="0" y="0"/>
+          <a:chExt cx="0" cy="0"/>
+        </a:xfrm>
+      </p:grpSpPr>
+      <p:sp>
+        <p:nvSpPr>
+          <p:cNvPr id="4" name="Rubrik 3">
+            <a:extLst>
+              <a:ext uri="{FF2B5EF4-FFF2-40B4-BE49-F238E27FC236}">
+                <a16:creationId xmlns:a16="http://schemas.microsoft.com/office/drawing/2014/main" id="{F33EB8E6-86CD-439C-BD10-0969BC292513}"/>
+              </a:ext>
+            </a:extLst>
+          </p:cNvPr>
+          <p:cNvSpPr>
+            <a:spLocks noGrp="1"/>
+          </p:cNvSpPr>
+          <p:nvPr>
+            <p:ph type="title"/>
+          </p:nvPr>
+        </p:nvSpPr>
+        <p:spPr/>
+        <p:txBody>
+          <a:bodyPr/>
+          <a:lstStyle/>
+          <a:p>
+            <a:r>
+              <a:rPr lang="sv-SE" dirty="0" err="1"/>
+              <a:t>tSQLt</a:t>
+            </a:r>
+            <a:endParaRPr lang="sv-SE" dirty="0"/>
+          </a:p>
+        </p:txBody>
+      </p:sp>
+      <p:sp>
+        <p:nvSpPr>
+          <p:cNvPr id="5" name="Platshållare för innehåll 4">
+            <a:extLst>
+              <a:ext uri="{FF2B5EF4-FFF2-40B4-BE49-F238E27FC236}">
+                <a16:creationId xmlns:a16="http://schemas.microsoft.com/office/drawing/2014/main" id="{96C8DC94-7168-4E2C-A9D6-292879BD12A4}"/>
+              </a:ext>
+            </a:extLst>
+          </p:cNvPr>
+          <p:cNvSpPr>
+            <a:spLocks noGrp="1"/>
+          </p:cNvSpPr>
+          <p:nvPr>
+            <p:ph idx="1"/>
+          </p:nvPr>
+        </p:nvSpPr>
+        <p:spPr/>
+        <p:txBody>
+          <a:bodyPr/>
+          <a:lstStyle/>
+          <a:p>
+            <a:r>
+              <a:rPr lang="sv-SE" dirty="0" err="1"/>
+              <a:t>Deployed</a:t>
+            </a:r>
+            <a:r>
+              <a:rPr lang="sv-SE" dirty="0"/>
+              <a:t> inside </a:t>
+            </a:r>
+            <a:r>
+              <a:rPr lang="sv-SE" dirty="0" err="1"/>
+              <a:t>database</a:t>
+            </a:r>
+            <a:endParaRPr lang="sv-SE" dirty="0"/>
+          </a:p>
+          <a:p>
+            <a:r>
+              <a:rPr lang="sv-SE" dirty="0"/>
+              <a:t>Powerful/feature </a:t>
+            </a:r>
+            <a:r>
+              <a:rPr lang="sv-SE" dirty="0" err="1"/>
+              <a:t>rich</a:t>
+            </a:r>
+            <a:endParaRPr lang="sv-SE" dirty="0"/>
+          </a:p>
+          <a:p>
+            <a:r>
+              <a:rPr lang="sv-SE" dirty="0" err="1"/>
+              <a:t>Actively</a:t>
+            </a:r>
+            <a:r>
+              <a:rPr lang="sv-SE" dirty="0"/>
+              <a:t> </a:t>
+            </a:r>
+            <a:r>
+              <a:rPr lang="sv-SE" dirty="0" err="1"/>
+              <a:t>developed</a:t>
+            </a:r>
+            <a:r>
+              <a:rPr lang="sv-SE" dirty="0"/>
+              <a:t> </a:t>
+            </a:r>
+          </a:p>
+          <a:p>
+            <a:pPr lvl="1"/>
+            <a:r>
+              <a:rPr lang="sv-SE" dirty="0">
+                <a:hlinkClick r:id="rId2"/>
+              </a:rPr>
+              <a:t>https://github.com/tSQLt-org/tSQLt</a:t>
+            </a:r>
+            <a:endParaRPr lang="sv-SE" dirty="0"/>
+          </a:p>
+          <a:p>
+            <a:endParaRPr lang="sv-SE" dirty="0"/>
+          </a:p>
+          <a:p>
+            <a:endParaRPr lang="sv-SE" dirty="0"/>
+          </a:p>
+          <a:p>
+            <a:endParaRPr lang="sv-SE" dirty="0"/>
+          </a:p>
+        </p:txBody>
+      </p:sp>
+    </p:spTree>
+    <p:extLst>
+      <p:ext uri="{BB962C8B-B14F-4D97-AF65-F5344CB8AC3E}">
+        <p14:creationId xmlns:p14="http://schemas.microsoft.com/office/powerpoint/2010/main" val="3899160093"/>
+      </p:ext>
+    </p:extLst>
   </p:cSld>
   <p:clrMapOvr>
     <a:masterClrMapping/>
@@ -5172,6 +4882,261 @@
 </file>
 
 <file path=ppt/slides/slide13.xml><?xml version="1.0" encoding="utf-8"?>
+<p:sld xmlns:a="http://schemas.openxmlformats.org/drawingml/2006/main" xmlns:r="http://schemas.openxmlformats.org/officeDocument/2006/relationships" xmlns:p="http://schemas.openxmlformats.org/presentationml/2006/main">
+  <p:cSld>
+    <p:spTree>
+      <p:nvGrpSpPr>
+        <p:cNvPr id="1" name=""/>
+        <p:cNvGrpSpPr/>
+        <p:nvPr/>
+      </p:nvGrpSpPr>
+      <p:grpSpPr>
+        <a:xfrm>
+          <a:off x="0" y="0"/>
+          <a:ext cx="0" cy="0"/>
+          <a:chOff x="0" y="0"/>
+          <a:chExt cx="0" cy="0"/>
+        </a:xfrm>
+      </p:grpSpPr>
+      <p:sp>
+        <p:nvSpPr>
+          <p:cNvPr id="4" name="Title 3"/>
+          <p:cNvSpPr>
+            <a:spLocks noGrp="1"/>
+          </p:cNvSpPr>
+          <p:nvPr>
+            <p:ph type="title"/>
+          </p:nvPr>
+        </p:nvSpPr>
+        <p:spPr>
+          <a:xfrm>
+            <a:off x="3258073" y="1428737"/>
+            <a:ext cx="6853583" cy="1362075"/>
+          </a:xfrm>
+        </p:spPr>
+        <p:txBody>
+          <a:bodyPr/>
+          <a:lstStyle/>
+          <a:p>
+            <a:r>
+              <a:rPr lang="en-US" dirty="0"/>
+              <a:t>Visual Studio Unit Test Project</a:t>
+            </a:r>
+            <a:endParaRPr lang="en-IN" dirty="0"/>
+          </a:p>
+        </p:txBody>
+      </p:sp>
+      <p:sp>
+        <p:nvSpPr>
+          <p:cNvPr id="5" name="Text Placeholder 4"/>
+          <p:cNvSpPr>
+            <a:spLocks noGrp="1"/>
+          </p:cNvSpPr>
+          <p:nvPr>
+            <p:ph type="body" idx="4294967295"/>
+          </p:nvPr>
+        </p:nvSpPr>
+        <p:spPr>
+          <a:xfrm>
+            <a:off x="3258073" y="2928935"/>
+            <a:ext cx="6853583" cy="1500187"/>
+          </a:xfrm>
+        </p:spPr>
+        <p:txBody>
+          <a:bodyPr>
+            <a:normAutofit/>
+          </a:bodyPr>
+          <a:lstStyle/>
+          <a:p>
+            <a:pPr>
+              <a:buFontTx/>
+              <a:buChar char="-"/>
+            </a:pPr>
+            <a:r>
+              <a:rPr lang="en-IN" dirty="0"/>
+              <a:t>How to setup</a:t>
+            </a:r>
+          </a:p>
+          <a:p>
+            <a:pPr>
+              <a:buFontTx/>
+              <a:buChar char="-"/>
+            </a:pPr>
+            <a:r>
+              <a:rPr lang="en-IN" dirty="0"/>
+              <a:t>Create unit test</a:t>
+            </a:r>
+          </a:p>
+          <a:p>
+            <a:pPr>
+              <a:buFontTx/>
+              <a:buChar char="-"/>
+            </a:pPr>
+            <a:r>
+              <a:rPr lang="en-IN" dirty="0"/>
+              <a:t>First change iteration</a:t>
+            </a:r>
+          </a:p>
+        </p:txBody>
+      </p:sp>
+    </p:spTree>
+    <p:extLst>
+      <p:ext uri="{BB962C8B-B14F-4D97-AF65-F5344CB8AC3E}">
+        <p14:creationId xmlns:p14="http://schemas.microsoft.com/office/powerpoint/2010/main" val="1546738221"/>
+      </p:ext>
+    </p:extLst>
+  </p:cSld>
+  <p:clrMapOvr>
+    <a:masterClrMapping/>
+  </p:clrMapOvr>
+</p:sld>
+</file>
+
+<file path=ppt/slides/slide14.xml><?xml version="1.0" encoding="utf-8"?>
+<p:sld xmlns:a="http://schemas.openxmlformats.org/drawingml/2006/main" xmlns:r="http://schemas.openxmlformats.org/officeDocument/2006/relationships" xmlns:p="http://schemas.openxmlformats.org/presentationml/2006/main">
+  <p:cSld>
+    <p:spTree>
+      <p:nvGrpSpPr>
+        <p:cNvPr id="1" name=""/>
+        <p:cNvGrpSpPr/>
+        <p:nvPr/>
+      </p:nvGrpSpPr>
+      <p:grpSpPr>
+        <a:xfrm>
+          <a:off x="0" y="0"/>
+          <a:ext cx="0" cy="0"/>
+          <a:chOff x="0" y="0"/>
+          <a:chExt cx="0" cy="0"/>
+        </a:xfrm>
+      </p:grpSpPr>
+      <p:sp>
+        <p:nvSpPr>
+          <p:cNvPr id="4" name="Rubrik 3">
+            <a:extLst>
+              <a:ext uri="{FF2B5EF4-FFF2-40B4-BE49-F238E27FC236}">
+                <a16:creationId xmlns:a16="http://schemas.microsoft.com/office/drawing/2014/main" id="{F33EB8E6-86CD-439C-BD10-0969BC292513}"/>
+              </a:ext>
+            </a:extLst>
+          </p:cNvPr>
+          <p:cNvSpPr>
+            <a:spLocks noGrp="1"/>
+          </p:cNvSpPr>
+          <p:nvPr>
+            <p:ph type="title"/>
+          </p:nvPr>
+        </p:nvSpPr>
+        <p:spPr/>
+        <p:txBody>
+          <a:bodyPr/>
+          <a:lstStyle/>
+          <a:p>
+            <a:r>
+              <a:rPr lang="sv-SE" dirty="0" err="1"/>
+              <a:t>tSQLt</a:t>
+            </a:r>
+            <a:endParaRPr lang="sv-SE" dirty="0"/>
+          </a:p>
+        </p:txBody>
+      </p:sp>
+      <p:sp>
+        <p:nvSpPr>
+          <p:cNvPr id="5" name="Platshållare för innehåll 4">
+            <a:extLst>
+              <a:ext uri="{FF2B5EF4-FFF2-40B4-BE49-F238E27FC236}">
+                <a16:creationId xmlns:a16="http://schemas.microsoft.com/office/drawing/2014/main" id="{96C8DC94-7168-4E2C-A9D6-292879BD12A4}"/>
+              </a:ext>
+            </a:extLst>
+          </p:cNvPr>
+          <p:cNvSpPr>
+            <a:spLocks noGrp="1"/>
+          </p:cNvSpPr>
+          <p:nvPr>
+            <p:ph idx="1"/>
+          </p:nvPr>
+        </p:nvSpPr>
+        <p:spPr/>
+        <p:txBody>
+          <a:bodyPr/>
+          <a:lstStyle/>
+          <a:p>
+            <a:r>
+              <a:rPr lang="sv-SE" dirty="0" err="1"/>
+              <a:t>Deployed</a:t>
+            </a:r>
+            <a:r>
+              <a:rPr lang="sv-SE" dirty="0"/>
+              <a:t> inside </a:t>
+            </a:r>
+            <a:r>
+              <a:rPr lang="sv-SE" dirty="0" err="1"/>
+              <a:t>database</a:t>
+            </a:r>
+            <a:endParaRPr lang="sv-SE" dirty="0"/>
+          </a:p>
+          <a:p>
+            <a:r>
+              <a:rPr lang="sv-SE" dirty="0"/>
+              <a:t>Powerful/feature </a:t>
+            </a:r>
+            <a:r>
+              <a:rPr lang="sv-SE" dirty="0" err="1"/>
+              <a:t>rich</a:t>
+            </a:r>
+            <a:endParaRPr lang="sv-SE" dirty="0"/>
+          </a:p>
+          <a:p>
+            <a:r>
+              <a:rPr lang="sv-SE" dirty="0" err="1"/>
+              <a:t>Actively</a:t>
+            </a:r>
+            <a:r>
+              <a:rPr lang="sv-SE" dirty="0"/>
+              <a:t> </a:t>
+            </a:r>
+            <a:r>
+              <a:rPr lang="sv-SE" dirty="0" err="1"/>
+              <a:t>developed</a:t>
+            </a:r>
+            <a:r>
+              <a:rPr lang="sv-SE" dirty="0"/>
+              <a:t> </a:t>
+            </a:r>
+          </a:p>
+          <a:p>
+            <a:pPr lvl="1"/>
+            <a:r>
+              <a:rPr lang="sv-SE" dirty="0">
+                <a:hlinkClick r:id="rId2"/>
+              </a:rPr>
+              <a:t>https://github.com/tSQLt-org/tSQLt</a:t>
+            </a:r>
+            <a:endParaRPr lang="sv-SE" dirty="0"/>
+          </a:p>
+          <a:p>
+            <a:endParaRPr lang="sv-SE" dirty="0"/>
+          </a:p>
+          <a:p>
+            <a:endParaRPr lang="sv-SE" dirty="0"/>
+          </a:p>
+          <a:p>
+            <a:endParaRPr lang="sv-SE" dirty="0"/>
+          </a:p>
+        </p:txBody>
+      </p:sp>
+    </p:spTree>
+    <p:extLst>
+      <p:ext uri="{BB962C8B-B14F-4D97-AF65-F5344CB8AC3E}">
+        <p14:creationId xmlns:p14="http://schemas.microsoft.com/office/powerpoint/2010/main" val="2628085508"/>
+      </p:ext>
+    </p:extLst>
+  </p:cSld>
+  <p:clrMapOvr>
+    <a:masterClrMapping/>
+  </p:clrMapOvr>
+</p:sld>
+</file>
+
+<file path=ppt/slides/slide15.xml><?xml version="1.0" encoding="utf-8"?>
 <p:sld xmlns:a="http://schemas.openxmlformats.org/drawingml/2006/main" xmlns:r="http://schemas.openxmlformats.org/officeDocument/2006/relationships" xmlns:p="http://schemas.openxmlformats.org/presentationml/2006/main">
   <p:cSld>
     <p:spTree>
@@ -5547,7 +5512,7 @@
 </p:sld>
 </file>
 
-<file path=ppt/slides/slide14.xml><?xml version="1.0" encoding="utf-8"?>
+<file path=ppt/slides/slide16.xml><?xml version="1.0" encoding="utf-8"?>
 <p:sld xmlns:a="http://schemas.openxmlformats.org/drawingml/2006/main" xmlns:r="http://schemas.openxmlformats.org/officeDocument/2006/relationships" xmlns:p="http://schemas.openxmlformats.org/presentationml/2006/main">
   <p:cSld>
     <p:spTree>
@@ -6014,39 +5979,44 @@
           </a:p>
           <a:p>
             <a:r>
+              <a:rPr lang="en-IN" sz="2400" dirty="0" err="1">
+                <a:solidFill>
+                  <a:schemeClr val="accent2"/>
+                </a:solidFill>
+              </a:rPr>
+              <a:t>tSQLt</a:t>
+            </a:r>
+            <a:r>
               <a:rPr lang="en-IN" sz="2400" dirty="0">
                 <a:solidFill>
                   <a:schemeClr val="accent2"/>
                 </a:solidFill>
               </a:rPr>
-              <a:t>Demo, our first </a:t>
-            </a:r>
-            <a:r>
-              <a:rPr lang="en-IN" sz="2400" dirty="0" err="1">
+              <a:t> demo</a:t>
+            </a:r>
+          </a:p>
+          <a:p>
+            <a:r>
+              <a:rPr lang="en-IN" sz="2400" dirty="0">
                 <a:solidFill>
                   <a:schemeClr val="accent2"/>
                 </a:solidFill>
               </a:rPr>
-              <a:t>Sql</a:t>
-            </a:r>
-            <a:r>
-              <a:rPr lang="en-IN" sz="2400" dirty="0">
+              <a:t>Visual Studio </a:t>
+            </a:r>
+            <a:r>
+              <a:rPr lang="en-IN" sz="2400">
                 <a:solidFill>
                   <a:schemeClr val="accent2"/>
                 </a:solidFill>
               </a:rPr>
-              <a:t> Server unit test and our first change iteration</a:t>
-            </a:r>
-          </a:p>
-          <a:p>
-            <a:r>
-              <a:rPr lang="en-IN" sz="2400" dirty="0">
-                <a:solidFill>
-                  <a:schemeClr val="accent2"/>
-                </a:solidFill>
-              </a:rPr>
-              <a:t>Continuous Integration and Continuous Deployment (CI/CD)</a:t>
-            </a:r>
+              <a:t>Test Project demo</a:t>
+            </a:r>
+            <a:endParaRPr lang="en-IN" sz="2400" dirty="0">
+              <a:solidFill>
+                <a:schemeClr val="accent2"/>
+              </a:solidFill>
+            </a:endParaRPr>
           </a:p>
         </p:txBody>
       </p:sp>
@@ -6570,7 +6540,7 @@
           <a:p>
             <a:r>
               <a:rPr lang="sv-SE" dirty="0" err="1"/>
-              <a:t>Create</a:t>
+              <a:t>Don’t</a:t>
             </a:r>
             <a:r>
               <a:rPr lang="sv-SE" dirty="0"/>
@@ -6578,15 +6548,26 @@
             </a:r>
             <a:r>
               <a:rPr lang="sv-SE" dirty="0" err="1"/>
-              <a:t>mocks</a:t>
+              <a:t>rely</a:t>
             </a:r>
             <a:r>
               <a:rPr lang="sv-SE" dirty="0"/>
-              <a:t> for </a:t>
+              <a:t> on </a:t>
             </a:r>
             <a:r>
               <a:rPr lang="sv-SE" dirty="0" err="1"/>
-              <a:t>every</a:t>
+              <a:t>other</a:t>
+            </a:r>
+            <a:r>
+              <a:rPr lang="sv-SE" dirty="0"/>
+              <a:t> services</a:t>
+            </a:r>
+          </a:p>
+          <a:p>
+            <a:pPr lvl="1"/>
+            <a:r>
+              <a:rPr lang="sv-SE" dirty="0" err="1"/>
+              <a:t>Create</a:t>
             </a:r>
             <a:r>
               <a:rPr lang="sv-SE" dirty="0"/>
@@ -6594,7 +6575,7 @@
             </a:r>
             <a:r>
               <a:rPr lang="sv-SE" dirty="0" err="1"/>
-              <a:t>dependency</a:t>
+              <a:t>mocks</a:t>
             </a:r>
             <a:endParaRPr lang="sv-SE" dirty="0"/>
           </a:p>
@@ -6694,22 +6675,7 @@
             </a:r>
             <a:r>
               <a:rPr lang="en-IN" dirty="0"/>
-              <a:t>.</a:t>
-            </a:r>
-          </a:p>
-          <a:p>
-            <a:pPr lvl="1"/>
-            <a:r>
-              <a:rPr lang="en-IN" dirty="0"/>
-              <a:t>Rely on function </a:t>
-            </a:r>
-            <a:r>
-              <a:rPr lang="en-IN" dirty="0" err="1"/>
-              <a:t>IsLeapYear</a:t>
-            </a:r>
-            <a:r>
-              <a:rPr lang="en-IN" dirty="0"/>
-              <a:t> </a:t>
+              <a:t>. </a:t>
             </a:r>
           </a:p>
         </p:txBody>
@@ -7039,7 +7005,7 @@
           <a:p>
             <a:r>
               <a:rPr lang="en-US" dirty="0"/>
-              <a:t>Section Divider </a:t>
+              <a:t>Test Driven Database Development</a:t>
             </a:r>
             <a:endParaRPr lang="en-IN" dirty="0"/>
           </a:p>
@@ -7060,11 +7026,24 @@
           <a:bodyPr/>
           <a:lstStyle/>
           <a:p>
-            <a:r>
-              <a:rPr lang="en-US" dirty="0"/>
-              <a:t>Type 2 - </a:t>
-            </a:r>
-            <a:endParaRPr lang="en-IN" dirty="0"/>
+            <a:pPr marL="342900" indent="-342900">
+              <a:buFontTx/>
+              <a:buChar char="-"/>
+            </a:pPr>
+            <a:r>
+              <a:rPr lang="en-IN" dirty="0"/>
+              <a:t>Why?</a:t>
+            </a:r>
+          </a:p>
+          <a:p>
+            <a:pPr marL="342900" indent="-342900">
+              <a:buFontTx/>
+              <a:buChar char="-"/>
+            </a:pPr>
+            <a:r>
+              <a:rPr lang="en-IN" dirty="0"/>
+              <a:t>How?</a:t>
+            </a:r>
           </a:p>
         </p:txBody>
       </p:sp>
@@ -7095,7 +7074,13 @@
       </p:grpSpPr>
       <p:sp>
         <p:nvSpPr>
-          <p:cNvPr id="4" name="Title 3"/>
+          <p:cNvPr id="4" name="Rubrik 3">
+            <a:extLst>
+              <a:ext uri="{FF2B5EF4-FFF2-40B4-BE49-F238E27FC236}">
+                <a16:creationId xmlns:a16="http://schemas.microsoft.com/office/drawing/2014/main" id="{9388F50B-A733-482A-B025-726B564ECE86}"/>
+              </a:ext>
+            </a:extLst>
+          </p:cNvPr>
           <p:cNvSpPr>
             <a:spLocks noGrp="1"/>
           </p:cNvSpPr>
@@ -7109,38 +7094,349 @@
           <a:lstStyle/>
           <a:p>
             <a:r>
-              <a:rPr lang="en-US" dirty="0"/>
-              <a:t>Chart Type 1</a:t>
-            </a:r>
-            <a:endParaRPr lang="en-IN" dirty="0"/>
+              <a:rPr lang="sv-SE" dirty="0" err="1"/>
+              <a:t>Why</a:t>
+            </a:r>
+            <a:r>
+              <a:rPr lang="sv-SE" dirty="0"/>
+              <a:t> Test Driven </a:t>
+            </a:r>
+            <a:r>
+              <a:rPr lang="sv-SE" dirty="0" err="1"/>
+              <a:t>Database</a:t>
+            </a:r>
+            <a:r>
+              <a:rPr lang="sv-SE" dirty="0"/>
+              <a:t> </a:t>
+            </a:r>
+            <a:r>
+              <a:rPr lang="sv-SE" dirty="0" err="1"/>
+              <a:t>Development</a:t>
+            </a:r>
+            <a:endParaRPr lang="sv-SE" dirty="0"/>
           </a:p>
         </p:txBody>
       </p:sp>
-      <p:graphicFrame>
-        <p:nvGraphicFramePr>
-          <p:cNvPr id="7" name="Content Placeholder 6"/>
-          <p:cNvGraphicFramePr>
-            <a:graphicFrameLocks noGrp="1"/>
-          </p:cNvGraphicFramePr>
+      <p:sp>
+        <p:nvSpPr>
+          <p:cNvPr id="5" name="Platshållare för innehåll 4">
+            <a:extLst>
+              <a:ext uri="{FF2B5EF4-FFF2-40B4-BE49-F238E27FC236}">
+                <a16:creationId xmlns:a16="http://schemas.microsoft.com/office/drawing/2014/main" id="{C65A1136-D38D-4CE1-B256-7E6F97ADC8FA}"/>
+              </a:ext>
+            </a:extLst>
+          </p:cNvPr>
+          <p:cNvSpPr>
+            <a:spLocks noGrp="1"/>
+          </p:cNvSpPr>
           <p:nvPr>
-            <p:ph sz="half" idx="1"/>
+            <p:ph idx="1"/>
           </p:nvPr>
-        </p:nvGraphicFramePr>
-        <p:xfrm>
-          <a:off x="609203" y="1600201"/>
-          <a:ext cx="11384525" cy="4525963"/>
-        </p:xfrm>
-        <a:graphic>
-          <a:graphicData uri="http://schemas.openxmlformats.org/drawingml/2006/chart">
-            <c:chart xmlns:c="http://schemas.openxmlformats.org/drawingml/2006/chart" xmlns:r="http://schemas.openxmlformats.org/officeDocument/2006/relationships" r:id="rId2"/>
-          </a:graphicData>
-        </a:graphic>
-      </p:graphicFrame>
+        </p:nvSpPr>
+        <p:spPr/>
+        <p:txBody>
+          <a:bodyPr/>
+          <a:lstStyle/>
+          <a:p>
+            <a:r>
+              <a:rPr lang="sv-SE" dirty="0" err="1"/>
+              <a:t>Unit</a:t>
+            </a:r>
+            <a:r>
+              <a:rPr lang="sv-SE" dirty="0"/>
+              <a:t> </a:t>
+            </a:r>
+            <a:r>
+              <a:rPr lang="sv-SE" dirty="0" err="1"/>
+              <a:t>testing</a:t>
+            </a:r>
+            <a:r>
+              <a:rPr lang="sv-SE" dirty="0"/>
+              <a:t> =&gt; </a:t>
+            </a:r>
+            <a:r>
+              <a:rPr lang="sv-SE" dirty="0" err="1"/>
+              <a:t>Mock</a:t>
+            </a:r>
+            <a:r>
+              <a:rPr lang="sv-SE" dirty="0"/>
+              <a:t> </a:t>
+            </a:r>
+            <a:r>
+              <a:rPr lang="sv-SE" dirty="0" err="1"/>
+              <a:t>dependencies</a:t>
+            </a:r>
+            <a:endParaRPr lang="sv-SE" dirty="0"/>
+          </a:p>
+          <a:p>
+            <a:r>
+              <a:rPr lang="sv-SE" dirty="0" err="1"/>
+              <a:t>Database</a:t>
+            </a:r>
+            <a:r>
+              <a:rPr lang="sv-SE" dirty="0"/>
+              <a:t> is a </a:t>
+            </a:r>
+            <a:r>
+              <a:rPr lang="sv-SE" dirty="0" err="1"/>
+              <a:t>dependency</a:t>
+            </a:r>
+            <a:endParaRPr lang="sv-SE" dirty="0"/>
+          </a:p>
+          <a:p>
+            <a:r>
+              <a:rPr lang="sv-SE" dirty="0"/>
+              <a:t>If </a:t>
+            </a:r>
+            <a:r>
+              <a:rPr lang="sv-SE" dirty="0" err="1"/>
+              <a:t>database</a:t>
+            </a:r>
+            <a:r>
+              <a:rPr lang="sv-SE" dirty="0"/>
+              <a:t> calls </a:t>
+            </a:r>
+            <a:r>
+              <a:rPr lang="sv-SE" dirty="0" err="1"/>
+              <a:t>are</a:t>
+            </a:r>
+            <a:r>
+              <a:rPr lang="sv-SE" dirty="0"/>
+              <a:t> </a:t>
+            </a:r>
+            <a:r>
+              <a:rPr lang="sv-SE" dirty="0" err="1"/>
+              <a:t>mocked</a:t>
+            </a:r>
+            <a:r>
+              <a:rPr lang="sv-SE" dirty="0"/>
+              <a:t>, </a:t>
+            </a:r>
+            <a:r>
+              <a:rPr lang="sv-SE" dirty="0" err="1"/>
+              <a:t>who</a:t>
+            </a:r>
+            <a:r>
+              <a:rPr lang="sv-SE" dirty="0"/>
+              <a:t> </a:t>
+            </a:r>
+            <a:r>
+              <a:rPr lang="sv-SE" dirty="0" err="1"/>
+              <a:t>will</a:t>
+            </a:r>
+            <a:r>
+              <a:rPr lang="sv-SE" dirty="0"/>
+              <a:t> test the </a:t>
+            </a:r>
+            <a:r>
+              <a:rPr lang="sv-SE" dirty="0" err="1"/>
+              <a:t>database</a:t>
+            </a:r>
+            <a:r>
+              <a:rPr lang="sv-SE" dirty="0"/>
+              <a:t> </a:t>
+            </a:r>
+            <a:r>
+              <a:rPr lang="sv-SE" dirty="0" err="1"/>
+              <a:t>code</a:t>
+            </a:r>
+            <a:r>
+              <a:rPr lang="sv-SE" dirty="0"/>
+              <a:t>?</a:t>
+            </a:r>
+          </a:p>
+        </p:txBody>
+      </p:sp>
     </p:spTree>
+    <p:extLst>
+      <p:ext uri="{BB962C8B-B14F-4D97-AF65-F5344CB8AC3E}">
+        <p14:creationId xmlns:p14="http://schemas.microsoft.com/office/powerpoint/2010/main" val="2465887604"/>
+      </p:ext>
+    </p:extLst>
   </p:cSld>
   <p:clrMapOvr>
     <a:masterClrMapping/>
   </p:clrMapOvr>
+  <p:timing>
+    <p:tnLst>
+      <p:par>
+        <p:cTn id="1" dur="indefinite" restart="never" nodeType="tmRoot">
+          <p:childTnLst>
+            <p:seq concurrent="1" nextAc="seek">
+              <p:cTn id="2" dur="indefinite" nodeType="mainSeq">
+                <p:childTnLst>
+                  <p:par>
+                    <p:cTn id="3" fill="hold">
+                      <p:stCondLst>
+                        <p:cond delay="indefinite"/>
+                      </p:stCondLst>
+                      <p:childTnLst>
+                        <p:par>
+                          <p:cTn id="4" fill="hold">
+                            <p:stCondLst>
+                              <p:cond delay="0"/>
+                            </p:stCondLst>
+                            <p:childTnLst>
+                              <p:par>
+                                <p:cTn id="5" presetID="1" presetClass="entr" presetSubtype="0" fill="hold" grpId="0" nodeType="clickEffect">
+                                  <p:stCondLst>
+                                    <p:cond delay="0"/>
+                                  </p:stCondLst>
+                                  <p:childTnLst>
+                                    <p:set>
+                                      <p:cBhvr>
+                                        <p:cTn id="6" dur="1" fill="hold">
+                                          <p:stCondLst>
+                                            <p:cond delay="0"/>
+                                          </p:stCondLst>
+                                        </p:cTn>
+                                        <p:tgtEl>
+                                          <p:spTgt spid="5">
+                                            <p:txEl>
+                                              <p:pRg st="0" end="0"/>
+                                            </p:txEl>
+                                          </p:spTgt>
+                                        </p:tgtEl>
+                                        <p:attrNameLst>
+                                          <p:attrName>style.visibility</p:attrName>
+                                        </p:attrNameLst>
+                                      </p:cBhvr>
+                                      <p:to>
+                                        <p:strVal val="visible"/>
+                                      </p:to>
+                                    </p:set>
+                                  </p:childTnLst>
+                                </p:cTn>
+                              </p:par>
+                            </p:childTnLst>
+                          </p:cTn>
+                        </p:par>
+                      </p:childTnLst>
+                    </p:cTn>
+                  </p:par>
+                  <p:par>
+                    <p:cTn id="7" fill="hold">
+                      <p:stCondLst>
+                        <p:cond delay="indefinite"/>
+                      </p:stCondLst>
+                      <p:childTnLst>
+                        <p:par>
+                          <p:cTn id="8" fill="hold">
+                            <p:stCondLst>
+                              <p:cond delay="0"/>
+                            </p:stCondLst>
+                            <p:childTnLst>
+                              <p:par>
+                                <p:cTn id="9" presetID="1" presetClass="entr" presetSubtype="0" fill="hold" grpId="0" nodeType="clickEffect">
+                                  <p:stCondLst>
+                                    <p:cond delay="0"/>
+                                  </p:stCondLst>
+                                  <p:childTnLst>
+                                    <p:set>
+                                      <p:cBhvr>
+                                        <p:cTn id="10" dur="1" fill="hold">
+                                          <p:stCondLst>
+                                            <p:cond delay="0"/>
+                                          </p:stCondLst>
+                                        </p:cTn>
+                                        <p:tgtEl>
+                                          <p:spTgt spid="5">
+                                            <p:txEl>
+                                              <p:pRg st="1" end="1"/>
+                                            </p:txEl>
+                                          </p:spTgt>
+                                        </p:tgtEl>
+                                        <p:attrNameLst>
+                                          <p:attrName>style.visibility</p:attrName>
+                                        </p:attrNameLst>
+                                      </p:cBhvr>
+                                      <p:to>
+                                        <p:strVal val="visible"/>
+                                      </p:to>
+                                    </p:set>
+                                  </p:childTnLst>
+                                </p:cTn>
+                              </p:par>
+                            </p:childTnLst>
+                          </p:cTn>
+                        </p:par>
+                      </p:childTnLst>
+                    </p:cTn>
+                  </p:par>
+                  <p:par>
+                    <p:cTn id="11" fill="hold">
+                      <p:stCondLst>
+                        <p:cond delay="indefinite"/>
+                      </p:stCondLst>
+                      <p:childTnLst>
+                        <p:par>
+                          <p:cTn id="12" fill="hold">
+                            <p:stCondLst>
+                              <p:cond delay="0"/>
+                            </p:stCondLst>
+                            <p:childTnLst>
+                              <p:par>
+                                <p:cTn id="13" presetID="1" presetClass="entr" presetSubtype="0" fill="hold" grpId="0" nodeType="clickEffect">
+                                  <p:stCondLst>
+                                    <p:cond delay="0"/>
+                                  </p:stCondLst>
+                                  <p:childTnLst>
+                                    <p:set>
+                                      <p:cBhvr>
+                                        <p:cTn id="14" dur="1" fill="hold">
+                                          <p:stCondLst>
+                                            <p:cond delay="0"/>
+                                          </p:stCondLst>
+                                        </p:cTn>
+                                        <p:tgtEl>
+                                          <p:spTgt spid="5">
+                                            <p:txEl>
+                                              <p:pRg st="2" end="2"/>
+                                            </p:txEl>
+                                          </p:spTgt>
+                                        </p:tgtEl>
+                                        <p:attrNameLst>
+                                          <p:attrName>style.visibility</p:attrName>
+                                        </p:attrNameLst>
+                                      </p:cBhvr>
+                                      <p:to>
+                                        <p:strVal val="visible"/>
+                                      </p:to>
+                                    </p:set>
+                                  </p:childTnLst>
+                                </p:cTn>
+                              </p:par>
+                            </p:childTnLst>
+                          </p:cTn>
+                        </p:par>
+                      </p:childTnLst>
+                    </p:cTn>
+                  </p:par>
+                </p:childTnLst>
+              </p:cTn>
+              <p:prevCondLst>
+                <p:cond evt="onPrev" delay="0">
+                  <p:tgtEl>
+                    <p:sldTgt/>
+                  </p:tgtEl>
+                </p:cond>
+              </p:prevCondLst>
+              <p:nextCondLst>
+                <p:cond evt="onNext" delay="0">
+                  <p:tgtEl>
+                    <p:sldTgt/>
+                  </p:tgtEl>
+                </p:cond>
+              </p:nextCondLst>
+            </p:seq>
+          </p:childTnLst>
+        </p:cTn>
+      </p:par>
+    </p:tnLst>
+    <p:bldLst>
+      <p:bldP spid="5" grpId="0" build="p"/>
+    </p:bldLst>
+  </p:timing>
 </p:sld>
 </file>
 
@@ -7163,7 +7459,13 @@
       </p:grpSpPr>
       <p:sp>
         <p:nvSpPr>
-          <p:cNvPr id="4" name="Title 3"/>
+          <p:cNvPr id="2" name="Rubrik 1">
+            <a:extLst>
+              <a:ext uri="{FF2B5EF4-FFF2-40B4-BE49-F238E27FC236}">
+                <a16:creationId xmlns:a16="http://schemas.microsoft.com/office/drawing/2014/main" id="{52D59D4C-A055-42DF-AC8A-DA8ABB4E0174}"/>
+              </a:ext>
+            </a:extLst>
+          </p:cNvPr>
           <p:cNvSpPr>
             <a:spLocks noGrp="1"/>
           </p:cNvSpPr>
@@ -7177,38 +7479,511 @@
           <a:lstStyle/>
           <a:p>
             <a:r>
-              <a:rPr lang="en-US" dirty="0"/>
-              <a:t>Chart Type 2</a:t>
-            </a:r>
-            <a:endParaRPr lang="en-IN" dirty="0"/>
+              <a:rPr lang="sv-SE" dirty="0" err="1"/>
+              <a:t>How</a:t>
+            </a:r>
+            <a:r>
+              <a:rPr lang="sv-SE" dirty="0"/>
+              <a:t> to do Test Driven </a:t>
+            </a:r>
+            <a:r>
+              <a:rPr lang="sv-SE" dirty="0" err="1"/>
+              <a:t>Database</a:t>
+            </a:r>
+            <a:r>
+              <a:rPr lang="sv-SE" dirty="0"/>
+              <a:t> </a:t>
+            </a:r>
+            <a:r>
+              <a:rPr lang="sv-SE" dirty="0" err="1"/>
+              <a:t>Development</a:t>
+            </a:r>
+            <a:endParaRPr lang="sv-SE" dirty="0"/>
           </a:p>
         </p:txBody>
       </p:sp>
-      <p:graphicFrame>
-        <p:nvGraphicFramePr>
-          <p:cNvPr id="6" name="Content Placeholder 5"/>
-          <p:cNvGraphicFramePr>
-            <a:graphicFrameLocks noGrp="1"/>
-          </p:cNvGraphicFramePr>
+      <p:sp>
+        <p:nvSpPr>
+          <p:cNvPr id="3" name="Platshållare för innehåll 2">
+            <a:extLst>
+              <a:ext uri="{FF2B5EF4-FFF2-40B4-BE49-F238E27FC236}">
+                <a16:creationId xmlns:a16="http://schemas.microsoft.com/office/drawing/2014/main" id="{D6DA8875-0E27-434E-AE1A-1612E4F8AD9E}"/>
+              </a:ext>
+            </a:extLst>
+          </p:cNvPr>
+          <p:cNvSpPr>
+            <a:spLocks noGrp="1"/>
+          </p:cNvSpPr>
           <p:nvPr>
-            <p:ph sz="half" idx="1"/>
+            <p:ph idx="1"/>
           </p:nvPr>
-        </p:nvGraphicFramePr>
-        <p:xfrm>
-          <a:off x="609203" y="1600201"/>
-          <a:ext cx="11289337" cy="4525963"/>
-        </p:xfrm>
-        <a:graphic>
-          <a:graphicData uri="http://schemas.openxmlformats.org/drawingml/2006/chart">
-            <c:chart xmlns:c="http://schemas.openxmlformats.org/drawingml/2006/chart" xmlns:r="http://schemas.openxmlformats.org/officeDocument/2006/relationships" r:id="rId2"/>
-          </a:graphicData>
-        </a:graphic>
-      </p:graphicFrame>
+        </p:nvSpPr>
+        <p:spPr/>
+        <p:txBody>
+          <a:bodyPr/>
+          <a:lstStyle/>
+          <a:p>
+            <a:pPr>
+              <a:buFontTx/>
+              <a:buChar char="-"/>
+            </a:pPr>
+            <a:r>
+              <a:rPr lang="sv-SE" dirty="0"/>
+              <a:t>Same </a:t>
+            </a:r>
+            <a:r>
+              <a:rPr lang="sv-SE" dirty="0" err="1"/>
+              <a:t>basics</a:t>
+            </a:r>
+            <a:endParaRPr lang="sv-SE" dirty="0"/>
+          </a:p>
+          <a:p>
+            <a:pPr>
+              <a:buFontTx/>
+              <a:buChar char="-"/>
+            </a:pPr>
+            <a:r>
+              <a:rPr lang="sv-SE" dirty="0"/>
+              <a:t>Test </a:t>
+            </a:r>
+            <a:r>
+              <a:rPr lang="sv-SE" dirty="0" err="1"/>
+              <a:t>one</a:t>
+            </a:r>
+            <a:r>
+              <a:rPr lang="sv-SE" dirty="0"/>
+              <a:t> </a:t>
+            </a:r>
+            <a:r>
+              <a:rPr lang="sv-SE" dirty="0" err="1"/>
+              <a:t>unit</a:t>
+            </a:r>
+            <a:r>
+              <a:rPr lang="sv-SE" dirty="0"/>
+              <a:t> </a:t>
+            </a:r>
+            <a:r>
+              <a:rPr lang="sv-SE" dirty="0" err="1"/>
+              <a:t>of</a:t>
+            </a:r>
+            <a:r>
+              <a:rPr lang="sv-SE" dirty="0"/>
+              <a:t> </a:t>
+            </a:r>
+            <a:r>
+              <a:rPr lang="sv-SE" dirty="0" err="1"/>
+              <a:t>work</a:t>
+            </a:r>
+            <a:endParaRPr lang="sv-SE" dirty="0"/>
+          </a:p>
+          <a:p>
+            <a:pPr>
+              <a:buFontTx/>
+              <a:buChar char="-"/>
+            </a:pPr>
+            <a:r>
+              <a:rPr lang="sv-SE" dirty="0" err="1"/>
+              <a:t>Don’t</a:t>
+            </a:r>
+            <a:r>
+              <a:rPr lang="sv-SE" dirty="0"/>
+              <a:t> </a:t>
+            </a:r>
+            <a:r>
+              <a:rPr lang="sv-SE" dirty="0" err="1"/>
+              <a:t>rely</a:t>
+            </a:r>
+            <a:r>
+              <a:rPr lang="sv-SE" dirty="0"/>
+              <a:t> on </a:t>
+            </a:r>
+            <a:r>
+              <a:rPr lang="sv-SE" dirty="0" err="1"/>
+              <a:t>other</a:t>
+            </a:r>
+            <a:r>
+              <a:rPr lang="sv-SE" dirty="0"/>
+              <a:t> services/</a:t>
+            </a:r>
+            <a:r>
+              <a:rPr lang="sv-SE" dirty="0" err="1"/>
+              <a:t>objects</a:t>
+            </a:r>
+            <a:endParaRPr lang="sv-SE" dirty="0"/>
+          </a:p>
+          <a:p>
+            <a:pPr>
+              <a:buFontTx/>
+              <a:buChar char="-"/>
+            </a:pPr>
+            <a:r>
+              <a:rPr lang="sv-SE" dirty="0" err="1"/>
+              <a:t>Don’t</a:t>
+            </a:r>
+            <a:r>
+              <a:rPr lang="sv-SE" dirty="0"/>
+              <a:t> </a:t>
+            </a:r>
+            <a:r>
+              <a:rPr lang="sv-SE" dirty="0" err="1"/>
+              <a:t>rely</a:t>
+            </a:r>
+            <a:r>
+              <a:rPr lang="sv-SE" dirty="0"/>
+              <a:t> on data </a:t>
+            </a:r>
+          </a:p>
+          <a:p>
+            <a:pPr lvl="1">
+              <a:buFontTx/>
+              <a:buChar char="-"/>
+            </a:pPr>
+            <a:r>
+              <a:rPr lang="sv-SE" dirty="0" err="1"/>
+              <a:t>Create</a:t>
+            </a:r>
+            <a:r>
+              <a:rPr lang="sv-SE" dirty="0"/>
+              <a:t> the test data inside the test</a:t>
+            </a:r>
+          </a:p>
+          <a:p>
+            <a:pPr lvl="1">
+              <a:buFontTx/>
+              <a:buChar char="-"/>
+            </a:pPr>
+            <a:r>
+              <a:rPr lang="sv-SE" dirty="0" err="1"/>
+              <a:t>Remove</a:t>
+            </a:r>
+            <a:r>
+              <a:rPr lang="sv-SE" dirty="0"/>
+              <a:t> the test data </a:t>
+            </a:r>
+            <a:r>
+              <a:rPr lang="sv-SE" dirty="0" err="1"/>
+              <a:t>once</a:t>
+            </a:r>
+            <a:r>
+              <a:rPr lang="sv-SE" dirty="0"/>
+              <a:t> the test is </a:t>
+            </a:r>
+            <a:r>
+              <a:rPr lang="sv-SE" dirty="0" err="1"/>
+              <a:t>completed</a:t>
+            </a:r>
+            <a:endParaRPr lang="sv-SE" dirty="0"/>
+          </a:p>
+          <a:p>
+            <a:pPr>
+              <a:buFontTx/>
+              <a:buChar char="-"/>
+            </a:pPr>
+            <a:endParaRPr lang="sv-SE" dirty="0"/>
+          </a:p>
+        </p:txBody>
+      </p:sp>
     </p:spTree>
+    <p:extLst>
+      <p:ext uri="{BB962C8B-B14F-4D97-AF65-F5344CB8AC3E}">
+        <p14:creationId xmlns:p14="http://schemas.microsoft.com/office/powerpoint/2010/main" val="2466213514"/>
+      </p:ext>
+    </p:extLst>
   </p:cSld>
   <p:clrMapOvr>
     <a:masterClrMapping/>
   </p:clrMapOvr>
+  <p:timing>
+    <p:tnLst>
+      <p:par>
+        <p:cTn id="1" dur="indefinite" restart="never" nodeType="tmRoot">
+          <p:childTnLst>
+            <p:seq concurrent="1" nextAc="seek">
+              <p:cTn id="2" dur="indefinite" nodeType="mainSeq">
+                <p:childTnLst>
+                  <p:par>
+                    <p:cTn id="3" fill="hold">
+                      <p:stCondLst>
+                        <p:cond delay="indefinite"/>
+                      </p:stCondLst>
+                      <p:childTnLst>
+                        <p:par>
+                          <p:cTn id="4" fill="hold">
+                            <p:stCondLst>
+                              <p:cond delay="0"/>
+                            </p:stCondLst>
+                            <p:childTnLst>
+                              <p:par>
+                                <p:cTn id="5" presetID="1" presetClass="entr" presetSubtype="0" fill="hold" grpId="0" nodeType="clickEffect">
+                                  <p:stCondLst>
+                                    <p:cond delay="0"/>
+                                  </p:stCondLst>
+                                  <p:childTnLst>
+                                    <p:set>
+                                      <p:cBhvr>
+                                        <p:cTn id="6" dur="1" fill="hold">
+                                          <p:stCondLst>
+                                            <p:cond delay="0"/>
+                                          </p:stCondLst>
+                                        </p:cTn>
+                                        <p:tgtEl>
+                                          <p:spTgt spid="3">
+                                            <p:txEl>
+                                              <p:pRg st="0" end="0"/>
+                                            </p:txEl>
+                                          </p:spTgt>
+                                        </p:tgtEl>
+                                        <p:attrNameLst>
+                                          <p:attrName>style.visibility</p:attrName>
+                                        </p:attrNameLst>
+                                      </p:cBhvr>
+                                      <p:to>
+                                        <p:strVal val="visible"/>
+                                      </p:to>
+                                    </p:set>
+                                  </p:childTnLst>
+                                </p:cTn>
+                              </p:par>
+                            </p:childTnLst>
+                          </p:cTn>
+                        </p:par>
+                      </p:childTnLst>
+                    </p:cTn>
+                  </p:par>
+                  <p:par>
+                    <p:cTn id="7" fill="hold">
+                      <p:stCondLst>
+                        <p:cond delay="indefinite"/>
+                      </p:stCondLst>
+                      <p:childTnLst>
+                        <p:par>
+                          <p:cTn id="8" fill="hold">
+                            <p:stCondLst>
+                              <p:cond delay="0"/>
+                            </p:stCondLst>
+                            <p:childTnLst>
+                              <p:par>
+                                <p:cTn id="9" presetID="1" presetClass="entr" presetSubtype="0" fill="hold" grpId="0" nodeType="clickEffect">
+                                  <p:stCondLst>
+                                    <p:cond delay="0"/>
+                                  </p:stCondLst>
+                                  <p:childTnLst>
+                                    <p:set>
+                                      <p:cBhvr>
+                                        <p:cTn id="10" dur="1" fill="hold">
+                                          <p:stCondLst>
+                                            <p:cond delay="0"/>
+                                          </p:stCondLst>
+                                        </p:cTn>
+                                        <p:tgtEl>
+                                          <p:spTgt spid="3">
+                                            <p:txEl>
+                                              <p:pRg st="1" end="1"/>
+                                            </p:txEl>
+                                          </p:spTgt>
+                                        </p:tgtEl>
+                                        <p:attrNameLst>
+                                          <p:attrName>style.visibility</p:attrName>
+                                        </p:attrNameLst>
+                                      </p:cBhvr>
+                                      <p:to>
+                                        <p:strVal val="visible"/>
+                                      </p:to>
+                                    </p:set>
+                                  </p:childTnLst>
+                                </p:cTn>
+                              </p:par>
+                            </p:childTnLst>
+                          </p:cTn>
+                        </p:par>
+                      </p:childTnLst>
+                    </p:cTn>
+                  </p:par>
+                  <p:par>
+                    <p:cTn id="11" fill="hold">
+                      <p:stCondLst>
+                        <p:cond delay="indefinite"/>
+                      </p:stCondLst>
+                      <p:childTnLst>
+                        <p:par>
+                          <p:cTn id="12" fill="hold">
+                            <p:stCondLst>
+                              <p:cond delay="0"/>
+                            </p:stCondLst>
+                            <p:childTnLst>
+                              <p:par>
+                                <p:cTn id="13" presetID="1" presetClass="entr" presetSubtype="0" fill="hold" grpId="0" nodeType="clickEffect">
+                                  <p:stCondLst>
+                                    <p:cond delay="0"/>
+                                  </p:stCondLst>
+                                  <p:childTnLst>
+                                    <p:set>
+                                      <p:cBhvr>
+                                        <p:cTn id="14" dur="1" fill="hold">
+                                          <p:stCondLst>
+                                            <p:cond delay="0"/>
+                                          </p:stCondLst>
+                                        </p:cTn>
+                                        <p:tgtEl>
+                                          <p:spTgt spid="3">
+                                            <p:txEl>
+                                              <p:pRg st="2" end="2"/>
+                                            </p:txEl>
+                                          </p:spTgt>
+                                        </p:tgtEl>
+                                        <p:attrNameLst>
+                                          <p:attrName>style.visibility</p:attrName>
+                                        </p:attrNameLst>
+                                      </p:cBhvr>
+                                      <p:to>
+                                        <p:strVal val="visible"/>
+                                      </p:to>
+                                    </p:set>
+                                  </p:childTnLst>
+                                </p:cTn>
+                              </p:par>
+                            </p:childTnLst>
+                          </p:cTn>
+                        </p:par>
+                      </p:childTnLst>
+                    </p:cTn>
+                  </p:par>
+                  <p:par>
+                    <p:cTn id="15" fill="hold">
+                      <p:stCondLst>
+                        <p:cond delay="indefinite"/>
+                      </p:stCondLst>
+                      <p:childTnLst>
+                        <p:par>
+                          <p:cTn id="16" fill="hold">
+                            <p:stCondLst>
+                              <p:cond delay="0"/>
+                            </p:stCondLst>
+                            <p:childTnLst>
+                              <p:par>
+                                <p:cTn id="17" presetID="1" presetClass="entr" presetSubtype="0" fill="hold" grpId="0" nodeType="clickEffect">
+                                  <p:stCondLst>
+                                    <p:cond delay="0"/>
+                                  </p:stCondLst>
+                                  <p:childTnLst>
+                                    <p:set>
+                                      <p:cBhvr>
+                                        <p:cTn id="18" dur="1" fill="hold">
+                                          <p:stCondLst>
+                                            <p:cond delay="0"/>
+                                          </p:stCondLst>
+                                        </p:cTn>
+                                        <p:tgtEl>
+                                          <p:spTgt spid="3">
+                                            <p:txEl>
+                                              <p:pRg st="3" end="3"/>
+                                            </p:txEl>
+                                          </p:spTgt>
+                                        </p:tgtEl>
+                                        <p:attrNameLst>
+                                          <p:attrName>style.visibility</p:attrName>
+                                        </p:attrNameLst>
+                                      </p:cBhvr>
+                                      <p:to>
+                                        <p:strVal val="visible"/>
+                                      </p:to>
+                                    </p:set>
+                                  </p:childTnLst>
+                                </p:cTn>
+                              </p:par>
+                              <p:par>
+                                <p:cTn id="19" presetID="1" presetClass="entr" presetSubtype="0" fill="hold" grpId="0" nodeType="withEffect">
+                                  <p:stCondLst>
+                                    <p:cond delay="0"/>
+                                  </p:stCondLst>
+                                  <p:childTnLst>
+                                    <p:set>
+                                      <p:cBhvr>
+                                        <p:cTn id="20" dur="1" fill="hold">
+                                          <p:stCondLst>
+                                            <p:cond delay="0"/>
+                                          </p:stCondLst>
+                                        </p:cTn>
+                                        <p:tgtEl>
+                                          <p:spTgt spid="3">
+                                            <p:txEl>
+                                              <p:pRg st="4" end="4"/>
+                                            </p:txEl>
+                                          </p:spTgt>
+                                        </p:tgtEl>
+                                        <p:attrNameLst>
+                                          <p:attrName>style.visibility</p:attrName>
+                                        </p:attrNameLst>
+                                      </p:cBhvr>
+                                      <p:to>
+                                        <p:strVal val="visible"/>
+                                      </p:to>
+                                    </p:set>
+                                  </p:childTnLst>
+                                </p:cTn>
+                              </p:par>
+                              <p:par>
+                                <p:cTn id="21" presetID="1" presetClass="entr" presetSubtype="0" fill="hold" grpId="0" nodeType="withEffect">
+                                  <p:stCondLst>
+                                    <p:cond delay="0"/>
+                                  </p:stCondLst>
+                                  <p:childTnLst>
+                                    <p:set>
+                                      <p:cBhvr>
+                                        <p:cTn id="22" dur="1" fill="hold">
+                                          <p:stCondLst>
+                                            <p:cond delay="0"/>
+                                          </p:stCondLst>
+                                        </p:cTn>
+                                        <p:tgtEl>
+                                          <p:spTgt spid="3">
+                                            <p:txEl>
+                                              <p:pRg st="5" end="5"/>
+                                            </p:txEl>
+                                          </p:spTgt>
+                                        </p:tgtEl>
+                                        <p:attrNameLst>
+                                          <p:attrName>style.visibility</p:attrName>
+                                        </p:attrNameLst>
+                                      </p:cBhvr>
+                                      <p:to>
+                                        <p:strVal val="visible"/>
+                                      </p:to>
+                                    </p:set>
+                                  </p:childTnLst>
+                                </p:cTn>
+                              </p:par>
+                            </p:childTnLst>
+                          </p:cTn>
+                        </p:par>
+                      </p:childTnLst>
+                    </p:cTn>
+                  </p:par>
+                </p:childTnLst>
+              </p:cTn>
+              <p:prevCondLst>
+                <p:cond evt="onPrev" delay="0">
+                  <p:tgtEl>
+                    <p:sldTgt/>
+                  </p:tgtEl>
+                </p:cond>
+              </p:prevCondLst>
+              <p:nextCondLst>
+                <p:cond evt="onNext" delay="0">
+                  <p:tgtEl>
+                    <p:sldTgt/>
+                  </p:tgtEl>
+                </p:cond>
+              </p:nextCondLst>
+            </p:seq>
+          </p:childTnLst>
+        </p:cTn>
+      </p:par>
+    </p:tnLst>
+    <p:bldLst>
+      <p:bldP spid="3" grpId="0" build="p"/>
+    </p:bldLst>
+  </p:timing>
 </p:sld>
 </file>
 
